--- a/Bank Dataset.pptx
+++ b/Bank Dataset.pptx
@@ -69,16 +69,18 @@
     <p:sldId id="314" r:id="rId65"/>
     <p:sldId id="315" r:id="rId66"/>
     <p:sldId id="316" r:id="rId67"/>
+    <p:sldId id="317" r:id="rId68"/>
+    <p:sldId id="318" r:id="rId69"/>
   </p:sldIdLst>
   <p:sldSz cy="5143500" cx="9144000"/>
   <p:notesSz cx="6858000" cy="9144000"/>
   <p:embeddedFontLst>
     <p:embeddedFont>
       <p:font typeface="Roboto"/>
-      <p:regular r:id="rId68"/>
-      <p:bold r:id="rId69"/>
-      <p:italic r:id="rId70"/>
-      <p:boldItalic r:id="rId71"/>
+      <p:regular r:id="rId70"/>
+      <p:bold r:id="rId71"/>
+      <p:italic r:id="rId72"/>
+      <p:boldItalic r:id="rId73"/>
     </p:embeddedFont>
   </p:embeddedFontLst>
   <p:defaultTextStyle>
@@ -4367,7 +4369,7 @@
   <p:cSld>
     <p:spTree>
       <p:nvGrpSpPr>
-        <p:cNvPr id="352" name="Shape 352"/>
+        <p:cNvPr id="351" name="Shape 351"/>
         <p:cNvGrpSpPr/>
         <p:nvPr/>
       </p:nvGrpSpPr>
@@ -4381,7 +4383,7 @@
       </p:grpSpPr>
       <p:sp>
         <p:nvSpPr>
-          <p:cNvPr id="353" name="Google Shape;353;g26e95447240_1_94:notes"/>
+          <p:cNvPr id="352" name="Google Shape;352;g2ce1bacd1e6_0_0:notes"/>
           <p:cNvSpPr/>
           <p:nvPr>
             <p:ph idx="2" type="sldImg"/>
@@ -4416,7 +4418,7 @@
       </p:sp>
       <p:sp>
         <p:nvSpPr>
-          <p:cNvPr id="354" name="Google Shape;354;g26e95447240_1_94:notes"/>
+          <p:cNvPr id="353" name="Google Shape;353;g2ce1bacd1e6_0_0:notes"/>
           <p:cNvSpPr txBox="1"/>
           <p:nvPr>
             <p:ph idx="1" type="body"/>
@@ -4437,17 +4439,34 @@
           </a:bodyPr>
           <a:lstStyle/>
           <a:p>
-            <a:pPr indent="0" lvl="0" marL="0" rtl="0" algn="l">
-              <a:spcBef>
-                <a:spcPts val="0"/>
-              </a:spcBef>
-              <a:spcAft>
-                <a:spcPts val="0"/>
-              </a:spcAft>
-              <a:buNone/>
-            </a:pPr>
-            <a:r>
-              <a:t/>
+            <a:pPr indent="-304800" lvl="1" marL="914400" rtl="0" algn="l">
+              <a:lnSpc>
+                <a:spcPct val="115000"/>
+              </a:lnSpc>
+              <a:spcBef>
+                <a:spcPts val="0"/>
+              </a:spcBef>
+              <a:spcAft>
+                <a:spcPts val="0"/>
+              </a:spcAft>
+              <a:buClr>
+                <a:srgbClr val="737373"/>
+              </a:buClr>
+              <a:buSzPts val="1200"/>
+              <a:buFont typeface="Roboto"/>
+              <a:buChar char="○"/>
+            </a:pPr>
+            <a:r>
+              <a:rPr lang="en" sz="1200">
+                <a:solidFill>
+                  <a:srgbClr val="737373"/>
+                </a:solidFill>
+                <a:latin typeface="Roboto"/>
+                <a:ea typeface="Roboto"/>
+                <a:cs typeface="Roboto"/>
+                <a:sym typeface="Roboto"/>
+              </a:rPr>
+              <a:t>Overfitting due to the high complexity of the RF model relative to the training data</a:t>
             </a:r>
             <a:endParaRPr/>
           </a:p>
@@ -4466,7 +4485,7 @@
   <p:cSld>
     <p:spTree>
       <p:nvGrpSpPr>
-        <p:cNvPr id="360" name="Shape 360"/>
+        <p:cNvPr id="358" name="Shape 358"/>
         <p:cNvGrpSpPr/>
         <p:nvPr/>
       </p:nvGrpSpPr>
@@ -4480,7 +4499,7 @@
       </p:grpSpPr>
       <p:sp>
         <p:nvSpPr>
-          <p:cNvPr id="361" name="Google Shape;361;g26e95447240_1_60:notes"/>
+          <p:cNvPr id="359" name="Google Shape;359;g2ce1bacd1e6_0_15:notes"/>
           <p:cNvSpPr/>
           <p:nvPr>
             <p:ph idx="2" type="sldImg"/>
@@ -4515,7 +4534,7 @@
       </p:sp>
       <p:sp>
         <p:nvSpPr>
-          <p:cNvPr id="362" name="Google Shape;362;g26e95447240_1_60:notes"/>
+          <p:cNvPr id="360" name="Google Shape;360;g2ce1bacd1e6_0_15:notes"/>
           <p:cNvSpPr txBox="1"/>
           <p:nvPr>
             <p:ph idx="1" type="body"/>
@@ -4536,36 +4555,17 @@
           </a:bodyPr>
           <a:lstStyle/>
           <a:p>
-            <a:pPr indent="-298450" lvl="0" marL="457200" rtl="0" algn="l">
-              <a:spcBef>
-                <a:spcPts val="0"/>
-              </a:spcBef>
-              <a:spcAft>
-                <a:spcPts val="0"/>
-              </a:spcAft>
-              <a:buSzPts val="1100"/>
-              <a:buChar char="-"/>
-            </a:pPr>
-            <a:r>
-              <a:rPr lang="en"/>
-              <a:t>The metrics where the highest weve seen on the training data</a:t>
-            </a:r>
-            <a:endParaRPr/>
-          </a:p>
-          <a:p>
-            <a:pPr indent="-298450" lvl="0" marL="457200" rtl="0" algn="l">
-              <a:spcBef>
-                <a:spcPts val="0"/>
-              </a:spcBef>
-              <a:spcAft>
-                <a:spcPts val="0"/>
-              </a:spcAft>
-              <a:buSzPts val="1100"/>
-              <a:buChar char="-"/>
-            </a:pPr>
-            <a:r>
-              <a:rPr lang="en"/>
-              <a:t>Our sensitivity of 0.6163 is smaller than the PPV of 0.6901, which is strange, because usually across our previous models like the SLM and CLM, and RF the Sensitivity &gt; PPV</a:t>
+            <a:pPr indent="0" lvl="0" marL="0" rtl="0" algn="l">
+              <a:spcBef>
+                <a:spcPts val="0"/>
+              </a:spcBef>
+              <a:spcAft>
+                <a:spcPts val="0"/>
+              </a:spcAft>
+              <a:buNone/>
+            </a:pPr>
+            <a:r>
+              <a:t/>
             </a:r>
             <a:endParaRPr/>
           </a:p>
@@ -4584,7 +4584,7 @@
   <p:cSld>
     <p:spTree>
       <p:nvGrpSpPr>
-        <p:cNvPr id="367" name="Shape 367"/>
+        <p:cNvPr id="366" name="Shape 366"/>
         <p:cNvGrpSpPr/>
         <p:nvPr/>
       </p:nvGrpSpPr>
@@ -4598,7 +4598,7 @@
       </p:grpSpPr>
       <p:sp>
         <p:nvSpPr>
-          <p:cNvPr id="368" name="Google Shape;368;g26e95447240_1_100:notes"/>
+          <p:cNvPr id="367" name="Google Shape;367;g26e95447240_1_94:notes"/>
           <p:cNvSpPr/>
           <p:nvPr>
             <p:ph idx="2" type="sldImg"/>
@@ -4633,7 +4633,7 @@
       </p:sp>
       <p:sp>
         <p:nvSpPr>
-          <p:cNvPr id="369" name="Google Shape;369;g26e95447240_1_100:notes"/>
+          <p:cNvPr id="368" name="Google Shape;368;g26e95447240_1_94:notes"/>
           <p:cNvSpPr txBox="1"/>
           <p:nvPr>
             <p:ph idx="1" type="body"/>
@@ -4683,7 +4683,7 @@
   <p:cSld>
     <p:spTree>
       <p:nvGrpSpPr>
-        <p:cNvPr id="378" name="Shape 378"/>
+        <p:cNvPr id="374" name="Shape 374"/>
         <p:cNvGrpSpPr/>
         <p:nvPr/>
       </p:nvGrpSpPr>
@@ -4697,7 +4697,7 @@
       </p:grpSpPr>
       <p:sp>
         <p:nvSpPr>
-          <p:cNvPr id="379" name="Google Shape;379;g2c9f3961926_1_128:notes"/>
+          <p:cNvPr id="375" name="Google Shape;375;g26e95447240_1_60:notes"/>
           <p:cNvSpPr/>
           <p:nvPr>
             <p:ph idx="2" type="sldImg"/>
@@ -4732,7 +4732,7 @@
       </p:sp>
       <p:sp>
         <p:nvSpPr>
-          <p:cNvPr id="380" name="Google Shape;380;g2c9f3961926_1_128:notes"/>
+          <p:cNvPr id="376" name="Google Shape;376;g26e95447240_1_60:notes"/>
           <p:cNvSpPr txBox="1"/>
           <p:nvPr>
             <p:ph idx="1" type="body"/>
@@ -4753,18 +4753,36 @@
           </a:bodyPr>
           <a:lstStyle/>
           <a:p>
-            <a:pPr indent="0" lvl="0" marL="0" rtl="0" algn="l">
-              <a:spcBef>
-                <a:spcPts val="0"/>
-              </a:spcBef>
-              <a:spcAft>
-                <a:spcPts val="0"/>
-              </a:spcAft>
-              <a:buNone/>
+            <a:pPr indent="-298450" lvl="0" marL="457200" rtl="0" algn="l">
+              <a:spcBef>
+                <a:spcPts val="0"/>
+              </a:spcBef>
+              <a:spcAft>
+                <a:spcPts val="0"/>
+              </a:spcAft>
+              <a:buSzPts val="1100"/>
+              <a:buChar char="-"/>
             </a:pPr>
             <a:r>
               <a:rPr lang="en"/>
-              <a:t>We can see that across our metric, our complex </a:t>
+              <a:t>The metrics where the highest weve seen on the training data</a:t>
+            </a:r>
+            <a:endParaRPr/>
+          </a:p>
+          <a:p>
+            <a:pPr indent="-298450" lvl="0" marL="457200" rtl="0" algn="l">
+              <a:spcBef>
+                <a:spcPts val="0"/>
+              </a:spcBef>
+              <a:spcAft>
+                <a:spcPts val="0"/>
+              </a:spcAft>
+              <a:buSzPts val="1100"/>
+              <a:buChar char="-"/>
+            </a:pPr>
+            <a:r>
+              <a:rPr lang="en"/>
+              <a:t>Our sensitivity of 0.6163 is smaller than the PPV of 0.6901, which is strange, because usually across our previous models like the SLM and CLM, and RF the Sensitivity &gt; PPV</a:t>
             </a:r>
             <a:endParaRPr/>
           </a:p>
@@ -4783,7 +4801,7 @@
   <p:cSld>
     <p:spTree>
       <p:nvGrpSpPr>
-        <p:cNvPr id="395" name="Shape 395"/>
+        <p:cNvPr id="381" name="Shape 381"/>
         <p:cNvGrpSpPr/>
         <p:nvPr/>
       </p:nvGrpSpPr>
@@ -4797,7 +4815,7 @@
       </p:grpSpPr>
       <p:sp>
         <p:nvSpPr>
-          <p:cNvPr id="396" name="Google Shape;396;g2cd6269aabe_1_16:notes"/>
+          <p:cNvPr id="382" name="Google Shape;382;g26e95447240_1_100:notes"/>
           <p:cNvSpPr/>
           <p:nvPr>
             <p:ph idx="2" type="sldImg"/>
@@ -4832,7 +4850,7 @@
       </p:sp>
       <p:sp>
         <p:nvSpPr>
-          <p:cNvPr id="397" name="Google Shape;397;g2cd6269aabe_1_16:notes"/>
+          <p:cNvPr id="383" name="Google Shape;383;g26e95447240_1_100:notes"/>
           <p:cNvSpPr txBox="1"/>
           <p:nvPr>
             <p:ph idx="1" type="body"/>
@@ -4882,7 +4900,7 @@
   <p:cSld>
     <p:spTree>
       <p:nvGrpSpPr>
-        <p:cNvPr id="400" name="Shape 400"/>
+        <p:cNvPr id="392" name="Shape 392"/>
         <p:cNvGrpSpPr/>
         <p:nvPr/>
       </p:nvGrpSpPr>
@@ -4896,7 +4914,7 @@
       </p:grpSpPr>
       <p:sp>
         <p:nvSpPr>
-          <p:cNvPr id="401" name="Google Shape;401;g26e95447240_1_110:notes"/>
+          <p:cNvPr id="393" name="Google Shape;393;g2c9f3961926_1_128:notes"/>
           <p:cNvSpPr/>
           <p:nvPr>
             <p:ph idx="2" type="sldImg"/>
@@ -4931,7 +4949,7 @@
       </p:sp>
       <p:sp>
         <p:nvSpPr>
-          <p:cNvPr id="402" name="Google Shape;402;g26e95447240_1_110:notes"/>
+          <p:cNvPr id="394" name="Google Shape;394;g2c9f3961926_1_128:notes"/>
           <p:cNvSpPr txBox="1"/>
           <p:nvPr>
             <p:ph idx="1" type="body"/>
@@ -4962,7 +4980,8 @@
               <a:buNone/>
             </a:pPr>
             <a:r>
-              <a:t/>
+              <a:rPr lang="en"/>
+              <a:t>We can see that across our metric, our complex </a:t>
             </a:r>
             <a:endParaRPr/>
           </a:p>
@@ -4981,7 +5000,7 @@
   <p:cSld>
     <p:spTree>
       <p:nvGrpSpPr>
-        <p:cNvPr id="406" name="Shape 406"/>
+        <p:cNvPr id="410" name="Shape 410"/>
         <p:cNvGrpSpPr/>
         <p:nvPr/>
       </p:nvGrpSpPr>
@@ -4995,7 +5014,7 @@
       </p:grpSpPr>
       <p:sp>
         <p:nvSpPr>
-          <p:cNvPr id="407" name="Google Shape;407;g26e95447240_1_53:notes"/>
+          <p:cNvPr id="411" name="Google Shape;411;g2cd6269aabe_1_16:notes"/>
           <p:cNvSpPr/>
           <p:nvPr>
             <p:ph idx="2" type="sldImg"/>
@@ -5030,7 +5049,7 @@
       </p:sp>
       <p:sp>
         <p:nvSpPr>
-          <p:cNvPr id="408" name="Google Shape;408;g26e95447240_1_53:notes"/>
+          <p:cNvPr id="412" name="Google Shape;412;g2cd6269aabe_1_16:notes"/>
           <p:cNvSpPr txBox="1"/>
           <p:nvPr>
             <p:ph idx="1" type="body"/>
@@ -5080,7 +5099,7 @@
   <p:cSld>
     <p:spTree>
       <p:nvGrpSpPr>
-        <p:cNvPr id="413" name="Shape 413"/>
+        <p:cNvPr id="415" name="Shape 415"/>
         <p:cNvGrpSpPr/>
         <p:nvPr/>
       </p:nvGrpSpPr>
@@ -5094,7 +5113,7 @@
       </p:grpSpPr>
       <p:sp>
         <p:nvSpPr>
-          <p:cNvPr id="414" name="Google Shape;414;g2cd6269aabe_1_25:notes"/>
+          <p:cNvPr id="416" name="Google Shape;416;g26e95447240_1_110:notes"/>
           <p:cNvSpPr/>
           <p:nvPr>
             <p:ph idx="2" type="sldImg"/>
@@ -5129,7 +5148,7 @@
       </p:sp>
       <p:sp>
         <p:nvSpPr>
-          <p:cNvPr id="415" name="Google Shape;415;g2cd6269aabe_1_25:notes"/>
+          <p:cNvPr id="417" name="Google Shape;417;g26e95447240_1_110:notes"/>
           <p:cNvSpPr txBox="1"/>
           <p:nvPr>
             <p:ph idx="1" type="body"/>
@@ -5150,101 +5169,6 @@
           </a:bodyPr>
           <a:lstStyle/>
           <a:p>
-            <a:pPr indent="-298450" lvl="0" marL="457200" rtl="0" algn="l">
-              <a:spcBef>
-                <a:spcPts val="0"/>
-              </a:spcBef>
-              <a:spcAft>
-                <a:spcPts val="0"/>
-              </a:spcAft>
-              <a:buSzPts val="1100"/>
-              <a:buChar char="-"/>
-            </a:pPr>
-            <a:r>
-              <a:rPr lang="en"/>
-              <a:t>Based on our analysis, We highly suggest For the </a:t>
-            </a:r>
-            <a:r>
-              <a:rPr lang="en"/>
-              <a:t>next</a:t>
-            </a:r>
-            <a:r>
-              <a:rPr lang="en"/>
-              <a:t> campaign, that the campaign team focus on the month of march, </a:t>
-            </a:r>
-            <a:r>
-              <a:rPr lang="en"/>
-              <a:t>also</a:t>
-            </a:r>
-            <a:r>
-              <a:rPr lang="en"/>
-              <a:t> look into the months of </a:t>
-            </a:r>
-            <a:r>
-              <a:rPr lang="en"/>
-              <a:t>August</a:t>
-            </a:r>
-            <a:r>
-              <a:rPr lang="en"/>
-              <a:t> and December. </a:t>
-            </a:r>
-            <a:endParaRPr/>
-          </a:p>
-          <a:p>
-            <a:pPr indent="-298450" lvl="0" marL="457200" rtl="0" algn="l">
-              <a:spcBef>
-                <a:spcPts val="0"/>
-              </a:spcBef>
-              <a:spcAft>
-                <a:spcPts val="0"/>
-              </a:spcAft>
-              <a:buSzPts val="1100"/>
-              <a:buChar char="-"/>
-            </a:pPr>
-            <a:r>
-              <a:rPr lang="en"/>
-              <a:t>PPl are more likely to say yes if the previously subscribed the previous time,</a:t>
-            </a:r>
-            <a:endParaRPr/>
-          </a:p>
-          <a:p>
-            <a:pPr indent="-298450" lvl="0" marL="457200" rtl="0" algn="l">
-              <a:spcBef>
-                <a:spcPts val="0"/>
-              </a:spcBef>
-              <a:spcAft>
-                <a:spcPts val="0"/>
-              </a:spcAft>
-              <a:buSzPts val="1100"/>
-              <a:buChar char="-"/>
-            </a:pPr>
-            <a:r>
-              <a:rPr lang="en"/>
-              <a:t>It'll</a:t>
-            </a:r>
-            <a:r>
-              <a:rPr lang="en"/>
-              <a:t> more beneficial to call more when socio </a:t>
-            </a:r>
-            <a:r>
-              <a:rPr lang="en"/>
-              <a:t>economic</a:t>
-            </a:r>
-            <a:r>
-              <a:rPr lang="en"/>
-              <a:t> </a:t>
-            </a:r>
-            <a:r>
-              <a:rPr lang="en"/>
-              <a:t>variables</a:t>
-            </a:r>
-            <a:r>
-              <a:rPr lang="en"/>
-              <a:t> are low</a:t>
-            </a:r>
-            <a:endParaRPr/>
-          </a:p>
-          <a:p>
             <a:pPr indent="0" lvl="0" marL="0" rtl="0" algn="l">
               <a:spcBef>
                 <a:spcPts val="0"/>
@@ -5274,7 +5198,7 @@
   <p:cSld>
     <p:spTree>
       <p:nvGrpSpPr>
-        <p:cNvPr id="420" name="Shape 420"/>
+        <p:cNvPr id="421" name="Shape 421"/>
         <p:cNvGrpSpPr/>
         <p:nvPr/>
       </p:nvGrpSpPr>
@@ -5288,7 +5212,7 @@
       </p:grpSpPr>
       <p:sp>
         <p:nvSpPr>
-          <p:cNvPr id="421" name="Google Shape;421;g26e95447240_1_84:notes"/>
+          <p:cNvPr id="422" name="Google Shape;422;g26e95447240_1_53:notes"/>
           <p:cNvSpPr/>
           <p:nvPr>
             <p:ph idx="2" type="sldImg"/>
@@ -5323,7 +5247,7 @@
       </p:sp>
       <p:sp>
         <p:nvSpPr>
-          <p:cNvPr id="422" name="Google Shape;422;g26e95447240_1_84:notes"/>
+          <p:cNvPr id="423" name="Google Shape;423;g26e95447240_1_53:notes"/>
           <p:cNvSpPr txBox="1"/>
           <p:nvPr>
             <p:ph idx="1" type="body"/>
@@ -5472,7 +5396,7 @@
   <p:cSld>
     <p:spTree>
       <p:nvGrpSpPr>
-        <p:cNvPr id="426" name="Shape 426"/>
+        <p:cNvPr id="428" name="Shape 428"/>
         <p:cNvGrpSpPr/>
         <p:nvPr/>
       </p:nvGrpSpPr>
@@ -5486,7 +5410,7 @@
       </p:grpSpPr>
       <p:sp>
         <p:nvSpPr>
-          <p:cNvPr id="427" name="Google Shape;427;g2cd6269aabe_1_20:notes"/>
+          <p:cNvPr id="429" name="Google Shape;429;g2cd6269aabe_1_25:notes"/>
           <p:cNvSpPr/>
           <p:nvPr>
             <p:ph idx="2" type="sldImg"/>
@@ -5521,7 +5445,7 @@
       </p:sp>
       <p:sp>
         <p:nvSpPr>
-          <p:cNvPr id="428" name="Google Shape;428;g2cd6269aabe_1_20:notes"/>
+          <p:cNvPr id="430" name="Google Shape;430;g2cd6269aabe_1_25:notes"/>
           <p:cNvSpPr txBox="1"/>
           <p:nvPr>
             <p:ph idx="1" type="body"/>
@@ -5542,6 +5466,101 @@
           </a:bodyPr>
           <a:lstStyle/>
           <a:p>
+            <a:pPr indent="-298450" lvl="0" marL="457200" rtl="0" algn="l">
+              <a:spcBef>
+                <a:spcPts val="0"/>
+              </a:spcBef>
+              <a:spcAft>
+                <a:spcPts val="0"/>
+              </a:spcAft>
+              <a:buSzPts val="1100"/>
+              <a:buChar char="-"/>
+            </a:pPr>
+            <a:r>
+              <a:rPr lang="en"/>
+              <a:t>Based on our analysis, We highly suggest For the </a:t>
+            </a:r>
+            <a:r>
+              <a:rPr lang="en"/>
+              <a:t>next</a:t>
+            </a:r>
+            <a:r>
+              <a:rPr lang="en"/>
+              <a:t> campaign, that the campaign team focus on the month of march, </a:t>
+            </a:r>
+            <a:r>
+              <a:rPr lang="en"/>
+              <a:t>also</a:t>
+            </a:r>
+            <a:r>
+              <a:rPr lang="en"/>
+              <a:t> look into the months of </a:t>
+            </a:r>
+            <a:r>
+              <a:rPr lang="en"/>
+              <a:t>August</a:t>
+            </a:r>
+            <a:r>
+              <a:rPr lang="en"/>
+              <a:t> and December. </a:t>
+            </a:r>
+            <a:endParaRPr/>
+          </a:p>
+          <a:p>
+            <a:pPr indent="-298450" lvl="0" marL="457200" rtl="0" algn="l">
+              <a:spcBef>
+                <a:spcPts val="0"/>
+              </a:spcBef>
+              <a:spcAft>
+                <a:spcPts val="0"/>
+              </a:spcAft>
+              <a:buSzPts val="1100"/>
+              <a:buChar char="-"/>
+            </a:pPr>
+            <a:r>
+              <a:rPr lang="en"/>
+              <a:t>PPl are more likely to say yes if the previously subscribed the previous time,</a:t>
+            </a:r>
+            <a:endParaRPr/>
+          </a:p>
+          <a:p>
+            <a:pPr indent="-298450" lvl="0" marL="457200" rtl="0" algn="l">
+              <a:spcBef>
+                <a:spcPts val="0"/>
+              </a:spcBef>
+              <a:spcAft>
+                <a:spcPts val="0"/>
+              </a:spcAft>
+              <a:buSzPts val="1100"/>
+              <a:buChar char="-"/>
+            </a:pPr>
+            <a:r>
+              <a:rPr lang="en"/>
+              <a:t>It'll</a:t>
+            </a:r>
+            <a:r>
+              <a:rPr lang="en"/>
+              <a:t> more beneficial to call more when socio </a:t>
+            </a:r>
+            <a:r>
+              <a:rPr lang="en"/>
+              <a:t>economic</a:t>
+            </a:r>
+            <a:r>
+              <a:rPr lang="en"/>
+              <a:t> </a:t>
+            </a:r>
+            <a:r>
+              <a:rPr lang="en"/>
+              <a:t>variables</a:t>
+            </a:r>
+            <a:r>
+              <a:rPr lang="en"/>
+              <a:t> are low</a:t>
+            </a:r>
+            <a:endParaRPr/>
+          </a:p>
+          <a:p>
             <a:pPr indent="0" lvl="0" marL="0" rtl="0" algn="l">
               <a:spcBef>
                 <a:spcPts val="0"/>
@@ -5552,8 +5571,7 @@
               <a:buNone/>
             </a:pPr>
             <a:r>
-              <a:rPr lang="en"/>
-              <a:t>Thank you for your time, heres  out linkedin if you will like to connect to ask more questions or reach out. We appreciate the time you took to listen tp our presentation. Have a wonderful day.</a:t>
+              <a:t/>
             </a:r>
             <a:endParaRPr/>
           </a:p>
@@ -5572,7 +5590,7 @@
   <p:cSld>
     <p:spTree>
       <p:nvGrpSpPr>
-        <p:cNvPr id="432" name="Shape 432"/>
+        <p:cNvPr id="435" name="Shape 435"/>
         <p:cNvGrpSpPr/>
         <p:nvPr/>
       </p:nvGrpSpPr>
@@ -5586,7 +5604,7 @@
       </p:grpSpPr>
       <p:sp>
         <p:nvSpPr>
-          <p:cNvPr id="433" name="Google Shape;433;g2cbecf3c36b_2_28:notes"/>
+          <p:cNvPr id="436" name="Google Shape;436;g26e95447240_1_84:notes"/>
           <p:cNvSpPr/>
           <p:nvPr>
             <p:ph idx="2" type="sldImg"/>
@@ -5621,7 +5639,7 @@
       </p:sp>
       <p:sp>
         <p:nvSpPr>
-          <p:cNvPr id="434" name="Google Shape;434;g2cbecf3c36b_2_28:notes"/>
+          <p:cNvPr id="437" name="Google Shape;437;g26e95447240_1_84:notes"/>
           <p:cNvSpPr txBox="1"/>
           <p:nvPr>
             <p:ph idx="1" type="body"/>
@@ -5671,7 +5689,7 @@
   <p:cSld>
     <p:spTree>
       <p:nvGrpSpPr>
-        <p:cNvPr id="437" name="Shape 437"/>
+        <p:cNvPr id="441" name="Shape 441"/>
         <p:cNvGrpSpPr/>
         <p:nvPr/>
       </p:nvGrpSpPr>
@@ -5685,7 +5703,7 @@
       </p:grpSpPr>
       <p:sp>
         <p:nvSpPr>
-          <p:cNvPr id="438" name="Google Shape;438;g2c9c29367f5_1_6:notes"/>
+          <p:cNvPr id="442" name="Google Shape;442;g2cd6269aabe_1_20:notes"/>
           <p:cNvSpPr/>
           <p:nvPr>
             <p:ph idx="2" type="sldImg"/>
@@ -5720,7 +5738,7 @@
       </p:sp>
       <p:sp>
         <p:nvSpPr>
-          <p:cNvPr id="439" name="Google Shape;439;g2c9c29367f5_1_6:notes"/>
+          <p:cNvPr id="443" name="Google Shape;443;g2cd6269aabe_1_20:notes"/>
           <p:cNvSpPr txBox="1"/>
           <p:nvPr>
             <p:ph idx="1" type="body"/>
@@ -5751,7 +5769,8 @@
               <a:buNone/>
             </a:pPr>
             <a:r>
-              <a:t/>
+              <a:rPr lang="en"/>
+              <a:t>Thank you for your time, heres  out linkedin if you will like to connect to ask more questions or reach out. We appreciate the time you took to listen tp our presentation. Have a wonderful day.</a:t>
             </a:r>
             <a:endParaRPr/>
           </a:p>
@@ -5770,7 +5789,7 @@
   <p:cSld>
     <p:spTree>
       <p:nvGrpSpPr>
-        <p:cNvPr id="444" name="Shape 444"/>
+        <p:cNvPr id="447" name="Shape 447"/>
         <p:cNvGrpSpPr/>
         <p:nvPr/>
       </p:nvGrpSpPr>
@@ -5784,7 +5803,7 @@
       </p:grpSpPr>
       <p:sp>
         <p:nvSpPr>
-          <p:cNvPr id="445" name="Google Shape;445;g2c9c29367f5_1_51:notes"/>
+          <p:cNvPr id="448" name="Google Shape;448;g2cbecf3c36b_2_28:notes"/>
           <p:cNvSpPr/>
           <p:nvPr>
             <p:ph idx="2" type="sldImg"/>
@@ -5819,7 +5838,7 @@
       </p:sp>
       <p:sp>
         <p:nvSpPr>
-          <p:cNvPr id="446" name="Google Shape;446;g2c9c29367f5_1_51:notes"/>
+          <p:cNvPr id="449" name="Google Shape;449;g2cbecf3c36b_2_28:notes"/>
           <p:cNvSpPr txBox="1"/>
           <p:nvPr>
             <p:ph idx="1" type="body"/>
@@ -5869,7 +5888,7 @@
   <p:cSld>
     <p:spTree>
       <p:nvGrpSpPr>
-        <p:cNvPr id="451" name="Shape 451"/>
+        <p:cNvPr id="452" name="Shape 452"/>
         <p:cNvGrpSpPr/>
         <p:nvPr/>
       </p:nvGrpSpPr>
@@ -5883,7 +5902,7 @@
       </p:grpSpPr>
       <p:sp>
         <p:nvSpPr>
-          <p:cNvPr id="452" name="Google Shape;452;g26e95447240_1_38:notes"/>
+          <p:cNvPr id="453" name="Google Shape;453;g2c9c29367f5_1_6:notes"/>
           <p:cNvSpPr/>
           <p:nvPr>
             <p:ph idx="2" type="sldImg"/>
@@ -5918,7 +5937,7 @@
       </p:sp>
       <p:sp>
         <p:nvSpPr>
-          <p:cNvPr id="453" name="Google Shape;453;g26e95447240_1_38:notes"/>
+          <p:cNvPr id="454" name="Google Shape;454;g2c9c29367f5_1_6:notes"/>
           <p:cNvSpPr txBox="1"/>
           <p:nvPr>
             <p:ph idx="1" type="body"/>
@@ -5968,7 +5987,7 @@
   <p:cSld>
     <p:spTree>
       <p:nvGrpSpPr>
-        <p:cNvPr id="458" name="Shape 458"/>
+        <p:cNvPr id="459" name="Shape 459"/>
         <p:cNvGrpSpPr/>
         <p:nvPr/>
       </p:nvGrpSpPr>
@@ -5982,7 +6001,7 @@
       </p:grpSpPr>
       <p:sp>
         <p:nvSpPr>
-          <p:cNvPr id="459" name="Google Shape;459;g2c9c29367f5_1_66:notes"/>
+          <p:cNvPr id="460" name="Google Shape;460;g2c9c29367f5_1_51:notes"/>
           <p:cNvSpPr/>
           <p:nvPr>
             <p:ph idx="2" type="sldImg"/>
@@ -6017,7 +6036,7 @@
       </p:sp>
       <p:sp>
         <p:nvSpPr>
-          <p:cNvPr id="460" name="Google Shape;460;g2c9c29367f5_1_66:notes"/>
+          <p:cNvPr id="461" name="Google Shape;461;g2c9c29367f5_1_51:notes"/>
           <p:cNvSpPr txBox="1"/>
           <p:nvPr>
             <p:ph idx="1" type="body"/>
@@ -6067,7 +6086,7 @@
   <p:cSld>
     <p:spTree>
       <p:nvGrpSpPr>
-        <p:cNvPr id="465" name="Shape 465"/>
+        <p:cNvPr id="466" name="Shape 466"/>
         <p:cNvGrpSpPr/>
         <p:nvPr/>
       </p:nvGrpSpPr>
@@ -6081,7 +6100,7 @@
       </p:grpSpPr>
       <p:sp>
         <p:nvSpPr>
-          <p:cNvPr id="466" name="Google Shape;466;g2c9c29367f5_1_74:notes"/>
+          <p:cNvPr id="467" name="Google Shape;467;g26e95447240_1_38:notes"/>
           <p:cNvSpPr/>
           <p:nvPr>
             <p:ph idx="2" type="sldImg"/>
@@ -6116,7 +6135,7 @@
       </p:sp>
       <p:sp>
         <p:nvSpPr>
-          <p:cNvPr id="467" name="Google Shape;467;g2c9c29367f5_1_74:notes"/>
+          <p:cNvPr id="468" name="Google Shape;468;g26e95447240_1_38:notes"/>
           <p:cNvSpPr txBox="1"/>
           <p:nvPr>
             <p:ph idx="1" type="body"/>
@@ -6166,7 +6185,7 @@
   <p:cSld>
     <p:spTree>
       <p:nvGrpSpPr>
-        <p:cNvPr id="472" name="Shape 472"/>
+        <p:cNvPr id="473" name="Shape 473"/>
         <p:cNvGrpSpPr/>
         <p:nvPr/>
       </p:nvGrpSpPr>
@@ -6180,7 +6199,7 @@
       </p:grpSpPr>
       <p:sp>
         <p:nvSpPr>
-          <p:cNvPr id="473" name="Google Shape;473;g2c9c29367f5_1_95:notes"/>
+          <p:cNvPr id="474" name="Google Shape;474;g2c9c29367f5_1_66:notes"/>
           <p:cNvSpPr/>
           <p:nvPr>
             <p:ph idx="2" type="sldImg"/>
@@ -6215,7 +6234,7 @@
       </p:sp>
       <p:sp>
         <p:nvSpPr>
-          <p:cNvPr id="474" name="Google Shape;474;g2c9c29367f5_1_95:notes"/>
+          <p:cNvPr id="475" name="Google Shape;475;g2c9c29367f5_1_66:notes"/>
           <p:cNvSpPr txBox="1"/>
           <p:nvPr>
             <p:ph idx="1" type="body"/>
@@ -6265,7 +6284,7 @@
   <p:cSld>
     <p:spTree>
       <p:nvGrpSpPr>
-        <p:cNvPr id="479" name="Shape 479"/>
+        <p:cNvPr id="480" name="Shape 480"/>
         <p:cNvGrpSpPr/>
         <p:nvPr/>
       </p:nvGrpSpPr>
@@ -6279,7 +6298,7 @@
       </p:grpSpPr>
       <p:sp>
         <p:nvSpPr>
-          <p:cNvPr id="480" name="Google Shape;480;g2cc19b839a0_4_19:notes"/>
+          <p:cNvPr id="481" name="Google Shape;481;g2c9c29367f5_1_74:notes"/>
           <p:cNvSpPr/>
           <p:nvPr>
             <p:ph idx="2" type="sldImg"/>
@@ -6314,7 +6333,7 @@
       </p:sp>
       <p:sp>
         <p:nvSpPr>
-          <p:cNvPr id="481" name="Google Shape;481;g2cc19b839a0_4_19:notes"/>
+          <p:cNvPr id="482" name="Google Shape;482;g2c9c29367f5_1_74:notes"/>
           <p:cNvSpPr txBox="1"/>
           <p:nvPr>
             <p:ph idx="1" type="body"/>
@@ -6335,187 +6354,9 @@
           </a:bodyPr>
           <a:lstStyle/>
           <a:p>
-            <a:pPr indent="-317500" lvl="0" marL="457200" rtl="0" algn="l">
-              <a:lnSpc>
-                <a:spcPct val="115000"/>
-              </a:lnSpc>
-              <a:spcBef>
-                <a:spcPts val="0"/>
-              </a:spcBef>
-              <a:spcAft>
-                <a:spcPts val="0"/>
-              </a:spcAft>
-              <a:buClr>
-                <a:srgbClr val="737373"/>
-              </a:buClr>
-              <a:buSzPts val="1400"/>
-              <a:buFont typeface="Roboto"/>
-              <a:buChar char="●"/>
-            </a:pPr>
-            <a:r>
-              <a:rPr lang="en" sz="1400">
-                <a:solidFill>
-                  <a:srgbClr val="737373"/>
-                </a:solidFill>
-                <a:latin typeface="Roboto"/>
-                <a:ea typeface="Roboto"/>
-                <a:cs typeface="Roboto"/>
-                <a:sym typeface="Roboto"/>
-              </a:rPr>
-              <a:t>age, campaign, and cons.conf.idx had the lowest correlation to PC1</a:t>
-            </a:r>
-            <a:endParaRPr sz="1400">
-              <a:solidFill>
-                <a:srgbClr val="737373"/>
-              </a:solidFill>
-              <a:latin typeface="Roboto"/>
-              <a:ea typeface="Roboto"/>
-              <a:cs typeface="Roboto"/>
-              <a:sym typeface="Roboto"/>
-            </a:endParaRPr>
-          </a:p>
-          <a:p>
-            <a:pPr indent="-317500" lvl="0" marL="457200" rtl="0" algn="l">
-              <a:lnSpc>
-                <a:spcPct val="115000"/>
-              </a:lnSpc>
-              <a:spcBef>
-                <a:spcPts val="0"/>
-              </a:spcBef>
-              <a:spcAft>
-                <a:spcPts val="0"/>
-              </a:spcAft>
-              <a:buClr>
-                <a:srgbClr val="737373"/>
-              </a:buClr>
-              <a:buSzPts val="1400"/>
-              <a:buFont typeface="Roboto"/>
-              <a:buChar char="●"/>
-            </a:pPr>
-            <a:r>
-              <a:rPr lang="en" sz="1200">
-                <a:solidFill>
-                  <a:srgbClr val="0D0D0D"/>
-                </a:solidFill>
-                <a:highlight>
-                  <a:srgbClr val="FFFFFF"/>
-                </a:highlight>
-                <a:latin typeface="Roboto"/>
-                <a:ea typeface="Roboto"/>
-                <a:cs typeface="Roboto"/>
-                <a:sym typeface="Roboto"/>
-              </a:rPr>
-              <a:t>C1: It shows the strongest correlation with the response "yes" (approximately 0.622) and is negatively correlated with "no" (approximately -0.332). The asterisks indicate that this correlation is statistically significant.</a:t>
-            </a:r>
-            <a:endParaRPr sz="1200">
-              <a:solidFill>
-                <a:srgbClr val="0D0D0D"/>
-              </a:solidFill>
-              <a:highlight>
-                <a:srgbClr val="FFFFFF"/>
-              </a:highlight>
-              <a:latin typeface="Roboto"/>
-              <a:ea typeface="Roboto"/>
-              <a:cs typeface="Roboto"/>
-              <a:sym typeface="Roboto"/>
-            </a:endParaRPr>
-          </a:p>
-          <a:p>
-            <a:pPr indent="-304800" lvl="0" marL="457200" rtl="0" algn="l">
-              <a:lnSpc>
-                <a:spcPct val="115000"/>
-              </a:lnSpc>
-              <a:spcBef>
-                <a:spcPts val="0"/>
-              </a:spcBef>
-              <a:spcAft>
-                <a:spcPts val="0"/>
-              </a:spcAft>
-              <a:buClr>
-                <a:srgbClr val="0D0D0D"/>
-              </a:buClr>
-              <a:buSzPts val="1200"/>
-              <a:buFont typeface="Roboto"/>
-              <a:buChar char="●"/>
-            </a:pPr>
-            <a:r>
-              <a:rPr lang="en" sz="1200">
-                <a:solidFill>
-                  <a:srgbClr val="0D0D0D"/>
-                </a:solidFill>
-                <a:highlight>
-                  <a:srgbClr val="FFFFFF"/>
-                </a:highlight>
-                <a:latin typeface="Roboto"/>
-                <a:ea typeface="Roboto"/>
-                <a:cs typeface="Roboto"/>
-                <a:sym typeface="Roboto"/>
-              </a:rPr>
-              <a:t>The plot suggests that among the components shown, PC1 would be the best predictor for the outcome "yes" when considering building a logistic regression model.</a:t>
-            </a:r>
-            <a:endParaRPr sz="1200">
-              <a:solidFill>
-                <a:srgbClr val="0D0D0D"/>
-              </a:solidFill>
-              <a:highlight>
-                <a:srgbClr val="FFFFFF"/>
-              </a:highlight>
-              <a:latin typeface="Roboto"/>
-              <a:ea typeface="Roboto"/>
-              <a:cs typeface="Roboto"/>
-              <a:sym typeface="Roboto"/>
-            </a:endParaRPr>
-          </a:p>
-          <a:p>
-            <a:pPr indent="-304800" lvl="0" marL="457200" rtl="0" algn="l">
-              <a:lnSpc>
-                <a:spcPct val="115000"/>
-              </a:lnSpc>
-              <a:spcBef>
-                <a:spcPts val="0"/>
-              </a:spcBef>
-              <a:spcAft>
-                <a:spcPts val="0"/>
-              </a:spcAft>
-              <a:buClr>
-                <a:srgbClr val="0D0D0D"/>
-              </a:buClr>
-              <a:buSzPts val="1200"/>
-              <a:buFont typeface="Roboto"/>
-              <a:buChar char="●"/>
-            </a:pPr>
-            <a:r>
-              <a:rPr lang="en" sz="1200">
-                <a:solidFill>
-                  <a:srgbClr val="0D0D0D"/>
-                </a:solidFill>
-                <a:highlight>
-                  <a:srgbClr val="FFFFFF"/>
-                </a:highlight>
-                <a:latin typeface="Roboto"/>
-                <a:ea typeface="Roboto"/>
-                <a:cs typeface="Roboto"/>
-                <a:sym typeface="Roboto"/>
-              </a:rPr>
-              <a:t>Pdays, previous,emp.var.rate, cons.price.idx, cons.conf.idx were the highest variables correlated.</a:t>
-            </a:r>
-            <a:endParaRPr sz="1200">
-              <a:solidFill>
-                <a:srgbClr val="0D0D0D"/>
-              </a:solidFill>
-              <a:highlight>
-                <a:srgbClr val="FFFFFF"/>
-              </a:highlight>
-              <a:latin typeface="Roboto"/>
-              <a:ea typeface="Roboto"/>
-              <a:cs typeface="Roboto"/>
-              <a:sym typeface="Roboto"/>
-            </a:endParaRPr>
-          </a:p>
-          <a:p>
             <a:pPr indent="0" lvl="0" marL="0" rtl="0" algn="l">
               <a:spcBef>
-                <a:spcPts val="1200"/>
+                <a:spcPts val="0"/>
               </a:spcBef>
               <a:spcAft>
                 <a:spcPts val="0"/>
@@ -6556,7 +6397,7 @@
       </p:grpSpPr>
       <p:sp>
         <p:nvSpPr>
-          <p:cNvPr id="488" name="Google Shape;488;g2cbecf3c36b_0_51:notes"/>
+          <p:cNvPr id="488" name="Google Shape;488;g2c9c29367f5_1_95:notes"/>
           <p:cNvSpPr/>
           <p:nvPr>
             <p:ph idx="2" type="sldImg"/>
@@ -6591,7 +6432,7 @@
       </p:sp>
       <p:sp>
         <p:nvSpPr>
-          <p:cNvPr id="489" name="Google Shape;489;g2cbecf3c36b_0_51:notes"/>
+          <p:cNvPr id="489" name="Google Shape;489;g2c9c29367f5_1_95:notes"/>
           <p:cNvSpPr txBox="1"/>
           <p:nvPr>
             <p:ph idx="1" type="body"/>
@@ -6740,7 +6581,7 @@
   <p:cSld>
     <p:spTree>
       <p:nvGrpSpPr>
-        <p:cNvPr id="498" name="Shape 498"/>
+        <p:cNvPr id="494" name="Shape 494"/>
         <p:cNvGrpSpPr/>
         <p:nvPr/>
       </p:nvGrpSpPr>
@@ -6754,7 +6595,7 @@
       </p:grpSpPr>
       <p:sp>
         <p:nvSpPr>
-          <p:cNvPr id="499" name="Google Shape;499;g26e95447240_1_29:notes"/>
+          <p:cNvPr id="495" name="Google Shape;495;g2cc19b839a0_4_19:notes"/>
           <p:cNvSpPr/>
           <p:nvPr>
             <p:ph idx="2" type="sldImg"/>
@@ -6789,7 +6630,7 @@
       </p:sp>
       <p:sp>
         <p:nvSpPr>
-          <p:cNvPr id="500" name="Google Shape;500;g26e95447240_1_29:notes"/>
+          <p:cNvPr id="496" name="Google Shape;496;g2cc19b839a0_4_19:notes"/>
           <p:cNvSpPr txBox="1"/>
           <p:nvPr>
             <p:ph idx="1" type="body"/>
@@ -6810,9 +6651,187 @@
           </a:bodyPr>
           <a:lstStyle/>
           <a:p>
+            <a:pPr indent="-317500" lvl="0" marL="457200" rtl="0" algn="l">
+              <a:lnSpc>
+                <a:spcPct val="115000"/>
+              </a:lnSpc>
+              <a:spcBef>
+                <a:spcPts val="0"/>
+              </a:spcBef>
+              <a:spcAft>
+                <a:spcPts val="0"/>
+              </a:spcAft>
+              <a:buClr>
+                <a:srgbClr val="737373"/>
+              </a:buClr>
+              <a:buSzPts val="1400"/>
+              <a:buFont typeface="Roboto"/>
+              <a:buChar char="●"/>
+            </a:pPr>
+            <a:r>
+              <a:rPr lang="en" sz="1400">
+                <a:solidFill>
+                  <a:srgbClr val="737373"/>
+                </a:solidFill>
+                <a:latin typeface="Roboto"/>
+                <a:ea typeface="Roboto"/>
+                <a:cs typeface="Roboto"/>
+                <a:sym typeface="Roboto"/>
+              </a:rPr>
+              <a:t>age, campaign, and cons.conf.idx had the lowest correlation to PC1</a:t>
+            </a:r>
+            <a:endParaRPr sz="1400">
+              <a:solidFill>
+                <a:srgbClr val="737373"/>
+              </a:solidFill>
+              <a:latin typeface="Roboto"/>
+              <a:ea typeface="Roboto"/>
+              <a:cs typeface="Roboto"/>
+              <a:sym typeface="Roboto"/>
+            </a:endParaRPr>
+          </a:p>
+          <a:p>
+            <a:pPr indent="-317500" lvl="0" marL="457200" rtl="0" algn="l">
+              <a:lnSpc>
+                <a:spcPct val="115000"/>
+              </a:lnSpc>
+              <a:spcBef>
+                <a:spcPts val="0"/>
+              </a:spcBef>
+              <a:spcAft>
+                <a:spcPts val="0"/>
+              </a:spcAft>
+              <a:buClr>
+                <a:srgbClr val="737373"/>
+              </a:buClr>
+              <a:buSzPts val="1400"/>
+              <a:buFont typeface="Roboto"/>
+              <a:buChar char="●"/>
+            </a:pPr>
+            <a:r>
+              <a:rPr lang="en" sz="1200">
+                <a:solidFill>
+                  <a:srgbClr val="0D0D0D"/>
+                </a:solidFill>
+                <a:highlight>
+                  <a:srgbClr val="FFFFFF"/>
+                </a:highlight>
+                <a:latin typeface="Roboto"/>
+                <a:ea typeface="Roboto"/>
+                <a:cs typeface="Roboto"/>
+                <a:sym typeface="Roboto"/>
+              </a:rPr>
+              <a:t>C1: It shows the strongest correlation with the response "yes" (approximately 0.622) and is negatively correlated with "no" (approximately -0.332). The asterisks indicate that this correlation is statistically significant.</a:t>
+            </a:r>
+            <a:endParaRPr sz="1200">
+              <a:solidFill>
+                <a:srgbClr val="0D0D0D"/>
+              </a:solidFill>
+              <a:highlight>
+                <a:srgbClr val="FFFFFF"/>
+              </a:highlight>
+              <a:latin typeface="Roboto"/>
+              <a:ea typeface="Roboto"/>
+              <a:cs typeface="Roboto"/>
+              <a:sym typeface="Roboto"/>
+            </a:endParaRPr>
+          </a:p>
+          <a:p>
+            <a:pPr indent="-304800" lvl="0" marL="457200" rtl="0" algn="l">
+              <a:lnSpc>
+                <a:spcPct val="115000"/>
+              </a:lnSpc>
+              <a:spcBef>
+                <a:spcPts val="0"/>
+              </a:spcBef>
+              <a:spcAft>
+                <a:spcPts val="0"/>
+              </a:spcAft>
+              <a:buClr>
+                <a:srgbClr val="0D0D0D"/>
+              </a:buClr>
+              <a:buSzPts val="1200"/>
+              <a:buFont typeface="Roboto"/>
+              <a:buChar char="●"/>
+            </a:pPr>
+            <a:r>
+              <a:rPr lang="en" sz="1200">
+                <a:solidFill>
+                  <a:srgbClr val="0D0D0D"/>
+                </a:solidFill>
+                <a:highlight>
+                  <a:srgbClr val="FFFFFF"/>
+                </a:highlight>
+                <a:latin typeface="Roboto"/>
+                <a:ea typeface="Roboto"/>
+                <a:cs typeface="Roboto"/>
+                <a:sym typeface="Roboto"/>
+              </a:rPr>
+              <a:t>The plot suggests that among the components shown, PC1 would be the best predictor for the outcome "yes" when considering building a logistic regression model.</a:t>
+            </a:r>
+            <a:endParaRPr sz="1200">
+              <a:solidFill>
+                <a:srgbClr val="0D0D0D"/>
+              </a:solidFill>
+              <a:highlight>
+                <a:srgbClr val="FFFFFF"/>
+              </a:highlight>
+              <a:latin typeface="Roboto"/>
+              <a:ea typeface="Roboto"/>
+              <a:cs typeface="Roboto"/>
+              <a:sym typeface="Roboto"/>
+            </a:endParaRPr>
+          </a:p>
+          <a:p>
+            <a:pPr indent="-304800" lvl="0" marL="457200" rtl="0" algn="l">
+              <a:lnSpc>
+                <a:spcPct val="115000"/>
+              </a:lnSpc>
+              <a:spcBef>
+                <a:spcPts val="0"/>
+              </a:spcBef>
+              <a:spcAft>
+                <a:spcPts val="0"/>
+              </a:spcAft>
+              <a:buClr>
+                <a:srgbClr val="0D0D0D"/>
+              </a:buClr>
+              <a:buSzPts val="1200"/>
+              <a:buFont typeface="Roboto"/>
+              <a:buChar char="●"/>
+            </a:pPr>
+            <a:r>
+              <a:rPr lang="en" sz="1200">
+                <a:solidFill>
+                  <a:srgbClr val="0D0D0D"/>
+                </a:solidFill>
+                <a:highlight>
+                  <a:srgbClr val="FFFFFF"/>
+                </a:highlight>
+                <a:latin typeface="Roboto"/>
+                <a:ea typeface="Roboto"/>
+                <a:cs typeface="Roboto"/>
+                <a:sym typeface="Roboto"/>
+              </a:rPr>
+              <a:t>Pdays, previous,emp.var.rate, cons.price.idx, cons.conf.idx were the highest variables correlated.</a:t>
+            </a:r>
+            <a:endParaRPr sz="1200">
+              <a:solidFill>
+                <a:srgbClr val="0D0D0D"/>
+              </a:solidFill>
+              <a:highlight>
+                <a:srgbClr val="FFFFFF"/>
+              </a:highlight>
+              <a:latin typeface="Roboto"/>
+              <a:ea typeface="Roboto"/>
+              <a:cs typeface="Roboto"/>
+              <a:sym typeface="Roboto"/>
+            </a:endParaRPr>
+          </a:p>
+          <a:p>
             <a:pPr indent="0" lvl="0" marL="0" rtl="0" algn="l">
               <a:spcBef>
-                <a:spcPts val="0"/>
+                <a:spcPts val="1200"/>
               </a:spcBef>
               <a:spcAft>
                 <a:spcPts val="0"/>
@@ -6839,7 +6858,7 @@
   <p:cSld>
     <p:spTree>
       <p:nvGrpSpPr>
-        <p:cNvPr id="509" name="Shape 509"/>
+        <p:cNvPr id="502" name="Shape 502"/>
         <p:cNvGrpSpPr/>
         <p:nvPr/>
       </p:nvGrpSpPr>
@@ -6853,7 +6872,7 @@
       </p:grpSpPr>
       <p:sp>
         <p:nvSpPr>
-          <p:cNvPr id="510" name="Google Shape;510;g26e610e7417_0_28:notes"/>
+          <p:cNvPr id="503" name="Google Shape;503;g2cbecf3c36b_0_51:notes"/>
           <p:cNvSpPr/>
           <p:nvPr>
             <p:ph idx="2" type="sldImg"/>
@@ -6888,7 +6907,205 @@
       </p:sp>
       <p:sp>
         <p:nvSpPr>
-          <p:cNvPr id="511" name="Google Shape;511;g26e610e7417_0_28:notes"/>
+          <p:cNvPr id="504" name="Google Shape;504;g2cbecf3c36b_0_51:notes"/>
+          <p:cNvSpPr txBox="1"/>
+          <p:nvPr>
+            <p:ph idx="1" type="body"/>
+          </p:nvPr>
+        </p:nvSpPr>
+        <p:spPr>
+          <a:xfrm>
+            <a:off x="685800" y="4343400"/>
+            <a:ext cx="5486400" cy="4114800"/>
+          </a:xfrm>
+          <a:prstGeom prst="rect">
+            <a:avLst/>
+          </a:prstGeom>
+        </p:spPr>
+        <p:txBody>
+          <a:bodyPr anchorCtr="0" anchor="t" bIns="91425" lIns="91425" spcFirstLastPara="1" rIns="91425" wrap="square" tIns="91425">
+            <a:noAutofit/>
+          </a:bodyPr>
+          <a:lstStyle/>
+          <a:p>
+            <a:pPr indent="0" lvl="0" marL="0" rtl="0" algn="l">
+              <a:spcBef>
+                <a:spcPts val="0"/>
+              </a:spcBef>
+              <a:spcAft>
+                <a:spcPts val="0"/>
+              </a:spcAft>
+              <a:buNone/>
+            </a:pPr>
+            <a:r>
+              <a:t/>
+            </a:r>
+            <a:endParaRPr/>
+          </a:p>
+        </p:txBody>
+      </p:sp>
+    </p:spTree>
+  </p:cSld>
+  <p:clrMapOvr>
+    <a:masterClrMapping/>
+  </p:clrMapOvr>
+</p:notes>
+</file>
+
+<file path=ppt/notesSlides/notesSlide62.xml><?xml version="1.0" encoding="utf-8"?>
+<p:notes xmlns:a="http://schemas.openxmlformats.org/drawingml/2006/main" xmlns:r="http://schemas.openxmlformats.org/officeDocument/2006/relationships" xmlns:mc="http://schemas.openxmlformats.org/markup-compatibility/2006" xmlns:mv="urn:schemas-microsoft-com:mac:vml" xmlns:p="http://schemas.openxmlformats.org/presentationml/2006/main" xmlns:c="http://schemas.openxmlformats.org/drawingml/2006/chart" xmlns:dgm="http://schemas.openxmlformats.org/drawingml/2006/diagram" xmlns:o="urn:schemas-microsoft-com:office:office" xmlns:v="urn:schemas-microsoft-com:vml" xmlns:pvml="urn:schemas-microsoft-com:office:powerpoint" xmlns:com="http://schemas.openxmlformats.org/drawingml/2006/compatibility" xmlns:p14="http://schemas.microsoft.com/office/powerpoint/2010/main" xmlns:p15="http://schemas.microsoft.com/office/powerpoint/2012/main" xmlns:ahyp="http://schemas.microsoft.com/office/drawing/2018/hyperlinkcolor" showMasterPhAnim="0" showMasterSp="0">
+  <p:cSld>
+    <p:spTree>
+      <p:nvGrpSpPr>
+        <p:cNvPr id="513" name="Shape 513"/>
+        <p:cNvGrpSpPr/>
+        <p:nvPr/>
+      </p:nvGrpSpPr>
+      <p:grpSpPr>
+        <a:xfrm>
+          <a:off x="0" y="0"/>
+          <a:ext cx="0" cy="0"/>
+          <a:chOff x="0" y="0"/>
+          <a:chExt cx="0" cy="0"/>
+        </a:xfrm>
+      </p:grpSpPr>
+      <p:sp>
+        <p:nvSpPr>
+          <p:cNvPr id="514" name="Google Shape;514;g26e95447240_1_29:notes"/>
+          <p:cNvSpPr/>
+          <p:nvPr>
+            <p:ph idx="2" type="sldImg"/>
+          </p:nvPr>
+        </p:nvSpPr>
+        <p:spPr>
+          <a:xfrm>
+            <a:off x="381300" y="685800"/>
+            <a:ext cx="6096000" cy="3429000"/>
+          </a:xfrm>
+          <a:custGeom>
+            <a:rect b="b" l="l" r="r" t="t"/>
+            <a:pathLst>
+              <a:path extrusionOk="0" h="120000" w="120000">
+                <a:moveTo>
+                  <a:pt x="0" y="0"/>
+                </a:moveTo>
+                <a:lnTo>
+                  <a:pt x="120000" y="0"/>
+                </a:lnTo>
+                <a:lnTo>
+                  <a:pt x="120000" y="120000"/>
+                </a:lnTo>
+                <a:lnTo>
+                  <a:pt x="0" y="120000"/>
+                </a:lnTo>
+                <a:close/>
+              </a:path>
+            </a:pathLst>
+          </a:custGeom>
+        </p:spPr>
+      </p:sp>
+      <p:sp>
+        <p:nvSpPr>
+          <p:cNvPr id="515" name="Google Shape;515;g26e95447240_1_29:notes"/>
+          <p:cNvSpPr txBox="1"/>
+          <p:nvPr>
+            <p:ph idx="1" type="body"/>
+          </p:nvPr>
+        </p:nvSpPr>
+        <p:spPr>
+          <a:xfrm>
+            <a:off x="685800" y="4343400"/>
+            <a:ext cx="5486400" cy="4114800"/>
+          </a:xfrm>
+          <a:prstGeom prst="rect">
+            <a:avLst/>
+          </a:prstGeom>
+        </p:spPr>
+        <p:txBody>
+          <a:bodyPr anchorCtr="0" anchor="t" bIns="91425" lIns="91425" spcFirstLastPara="1" rIns="91425" wrap="square" tIns="91425">
+            <a:noAutofit/>
+          </a:bodyPr>
+          <a:lstStyle/>
+          <a:p>
+            <a:pPr indent="0" lvl="0" marL="0" rtl="0" algn="l">
+              <a:spcBef>
+                <a:spcPts val="0"/>
+              </a:spcBef>
+              <a:spcAft>
+                <a:spcPts val="0"/>
+              </a:spcAft>
+              <a:buNone/>
+            </a:pPr>
+            <a:r>
+              <a:t/>
+            </a:r>
+            <a:endParaRPr/>
+          </a:p>
+        </p:txBody>
+      </p:sp>
+    </p:spTree>
+  </p:cSld>
+  <p:clrMapOvr>
+    <a:masterClrMapping/>
+  </p:clrMapOvr>
+</p:notes>
+</file>
+
+<file path=ppt/notesSlides/notesSlide63.xml><?xml version="1.0" encoding="utf-8"?>
+<p:notes xmlns:a="http://schemas.openxmlformats.org/drawingml/2006/main" xmlns:r="http://schemas.openxmlformats.org/officeDocument/2006/relationships" xmlns:mc="http://schemas.openxmlformats.org/markup-compatibility/2006" xmlns:mv="urn:schemas-microsoft-com:mac:vml" xmlns:p="http://schemas.openxmlformats.org/presentationml/2006/main" xmlns:c="http://schemas.openxmlformats.org/drawingml/2006/chart" xmlns:dgm="http://schemas.openxmlformats.org/drawingml/2006/diagram" xmlns:o="urn:schemas-microsoft-com:office:office" xmlns:v="urn:schemas-microsoft-com:vml" xmlns:pvml="urn:schemas-microsoft-com:office:powerpoint" xmlns:com="http://schemas.openxmlformats.org/drawingml/2006/compatibility" xmlns:p14="http://schemas.microsoft.com/office/powerpoint/2010/main" xmlns:p15="http://schemas.microsoft.com/office/powerpoint/2012/main" xmlns:ahyp="http://schemas.microsoft.com/office/drawing/2018/hyperlinkcolor" showMasterPhAnim="0" showMasterSp="0">
+  <p:cSld>
+    <p:spTree>
+      <p:nvGrpSpPr>
+        <p:cNvPr id="524" name="Shape 524"/>
+        <p:cNvGrpSpPr/>
+        <p:nvPr/>
+      </p:nvGrpSpPr>
+      <p:grpSpPr>
+        <a:xfrm>
+          <a:off x="0" y="0"/>
+          <a:ext cx="0" cy="0"/>
+          <a:chOff x="0" y="0"/>
+          <a:chExt cx="0" cy="0"/>
+        </a:xfrm>
+      </p:grpSpPr>
+      <p:sp>
+        <p:nvSpPr>
+          <p:cNvPr id="525" name="Google Shape;525;g26e610e7417_0_28:notes"/>
+          <p:cNvSpPr/>
+          <p:nvPr>
+            <p:ph idx="2" type="sldImg"/>
+          </p:nvPr>
+        </p:nvSpPr>
+        <p:spPr>
+          <a:xfrm>
+            <a:off x="381300" y="685800"/>
+            <a:ext cx="6096000" cy="3429000"/>
+          </a:xfrm>
+          <a:custGeom>
+            <a:rect b="b" l="l" r="r" t="t"/>
+            <a:pathLst>
+              <a:path extrusionOk="0" h="120000" w="120000">
+                <a:moveTo>
+                  <a:pt x="0" y="0"/>
+                </a:moveTo>
+                <a:lnTo>
+                  <a:pt x="120000" y="0"/>
+                </a:lnTo>
+                <a:lnTo>
+                  <a:pt x="120000" y="120000"/>
+                </a:lnTo>
+                <a:lnTo>
+                  <a:pt x="0" y="120000"/>
+                </a:lnTo>
+                <a:close/>
+              </a:path>
+            </a:pathLst>
+          </a:custGeom>
+        </p:spPr>
+      </p:sp>
+      <p:sp>
+        <p:nvSpPr>
+          <p:cNvPr id="526" name="Google Shape;526;g26e610e7417_0_28:notes"/>
           <p:cNvSpPr txBox="1"/>
           <p:nvPr>
             <p:ph idx="1" type="body"/>
@@ -16129,7 +16346,7 @@
             <a:tbl>
               <a:tblPr>
                 <a:noFill/>
-                <a:tableStyleId>{F701B251-343C-4CA0-8F75-DB2E4F28BD0F}</a:tableStyleId>
+                <a:tableStyleId>{AFB7E087-2D86-45EA-A7A7-E2C51E06ADBA}</a:tableStyleId>
               </a:tblPr>
               <a:tblGrid>
                 <a:gridCol w="2198525"/>
@@ -17183,7 +17400,7 @@
             <a:tbl>
               <a:tblPr>
                 <a:noFill/>
-                <a:tableStyleId>{F701B251-343C-4CA0-8F75-DB2E4F28BD0F}</a:tableStyleId>
+                <a:tableStyleId>{AFB7E087-2D86-45EA-A7A7-E2C51E06ADBA}</a:tableStyleId>
               </a:tblPr>
               <a:tblGrid>
                 <a:gridCol w="1883400"/>
@@ -21473,7 +21690,7 @@
             <a:tbl>
               <a:tblPr>
                 <a:noFill/>
-                <a:tableStyleId>{F701B251-343C-4CA0-8F75-DB2E4F28BD0F}</a:tableStyleId>
+                <a:tableStyleId>{AFB7E087-2D86-45EA-A7A7-E2C51E06ADBA}</a:tableStyleId>
               </a:tblPr>
               <a:tblGrid>
                 <a:gridCol w="2198525"/>
@@ -23367,7 +23584,7 @@
             </a:pPr>
             <a:r>
               <a:rPr lang="en"/>
-              <a:t>Mtry = 2 </a:t>
+              <a:t>Mtry </a:t>
             </a:r>
             <a:endParaRPr/>
           </a:p>
@@ -23401,7 +23618,7 @@
             </a:pPr>
             <a:r>
               <a:rPr lang="en"/>
-              <a:t>Ntree = 6000</a:t>
+              <a:t>Ntree </a:t>
             </a:r>
             <a:endParaRPr/>
           </a:p>
@@ -23568,154 +23785,122 @@
         </p:spPr>
         <p:txBody>
           <a:bodyPr anchorCtr="0" anchor="t" bIns="91425" lIns="91425" spcFirstLastPara="1" rIns="91425" wrap="square" tIns="91425">
-            <a:normAutofit fontScale="92500"/>
+            <a:normAutofit lnSpcReduction="20000"/>
           </a:bodyPr>
           <a:lstStyle/>
           <a:p>
-            <a:pPr indent="-310832" lvl="0" marL="457200" rtl="0" algn="l">
-              <a:spcBef>
-                <a:spcPts val="0"/>
-              </a:spcBef>
-              <a:spcAft>
-                <a:spcPts val="0"/>
-              </a:spcAft>
-              <a:buSzPct val="100000"/>
+            <a:pPr indent="0" lvl="0" marL="457200" rtl="0" algn="l">
+              <a:spcBef>
+                <a:spcPts val="0"/>
+              </a:spcBef>
+              <a:spcAft>
+                <a:spcPts val="0"/>
+              </a:spcAft>
+              <a:buNone/>
+            </a:pPr>
+            <a:r>
+              <a:rPr b="1" lang="en"/>
+              <a:t>Caret Package</a:t>
+            </a:r>
+            <a:endParaRPr b="1"/>
+          </a:p>
+          <a:p>
+            <a:pPr indent="-317500" lvl="0" marL="457200" rtl="0" algn="l">
+              <a:spcBef>
+                <a:spcPts val="1200"/>
+              </a:spcBef>
+              <a:spcAft>
+                <a:spcPts val="0"/>
+              </a:spcAft>
+              <a:buSzPts val="1400"/>
               <a:buChar char="●"/>
             </a:pPr>
             <a:r>
               <a:rPr lang="en"/>
-              <a:t>Tested 2 packages: Caret and randomForest, went along with the randomForest </a:t>
-            </a:r>
+              <a:t>Finds the optimum mtry and ntree value</a:t>
+            </a:r>
+            <a:endParaRPr/>
+          </a:p>
+          <a:p>
+            <a:pPr indent="-317500" lvl="0" marL="457200" rtl="0" algn="l">
+              <a:spcBef>
+                <a:spcPts val="0"/>
+              </a:spcBef>
+              <a:spcAft>
+                <a:spcPts val="0"/>
+              </a:spcAft>
+              <a:buSzPts val="1400"/>
+              <a:buChar char="●"/>
+            </a:pPr>
             <a:r>
               <a:rPr lang="en"/>
-              <a:t>because</a:t>
-            </a:r>
+              <a:t>AUC for training data was 0.6685</a:t>
+            </a:r>
+            <a:endParaRPr/>
+          </a:p>
+          <a:p>
+            <a:pPr indent="-317500" lvl="0" marL="457200" rtl="0" algn="l">
+              <a:spcBef>
+                <a:spcPts val="0"/>
+              </a:spcBef>
+              <a:spcAft>
+                <a:spcPts val="0"/>
+              </a:spcAft>
+              <a:buSzPts val="1400"/>
+              <a:buChar char="●"/>
+            </a:pPr>
             <a:r>
               <a:rPr lang="en"/>
-              <a:t> the AUC was better by ~5%.</a:t>
+              <a:t>Threshold for highest F1 was 0.0040 (really low)</a:t>
             </a:r>
             <a:endParaRPr/>
           </a:p>
           <a:p>
-            <a:pPr indent="-310832" lvl="0" marL="457200" rtl="0" algn="l">
-              <a:spcBef>
-                <a:spcPts val="0"/>
-              </a:spcBef>
-              <a:spcAft>
-                <a:spcPts val="0"/>
-              </a:spcAft>
-              <a:buSzPct val="100000"/>
+            <a:pPr indent="-317500" lvl="0" marL="457200" rtl="0" algn="l">
+              <a:spcBef>
+                <a:spcPts val="0"/>
+              </a:spcBef>
+              <a:spcAft>
+                <a:spcPts val="0"/>
+              </a:spcAft>
+              <a:buSzPts val="1400"/>
               <a:buChar char="●"/>
             </a:pPr>
             <a:r>
               <a:rPr lang="en"/>
-              <a:t>We used  the simple Logistic model equation:  </a:t>
-            </a:r>
+              <a:t>Highest F1 score was 0.4593</a:t>
+            </a:r>
+            <a:endParaRPr/>
+          </a:p>
+          <a:p>
+            <a:pPr indent="-317500" lvl="0" marL="457200" rtl="0" algn="l">
+              <a:spcBef>
+                <a:spcPts val="0"/>
+              </a:spcBef>
+              <a:spcAft>
+                <a:spcPts val="0"/>
+              </a:spcAft>
+              <a:buSzPts val="1400"/>
+              <a:buChar char="●"/>
+            </a:pPr>
             <a:r>
               <a:rPr lang="en"/>
-              <a:t>y ~ month + poutcome + emp.var.rate + contact + cons.price.idx</a:t>
+              <a:t>We used  the simple Logistic model equation:  y ~ month + poutcome + emp.var.rate + contact + cons.price.idx</a:t>
             </a:r>
             <a:endParaRPr/>
           </a:p>
           <a:p>
-            <a:pPr indent="-310832" lvl="0" marL="457200" rtl="0" algn="l">
-              <a:spcBef>
-                <a:spcPts val="0"/>
-              </a:spcBef>
-              <a:spcAft>
-                <a:spcPts val="0"/>
-              </a:spcAft>
-              <a:buSzPct val="100000"/>
-              <a:buChar char="●"/>
-            </a:pPr>
-            <a:r>
-              <a:rPr lang="en"/>
-              <a:t>AUC for training data was 0.7044</a:t>
-            </a:r>
-            <a:endParaRPr/>
-          </a:p>
-          <a:p>
-            <a:pPr indent="-310832" lvl="0" marL="457200" rtl="0" algn="l">
-              <a:spcBef>
-                <a:spcPts val="0"/>
-              </a:spcBef>
-              <a:spcAft>
-                <a:spcPts val="0"/>
-              </a:spcAft>
-              <a:buSzPct val="100000"/>
-              <a:buChar char="●"/>
-            </a:pPr>
-            <a:r>
-              <a:rPr lang="en"/>
-              <a:t>Threshold for highest F1 is 0</a:t>
-            </a:r>
-            <a:endParaRPr/>
-          </a:p>
-          <a:p>
-            <a:pPr indent="-299085" lvl="1" marL="914400" rtl="0" algn="l">
-              <a:spcBef>
-                <a:spcPts val="0"/>
-              </a:spcBef>
-              <a:spcAft>
-                <a:spcPts val="0"/>
-              </a:spcAft>
-              <a:buSzPct val="100000"/>
-              <a:buChar char="○"/>
-            </a:pPr>
-            <a:r>
-              <a:rPr lang="en"/>
-              <a:t>Overfitting due to the high complexity of the RF model</a:t>
-            </a:r>
-            <a:endParaRPr/>
-          </a:p>
-          <a:p>
-            <a:pPr indent="-299085" lvl="1" marL="914400" rtl="0" algn="l">
-              <a:spcBef>
-                <a:spcPts val="0"/>
-              </a:spcBef>
-              <a:spcAft>
-                <a:spcPts val="0"/>
-              </a:spcAft>
-              <a:buSzPct val="100000"/>
-              <a:buChar char="○"/>
-            </a:pPr>
-            <a:r>
-              <a:rPr lang="en"/>
-              <a:t>Models only output probabilities of 0 and 1</a:t>
-            </a:r>
-            <a:endParaRPr/>
-          </a:p>
-          <a:p>
-            <a:pPr indent="-299085" lvl="1" marL="914400" rtl="0" algn="l">
-              <a:spcBef>
-                <a:spcPts val="0"/>
-              </a:spcBef>
-              <a:spcAft>
-                <a:spcPts val="0"/>
-              </a:spcAft>
-              <a:buSzPct val="100000"/>
-              <a:buChar char="○"/>
-            </a:pPr>
-            <a:r>
-              <a:rPr lang="en"/>
-              <a:t>Seems to be the case for both packages</a:t>
-            </a:r>
-            <a:endParaRPr/>
-          </a:p>
-          <a:p>
-            <a:pPr indent="-310832" lvl="0" marL="457200" rtl="0" algn="l">
-              <a:spcBef>
-                <a:spcPts val="0"/>
-              </a:spcBef>
-              <a:spcAft>
-                <a:spcPts val="0"/>
-              </a:spcAft>
-              <a:buSzPct val="100000"/>
-              <a:buChar char="●"/>
-            </a:pPr>
-            <a:r>
-              <a:rPr lang="en"/>
-              <a:t>Highest F1 score was 0.4569</a:t>
+            <a:pPr indent="0" lvl="0" marL="457200" rtl="0" algn="l">
+              <a:spcBef>
+                <a:spcPts val="1200"/>
+              </a:spcBef>
+              <a:spcAft>
+                <a:spcPts val="0"/>
+              </a:spcAft>
+              <a:buNone/>
+            </a:pPr>
+            <a:r>
+              <a:t/>
             </a:r>
             <a:endParaRPr/>
           </a:p>
@@ -23752,8 +23937,8 @@
         </p:blipFill>
         <p:spPr>
           <a:xfrm>
-            <a:off x="5634600" y="1827325"/>
-            <a:ext cx="2771325" cy="3163775"/>
+            <a:off x="5961600" y="1816225"/>
+            <a:ext cx="2676150" cy="3140800"/>
           </a:xfrm>
           <a:prstGeom prst="rect">
             <a:avLst/>
@@ -24015,8 +24200,8 @@
         </p:nvSpPr>
         <p:spPr>
           <a:xfrm>
-            <a:off x="471900" y="1919075"/>
-            <a:ext cx="2910900" cy="2710200"/>
+            <a:off x="267525" y="2069050"/>
+            <a:ext cx="3035700" cy="1572900"/>
           </a:xfrm>
           <a:prstGeom prst="rect">
             <a:avLst/>
@@ -24024,60 +24209,38 @@
         </p:spPr>
         <p:txBody>
           <a:bodyPr anchorCtr="0" anchor="t" bIns="91425" lIns="91425" spcFirstLastPara="1" rIns="91425" wrap="square" tIns="91425">
-            <a:normAutofit lnSpcReduction="20000"/>
+            <a:normAutofit fontScale="85000" lnSpcReduction="20000"/>
           </a:bodyPr>
           <a:lstStyle/>
           <a:p>
-            <a:pPr indent="-317500" lvl="0" marL="457200" rtl="0" algn="l">
-              <a:spcBef>
-                <a:spcPts val="0"/>
-              </a:spcBef>
-              <a:spcAft>
-                <a:spcPts val="0"/>
-              </a:spcAft>
-              <a:buSzPts val="1400"/>
+            <a:pPr indent="-304165" lvl="0" marL="457200" rtl="0" algn="l">
+              <a:spcBef>
+                <a:spcPts val="0"/>
+              </a:spcBef>
+              <a:spcAft>
+                <a:spcPts val="0"/>
+              </a:spcAft>
+              <a:buSzPct val="100000"/>
               <a:buChar char="●"/>
             </a:pPr>
             <a:r>
               <a:rPr lang="en"/>
-              <a:t>The 3 most </a:t>
-            </a:r>
-            <a:r>
-              <a:rPr lang="en"/>
-              <a:t>impactful</a:t>
-            </a:r>
-            <a:r>
-              <a:rPr lang="en"/>
-              <a:t> variables based on the overall accuracy to the models are Poutcome, emp.var.rate, cons.price.idx.</a:t>
+              <a:t>The 3 most important variables based on the overall accuracy to the models are Poutcome, emp.var.rate, cons.price.idx.</a:t>
             </a:r>
             <a:endParaRPr/>
           </a:p>
           <a:p>
-            <a:pPr indent="-317500" lvl="0" marL="457200" rtl="0" algn="l">
-              <a:spcBef>
-                <a:spcPts val="0"/>
-              </a:spcBef>
-              <a:spcAft>
-                <a:spcPts val="0"/>
-              </a:spcAft>
-              <a:buSzPts val="1400"/>
-              <a:buChar char="●"/>
-            </a:pPr>
-            <a:r>
-              <a:rPr lang="en"/>
-              <a:t>The 3 </a:t>
-            </a:r>
-            <a:r>
-              <a:rPr lang="en"/>
-              <a:t>variables</a:t>
-            </a:r>
-            <a:r>
-              <a:rPr lang="en"/>
-              <a:t> that reduces model impurity (i.e. randomness) the most are also </a:t>
-            </a:r>
-            <a:r>
-              <a:rPr lang="en"/>
-              <a:t>Poutcome, emp.var.rate, cons.price.idx</a:t>
+            <a:pPr indent="0" lvl="0" marL="457200" rtl="0" algn="l">
+              <a:spcBef>
+                <a:spcPts val="1200"/>
+              </a:spcBef>
+              <a:spcAft>
+                <a:spcPts val="0"/>
+              </a:spcAft>
+              <a:buNone/>
+            </a:pPr>
+            <a:r>
+              <a:t/>
             </a:r>
             <a:endParaRPr/>
           </a:p>
@@ -24114,36 +24277,8 @@
         </p:blipFill>
         <p:spPr>
           <a:xfrm>
-            <a:off x="6305925" y="1919075"/>
-            <a:ext cx="2765025" cy="2859651"/>
-          </a:xfrm>
-          <a:prstGeom prst="rect">
-            <a:avLst/>
-          </a:prstGeom>
-          <a:noFill/>
-          <a:ln>
-            <a:noFill/>
-          </a:ln>
-        </p:spPr>
-      </p:pic>
-      <p:pic>
-        <p:nvPicPr>
-          <p:cNvPr id="351" name="Google Shape;351;p52"/>
-          <p:cNvPicPr preferRelativeResize="0"/>
-          <p:nvPr/>
-        </p:nvPicPr>
-        <p:blipFill>
-          <a:blip r:embed="rId4">
-            <a:alphaModFix/>
-          </a:blip>
-          <a:stretch>
-            <a:fillRect/>
-          </a:stretch>
-        </p:blipFill>
-        <p:spPr>
-          <a:xfrm>
-            <a:off x="3488975" y="1880750"/>
-            <a:ext cx="2685250" cy="2859650"/>
+            <a:off x="4638625" y="1933525"/>
+            <a:ext cx="3869575" cy="2763000"/>
           </a:xfrm>
           <a:prstGeom prst="rect">
             <a:avLst/>
@@ -24167,7 +24302,7 @@
   <p:cSld>
     <p:spTree>
       <p:nvGrpSpPr>
-        <p:cNvPr id="355" name="Shape 355"/>
+        <p:cNvPr id="354" name="Shape 354"/>
         <p:cNvGrpSpPr/>
         <p:nvPr/>
       </p:nvGrpSpPr>
@@ -24181,7 +24316,7 @@
       </p:grpSpPr>
       <p:sp>
         <p:nvSpPr>
-          <p:cNvPr id="356" name="Google Shape;356;p53"/>
+          <p:cNvPr id="355" name="Google Shape;355;p53"/>
           <p:cNvSpPr txBox="1"/>
           <p:nvPr>
             <p:ph type="title"/>
@@ -24228,7 +24363,7 @@
             </a:pPr>
             <a:r>
               <a:rPr lang="en"/>
-              <a:t>Support Vector Machines (SVM)</a:t>
+              <a:t>Random Forest: Confusion Matrix</a:t>
             </a:r>
             <a:endParaRPr/>
           </a:p>
@@ -24236,7 +24371,513 @@
       </p:sp>
       <p:sp>
         <p:nvSpPr>
+          <p:cNvPr id="356" name="Google Shape;356;p53"/>
+          <p:cNvSpPr txBox="1"/>
+          <p:nvPr>
+            <p:ph idx="1" type="body"/>
+          </p:nvPr>
+        </p:nvSpPr>
+        <p:spPr>
+          <a:xfrm>
+            <a:off x="471900" y="1919075"/>
+            <a:ext cx="5010300" cy="3163800"/>
+          </a:xfrm>
+          <a:prstGeom prst="rect">
+            <a:avLst/>
+          </a:prstGeom>
+        </p:spPr>
+        <p:txBody>
+          <a:bodyPr anchorCtr="0" anchor="t" bIns="91425" lIns="91425" spcFirstLastPara="1" rIns="91425" wrap="square" tIns="91425">
+            <a:normAutofit lnSpcReduction="10000"/>
+          </a:bodyPr>
+          <a:lstStyle/>
+          <a:p>
+            <a:pPr indent="0" lvl="0" marL="457200" rtl="0" algn="l">
+              <a:spcBef>
+                <a:spcPts val="0"/>
+              </a:spcBef>
+              <a:spcAft>
+                <a:spcPts val="0"/>
+              </a:spcAft>
+              <a:buNone/>
+            </a:pPr>
+            <a:r>
+              <a:rPr b="1" lang="en"/>
+              <a:t>randomForest</a:t>
+            </a:r>
+            <a:endParaRPr b="1"/>
+          </a:p>
+          <a:p>
+            <a:pPr indent="-317500" lvl="0" marL="457200" rtl="0" algn="l">
+              <a:spcBef>
+                <a:spcPts val="1200"/>
+              </a:spcBef>
+              <a:spcAft>
+                <a:spcPts val="0"/>
+              </a:spcAft>
+              <a:buSzPts val="1400"/>
+              <a:buChar char="●"/>
+            </a:pPr>
+            <a:r>
+              <a:rPr lang="en"/>
+              <a:t>Hyperparameters</a:t>
+            </a:r>
+            <a:endParaRPr/>
+          </a:p>
+          <a:p>
+            <a:pPr indent="-304800" lvl="1" marL="914400" rtl="0" algn="l">
+              <a:spcBef>
+                <a:spcPts val="0"/>
+              </a:spcBef>
+              <a:spcAft>
+                <a:spcPts val="0"/>
+              </a:spcAft>
+              <a:buSzPts val="1200"/>
+              <a:buChar char="○"/>
+            </a:pPr>
+            <a:r>
+              <a:rPr lang="en"/>
+              <a:t>Ntree  = 3</a:t>
+            </a:r>
+            <a:endParaRPr/>
+          </a:p>
+          <a:p>
+            <a:pPr indent="-304800" lvl="1" marL="914400" rtl="0" algn="l">
+              <a:spcBef>
+                <a:spcPts val="0"/>
+              </a:spcBef>
+              <a:spcAft>
+                <a:spcPts val="0"/>
+              </a:spcAft>
+              <a:buSzPts val="1200"/>
+              <a:buChar char="○"/>
+            </a:pPr>
+            <a:r>
+              <a:rPr lang="en"/>
+              <a:t>Mtry = 5000</a:t>
+            </a:r>
+            <a:endParaRPr/>
+          </a:p>
+          <a:p>
+            <a:pPr indent="-317500" lvl="0" marL="457200" rtl="0" algn="l">
+              <a:spcBef>
+                <a:spcPts val="0"/>
+              </a:spcBef>
+              <a:spcAft>
+                <a:spcPts val="0"/>
+              </a:spcAft>
+              <a:buSzPts val="1400"/>
+              <a:buChar char="●"/>
+            </a:pPr>
+            <a:r>
+              <a:rPr lang="en"/>
+              <a:t>We used  the simple Logistic model equation:  y ~ month + poutcome + emp.var.rate + contact + cons.price.idx</a:t>
+            </a:r>
+            <a:endParaRPr/>
+          </a:p>
+          <a:p>
+            <a:pPr indent="-317500" lvl="0" marL="457200" rtl="0" algn="l">
+              <a:spcBef>
+                <a:spcPts val="0"/>
+              </a:spcBef>
+              <a:spcAft>
+                <a:spcPts val="0"/>
+              </a:spcAft>
+              <a:buSzPts val="1400"/>
+              <a:buChar char="●"/>
+            </a:pPr>
+            <a:r>
+              <a:rPr lang="en"/>
+              <a:t>Threshold for highest F1 was 0.0034 (really low)</a:t>
+            </a:r>
+            <a:endParaRPr/>
+          </a:p>
+          <a:p>
+            <a:pPr indent="-317500" lvl="0" marL="457200" rtl="0" algn="l">
+              <a:spcBef>
+                <a:spcPts val="0"/>
+              </a:spcBef>
+              <a:spcAft>
+                <a:spcPts val="0"/>
+              </a:spcAft>
+              <a:buSzPts val="1400"/>
+              <a:buChar char="●"/>
+            </a:pPr>
+            <a:r>
+              <a:rPr lang="en"/>
+              <a:t>Highest F1 score was 0.4605</a:t>
+            </a:r>
+            <a:endParaRPr/>
+          </a:p>
+          <a:p>
+            <a:pPr indent="-317500" lvl="0" marL="457200" rtl="0" algn="l">
+              <a:spcBef>
+                <a:spcPts val="0"/>
+              </a:spcBef>
+              <a:spcAft>
+                <a:spcPts val="0"/>
+              </a:spcAft>
+              <a:buSzPts val="1400"/>
+              <a:buChar char="●"/>
+            </a:pPr>
+            <a:r>
+              <a:rPr lang="en"/>
+              <a:t>AUC for training data was 0.6703</a:t>
+            </a:r>
+            <a:endParaRPr/>
+          </a:p>
+          <a:p>
+            <a:pPr indent="-304800" lvl="1" marL="914400" rtl="0" algn="l">
+              <a:spcBef>
+                <a:spcPts val="0"/>
+              </a:spcBef>
+              <a:spcAft>
+                <a:spcPts val="0"/>
+              </a:spcAft>
+              <a:buSzPts val="1200"/>
+              <a:buChar char="○"/>
+            </a:pPr>
+            <a:r>
+              <a:rPr lang="en"/>
+              <a:t>AUC is 0.3% &gt; AUC of caret package.</a:t>
+            </a:r>
+            <a:endParaRPr/>
+          </a:p>
+          <a:p>
+            <a:pPr indent="0" lvl="0" marL="0" rtl="0" algn="l">
+              <a:spcBef>
+                <a:spcPts val="1200"/>
+              </a:spcBef>
+              <a:spcAft>
+                <a:spcPts val="1200"/>
+              </a:spcAft>
+              <a:buNone/>
+            </a:pPr>
+            <a:r>
+              <a:t/>
+            </a:r>
+            <a:endParaRPr/>
+          </a:p>
+        </p:txBody>
+      </p:sp>
+      <p:pic>
+        <p:nvPicPr>
           <p:cNvPr id="357" name="Google Shape;357;p53"/>
+          <p:cNvPicPr preferRelativeResize="0"/>
+          <p:nvPr/>
+        </p:nvPicPr>
+        <p:blipFill>
+          <a:blip r:embed="rId3">
+            <a:alphaModFix/>
+          </a:blip>
+          <a:stretch>
+            <a:fillRect/>
+          </a:stretch>
+        </p:blipFill>
+        <p:spPr>
+          <a:xfrm>
+            <a:off x="6240925" y="1750600"/>
+            <a:ext cx="2600623" cy="3332274"/>
+          </a:xfrm>
+          <a:prstGeom prst="rect">
+            <a:avLst/>
+          </a:prstGeom>
+          <a:noFill/>
+          <a:ln>
+            <a:noFill/>
+          </a:ln>
+        </p:spPr>
+      </p:pic>
+    </p:spTree>
+  </p:cSld>
+  <p:clrMapOvr>
+    <a:masterClrMapping/>
+  </p:clrMapOvr>
+</p:sld>
+</file>
+
+<file path=ppt/slides/slide42.xml><?xml version="1.0" encoding="utf-8"?>
+<p:sld xmlns:a="http://schemas.openxmlformats.org/drawingml/2006/main" xmlns:r="http://schemas.openxmlformats.org/officeDocument/2006/relationships" xmlns:mc="http://schemas.openxmlformats.org/markup-compatibility/2006" xmlns:mv="urn:schemas-microsoft-com:mac:vml" xmlns:p="http://schemas.openxmlformats.org/presentationml/2006/main" xmlns:c="http://schemas.openxmlformats.org/drawingml/2006/chart" xmlns:dgm="http://schemas.openxmlformats.org/drawingml/2006/diagram" xmlns:o="urn:schemas-microsoft-com:office:office" xmlns:v="urn:schemas-microsoft-com:vml" xmlns:pvml="urn:schemas-microsoft-com:office:powerpoint" xmlns:com="http://schemas.openxmlformats.org/drawingml/2006/compatibility" xmlns:p14="http://schemas.microsoft.com/office/powerpoint/2010/main" xmlns:p15="http://schemas.microsoft.com/office/powerpoint/2012/main" xmlns:ahyp="http://schemas.microsoft.com/office/drawing/2018/hyperlinkcolor">
+  <p:cSld>
+    <p:spTree>
+      <p:nvGrpSpPr>
+        <p:cNvPr id="361" name="Shape 361"/>
+        <p:cNvGrpSpPr/>
+        <p:nvPr/>
+      </p:nvGrpSpPr>
+      <p:grpSpPr>
+        <a:xfrm>
+          <a:off x="0" y="0"/>
+          <a:ext cx="0" cy="0"/>
+          <a:chOff x="0" y="0"/>
+          <a:chExt cx="0" cy="0"/>
+        </a:xfrm>
+      </p:grpSpPr>
+      <p:sp>
+        <p:nvSpPr>
+          <p:cNvPr id="362" name="Google Shape;362;p54"/>
+          <p:cNvSpPr txBox="1"/>
+          <p:nvPr>
+            <p:ph type="title"/>
+          </p:nvPr>
+        </p:nvSpPr>
+        <p:spPr>
+          <a:xfrm>
+            <a:off x="471900" y="738725"/>
+            <a:ext cx="8222100" cy="767700"/>
+          </a:xfrm>
+          <a:prstGeom prst="rect">
+            <a:avLst/>
+          </a:prstGeom>
+        </p:spPr>
+        <p:txBody>
+          <a:bodyPr anchorCtr="0" anchor="b" bIns="91425" lIns="91425" spcFirstLastPara="1" rIns="91425" wrap="square" tIns="91425">
+            <a:normAutofit fontScale="90000"/>
+          </a:bodyPr>
+          <a:lstStyle/>
+          <a:p>
+            <a:pPr indent="0" lvl="0" marL="0" rtl="0" algn="l">
+              <a:spcBef>
+                <a:spcPts val="0"/>
+              </a:spcBef>
+              <a:spcAft>
+                <a:spcPts val="0"/>
+              </a:spcAft>
+              <a:buNone/>
+            </a:pPr>
+            <a:r>
+              <a:t/>
+            </a:r>
+            <a:endParaRPr/>
+          </a:p>
+          <a:p>
+            <a:pPr indent="0" lvl="0" marL="0" rtl="0" algn="l">
+              <a:spcBef>
+                <a:spcPts val="0"/>
+              </a:spcBef>
+              <a:spcAft>
+                <a:spcPts val="0"/>
+              </a:spcAft>
+              <a:buNone/>
+            </a:pPr>
+            <a:r>
+              <a:rPr lang="en"/>
+              <a:t>Random Forest: Contribution Plots</a:t>
+            </a:r>
+            <a:endParaRPr/>
+          </a:p>
+        </p:txBody>
+      </p:sp>
+      <p:sp>
+        <p:nvSpPr>
+          <p:cNvPr id="363" name="Google Shape;363;p54"/>
+          <p:cNvSpPr txBox="1"/>
+          <p:nvPr>
+            <p:ph idx="1" type="body"/>
+          </p:nvPr>
+        </p:nvSpPr>
+        <p:spPr>
+          <a:xfrm>
+            <a:off x="267525" y="2069050"/>
+            <a:ext cx="3035700" cy="1572900"/>
+          </a:xfrm>
+          <a:prstGeom prst="rect">
+            <a:avLst/>
+          </a:prstGeom>
+        </p:spPr>
+        <p:txBody>
+          <a:bodyPr anchorCtr="0" anchor="t" bIns="91425" lIns="91425" spcFirstLastPara="1" rIns="91425" wrap="square" tIns="91425">
+            <a:normAutofit fontScale="77500" lnSpcReduction="10000"/>
+          </a:bodyPr>
+          <a:lstStyle/>
+          <a:p>
+            <a:pPr indent="-297497" lvl="0" marL="457200" rtl="0" algn="l">
+              <a:spcBef>
+                <a:spcPts val="0"/>
+              </a:spcBef>
+              <a:spcAft>
+                <a:spcPts val="0"/>
+              </a:spcAft>
+              <a:buSzPct val="100000"/>
+              <a:buChar char="●"/>
+            </a:pPr>
+            <a:r>
+              <a:rPr lang="en"/>
+              <a:t>The 3 most important variables based on the overall accuracy and impurity  to the models are Poutcome, emp.var.rate, cons.price.idx.</a:t>
+            </a:r>
+            <a:endParaRPr/>
+          </a:p>
+          <a:p>
+            <a:pPr indent="0" lvl="0" marL="457200" rtl="0" algn="l">
+              <a:spcBef>
+                <a:spcPts val="1200"/>
+              </a:spcBef>
+              <a:spcAft>
+                <a:spcPts val="0"/>
+              </a:spcAft>
+              <a:buNone/>
+            </a:pPr>
+            <a:r>
+              <a:t/>
+            </a:r>
+            <a:endParaRPr/>
+          </a:p>
+          <a:p>
+            <a:pPr indent="0" lvl="0" marL="0" rtl="0" algn="l">
+              <a:spcBef>
+                <a:spcPts val="1200"/>
+              </a:spcBef>
+              <a:spcAft>
+                <a:spcPts val="1200"/>
+              </a:spcAft>
+              <a:buNone/>
+            </a:pPr>
+            <a:r>
+              <a:t/>
+            </a:r>
+            <a:endParaRPr/>
+          </a:p>
+        </p:txBody>
+      </p:sp>
+      <p:pic>
+        <p:nvPicPr>
+          <p:cNvPr id="364" name="Google Shape;364;p54"/>
+          <p:cNvPicPr preferRelativeResize="0"/>
+          <p:nvPr/>
+        </p:nvPicPr>
+        <p:blipFill>
+          <a:blip r:embed="rId3">
+            <a:alphaModFix/>
+          </a:blip>
+          <a:stretch>
+            <a:fillRect/>
+          </a:stretch>
+        </p:blipFill>
+        <p:spPr>
+          <a:xfrm>
+            <a:off x="3442950" y="2069050"/>
+            <a:ext cx="2708075" cy="2846926"/>
+          </a:xfrm>
+          <a:prstGeom prst="rect">
+            <a:avLst/>
+          </a:prstGeom>
+          <a:noFill/>
+          <a:ln>
+            <a:noFill/>
+          </a:ln>
+        </p:spPr>
+      </p:pic>
+      <p:pic>
+        <p:nvPicPr>
+          <p:cNvPr id="365" name="Google Shape;365;p54"/>
+          <p:cNvPicPr preferRelativeResize="0"/>
+          <p:nvPr/>
+        </p:nvPicPr>
+        <p:blipFill>
+          <a:blip r:embed="rId4">
+            <a:alphaModFix/>
+          </a:blip>
+          <a:stretch>
+            <a:fillRect/>
+          </a:stretch>
+        </p:blipFill>
+        <p:spPr>
+          <a:xfrm>
+            <a:off x="6355400" y="2069050"/>
+            <a:ext cx="2656925" cy="2846925"/>
+          </a:xfrm>
+          <a:prstGeom prst="rect">
+            <a:avLst/>
+          </a:prstGeom>
+          <a:noFill/>
+          <a:ln>
+            <a:noFill/>
+          </a:ln>
+        </p:spPr>
+      </p:pic>
+    </p:spTree>
+  </p:cSld>
+  <p:clrMapOvr>
+    <a:masterClrMapping/>
+  </p:clrMapOvr>
+</p:sld>
+</file>
+
+<file path=ppt/slides/slide43.xml><?xml version="1.0" encoding="utf-8"?>
+<p:sld xmlns:a="http://schemas.openxmlformats.org/drawingml/2006/main" xmlns:r="http://schemas.openxmlformats.org/officeDocument/2006/relationships" xmlns:mc="http://schemas.openxmlformats.org/markup-compatibility/2006" xmlns:mv="urn:schemas-microsoft-com:mac:vml" xmlns:p="http://schemas.openxmlformats.org/presentationml/2006/main" xmlns:c="http://schemas.openxmlformats.org/drawingml/2006/chart" xmlns:dgm="http://schemas.openxmlformats.org/drawingml/2006/diagram" xmlns:o="urn:schemas-microsoft-com:office:office" xmlns:v="urn:schemas-microsoft-com:vml" xmlns:pvml="urn:schemas-microsoft-com:office:powerpoint" xmlns:com="http://schemas.openxmlformats.org/drawingml/2006/compatibility" xmlns:p14="http://schemas.microsoft.com/office/powerpoint/2010/main" xmlns:p15="http://schemas.microsoft.com/office/powerpoint/2012/main" xmlns:ahyp="http://schemas.microsoft.com/office/drawing/2018/hyperlinkcolor">
+  <p:cSld>
+    <p:spTree>
+      <p:nvGrpSpPr>
+        <p:cNvPr id="369" name="Shape 369"/>
+        <p:cNvGrpSpPr/>
+        <p:nvPr/>
+      </p:nvGrpSpPr>
+      <p:grpSpPr>
+        <a:xfrm>
+          <a:off x="0" y="0"/>
+          <a:ext cx="0" cy="0"/>
+          <a:chOff x="0" y="0"/>
+          <a:chExt cx="0" cy="0"/>
+        </a:xfrm>
+      </p:grpSpPr>
+      <p:sp>
+        <p:nvSpPr>
+          <p:cNvPr id="370" name="Google Shape;370;p55"/>
+          <p:cNvSpPr txBox="1"/>
+          <p:nvPr>
+            <p:ph type="title"/>
+          </p:nvPr>
+        </p:nvSpPr>
+        <p:spPr>
+          <a:xfrm>
+            <a:off x="471900" y="738725"/>
+            <a:ext cx="8222100" cy="767700"/>
+          </a:xfrm>
+          <a:prstGeom prst="rect">
+            <a:avLst/>
+          </a:prstGeom>
+        </p:spPr>
+        <p:txBody>
+          <a:bodyPr anchorCtr="0" anchor="b" bIns="91425" lIns="91425" spcFirstLastPara="1" rIns="91425" wrap="square" tIns="91425">
+            <a:normAutofit fontScale="90000"/>
+          </a:bodyPr>
+          <a:lstStyle/>
+          <a:p>
+            <a:pPr indent="0" lvl="0" marL="0" rtl="0" algn="l">
+              <a:spcBef>
+                <a:spcPts val="0"/>
+              </a:spcBef>
+              <a:spcAft>
+                <a:spcPts val="0"/>
+              </a:spcAft>
+              <a:buNone/>
+            </a:pPr>
+            <a:r>
+              <a:t/>
+            </a:r>
+            <a:endParaRPr/>
+          </a:p>
+          <a:p>
+            <a:pPr indent="0" lvl="0" marL="0" rtl="0" algn="l">
+              <a:spcBef>
+                <a:spcPts val="0"/>
+              </a:spcBef>
+              <a:spcAft>
+                <a:spcPts val="0"/>
+              </a:spcAft>
+              <a:buNone/>
+            </a:pPr>
+            <a:r>
+              <a:rPr lang="en"/>
+              <a:t>Support Vector Machines (SVM)</a:t>
+            </a:r>
+            <a:endParaRPr/>
+          </a:p>
+        </p:txBody>
+      </p:sp>
+      <p:sp>
+        <p:nvSpPr>
+          <p:cNvPr id="371" name="Google Shape;371;p55"/>
           <p:cNvSpPr txBox="1"/>
           <p:nvPr>
             <p:ph idx="1" type="body"/>
@@ -24413,7 +25054,7 @@
       </p:sp>
       <p:pic>
         <p:nvPicPr>
-          <p:cNvPr id="358" name="Google Shape;358;p53"/>
+          <p:cNvPr id="372" name="Google Shape;372;p55"/>
           <p:cNvPicPr preferRelativeResize="0"/>
           <p:nvPr/>
         </p:nvPicPr>
@@ -24441,7 +25082,7 @@
       </p:pic>
       <p:pic>
         <p:nvPicPr>
-          <p:cNvPr id="359" name="Google Shape;359;p53"/>
+          <p:cNvPr id="373" name="Google Shape;373;p55"/>
           <p:cNvPicPr preferRelativeResize="0"/>
           <p:nvPr/>
         </p:nvPicPr>
@@ -24475,12 +25116,12 @@
 </p:sld>
 </file>
 
-<file path=ppt/slides/slide42.xml><?xml version="1.0" encoding="utf-8"?>
+<file path=ppt/slides/slide44.xml><?xml version="1.0" encoding="utf-8"?>
 <p:sld xmlns:a="http://schemas.openxmlformats.org/drawingml/2006/main" xmlns:r="http://schemas.openxmlformats.org/officeDocument/2006/relationships" xmlns:mc="http://schemas.openxmlformats.org/markup-compatibility/2006" xmlns:mv="urn:schemas-microsoft-com:mac:vml" xmlns:p="http://schemas.openxmlformats.org/presentationml/2006/main" xmlns:c="http://schemas.openxmlformats.org/drawingml/2006/chart" xmlns:dgm="http://schemas.openxmlformats.org/drawingml/2006/diagram" xmlns:o="urn:schemas-microsoft-com:office:office" xmlns:v="urn:schemas-microsoft-com:vml" xmlns:pvml="urn:schemas-microsoft-com:office:powerpoint" xmlns:com="http://schemas.openxmlformats.org/drawingml/2006/compatibility" xmlns:p14="http://schemas.microsoft.com/office/powerpoint/2010/main" xmlns:p15="http://schemas.microsoft.com/office/powerpoint/2012/main" xmlns:ahyp="http://schemas.microsoft.com/office/drawing/2018/hyperlinkcolor">
   <p:cSld>
     <p:spTree>
       <p:nvGrpSpPr>
-        <p:cNvPr id="363" name="Shape 363"/>
+        <p:cNvPr id="377" name="Shape 377"/>
         <p:cNvGrpSpPr/>
         <p:nvPr/>
       </p:nvGrpSpPr>
@@ -24494,7 +25135,7 @@
       </p:grpSpPr>
       <p:sp>
         <p:nvSpPr>
-          <p:cNvPr id="364" name="Google Shape;364;p54"/>
+          <p:cNvPr id="378" name="Google Shape;378;p56"/>
           <p:cNvSpPr txBox="1"/>
           <p:nvPr>
             <p:ph type="title"/>
@@ -24549,7 +25190,7 @@
       </p:sp>
       <p:sp>
         <p:nvSpPr>
-          <p:cNvPr id="365" name="Google Shape;365;p54"/>
+          <p:cNvPr id="379" name="Google Shape;379;p56"/>
           <p:cNvSpPr txBox="1"/>
           <p:nvPr>
             <p:ph idx="1" type="body"/>
@@ -24724,7 +25365,7 @@
       </p:sp>
       <p:pic>
         <p:nvPicPr>
-          <p:cNvPr id="366" name="Google Shape;366;p54"/>
+          <p:cNvPr id="380" name="Google Shape;380;p56"/>
           <p:cNvPicPr preferRelativeResize="0"/>
           <p:nvPr/>
         </p:nvPicPr>
@@ -24758,12 +25399,12 @@
 </p:sld>
 </file>
 
-<file path=ppt/slides/slide43.xml><?xml version="1.0" encoding="utf-8"?>
+<file path=ppt/slides/slide45.xml><?xml version="1.0" encoding="utf-8"?>
 <p:sld xmlns:a="http://schemas.openxmlformats.org/drawingml/2006/main" xmlns:r="http://schemas.openxmlformats.org/officeDocument/2006/relationships" xmlns:mc="http://schemas.openxmlformats.org/markup-compatibility/2006" xmlns:mv="urn:schemas-microsoft-com:mac:vml" xmlns:p="http://schemas.openxmlformats.org/presentationml/2006/main" xmlns:c="http://schemas.openxmlformats.org/drawingml/2006/chart" xmlns:dgm="http://schemas.openxmlformats.org/drawingml/2006/diagram" xmlns:o="urn:schemas-microsoft-com:office:office" xmlns:v="urn:schemas-microsoft-com:vml" xmlns:pvml="urn:schemas-microsoft-com:office:powerpoint" xmlns:com="http://schemas.openxmlformats.org/drawingml/2006/compatibility" xmlns:p14="http://schemas.microsoft.com/office/powerpoint/2010/main" xmlns:p15="http://schemas.microsoft.com/office/powerpoint/2012/main" xmlns:ahyp="http://schemas.microsoft.com/office/drawing/2018/hyperlinkcolor">
   <p:cSld>
     <p:spTree>
       <p:nvGrpSpPr>
-        <p:cNvPr id="370" name="Shape 370"/>
+        <p:cNvPr id="384" name="Shape 384"/>
         <p:cNvGrpSpPr/>
         <p:nvPr/>
       </p:nvGrpSpPr>
@@ -24777,7 +25418,7 @@
       </p:grpSpPr>
       <p:sp>
         <p:nvSpPr>
-          <p:cNvPr id="371" name="Google Shape;371;p55"/>
+          <p:cNvPr id="385" name="Google Shape;385;p57"/>
           <p:cNvSpPr txBox="1"/>
           <p:nvPr>
             <p:ph type="title"/>
@@ -24832,7 +25473,7 @@
       </p:sp>
       <p:pic>
         <p:nvPicPr>
-          <p:cNvPr id="372" name="Google Shape;372;p55"/>
+          <p:cNvPr id="386" name="Google Shape;386;p57"/>
           <p:cNvPicPr preferRelativeResize="0"/>
           <p:nvPr/>
         </p:nvPicPr>
@@ -24860,7 +25501,7 @@
       </p:pic>
       <p:pic>
         <p:nvPicPr>
-          <p:cNvPr id="373" name="Google Shape;373;p55"/>
+          <p:cNvPr id="387" name="Google Shape;387;p57"/>
           <p:cNvPicPr preferRelativeResize="0"/>
           <p:nvPr/>
         </p:nvPicPr>
@@ -24888,7 +25529,7 @@
       </p:pic>
       <p:pic>
         <p:nvPicPr>
-          <p:cNvPr id="374" name="Google Shape;374;p55"/>
+          <p:cNvPr id="388" name="Google Shape;388;p57"/>
           <p:cNvPicPr preferRelativeResize="0"/>
           <p:nvPr/>
         </p:nvPicPr>
@@ -24916,7 +25557,7 @@
       </p:pic>
       <p:pic>
         <p:nvPicPr>
-          <p:cNvPr id="375" name="Google Shape;375;p55"/>
+          <p:cNvPr id="389" name="Google Shape;389;p57"/>
           <p:cNvPicPr preferRelativeResize="0"/>
           <p:nvPr/>
         </p:nvPicPr>
@@ -24944,7 +25585,7 @@
       </p:pic>
       <p:pic>
         <p:nvPicPr>
-          <p:cNvPr id="376" name="Google Shape;376;p55"/>
+          <p:cNvPr id="390" name="Google Shape;390;p57"/>
           <p:cNvPicPr preferRelativeResize="0"/>
           <p:nvPr/>
         </p:nvPicPr>
@@ -24972,7 +25613,7 @@
       </p:pic>
       <p:pic>
         <p:nvPicPr>
-          <p:cNvPr id="377" name="Google Shape;377;p55"/>
+          <p:cNvPr id="391" name="Google Shape;391;p57"/>
           <p:cNvPicPr preferRelativeResize="0"/>
           <p:nvPr/>
         </p:nvPicPr>
@@ -24986,8 +25627,8 @@
         </p:blipFill>
         <p:spPr>
           <a:xfrm>
-            <a:off x="6576625" y="1790227"/>
-            <a:ext cx="2327825" cy="1479725"/>
+            <a:off x="6632125" y="1732300"/>
+            <a:ext cx="2391801" cy="1473700"/>
           </a:xfrm>
           <a:prstGeom prst="rect">
             <a:avLst/>
@@ -25006,12 +25647,12 @@
 </p:sld>
 </file>
 
-<file path=ppt/slides/slide44.xml><?xml version="1.0" encoding="utf-8"?>
+<file path=ppt/slides/slide46.xml><?xml version="1.0" encoding="utf-8"?>
 <p:sld xmlns:a="http://schemas.openxmlformats.org/drawingml/2006/main" xmlns:r="http://schemas.openxmlformats.org/officeDocument/2006/relationships" xmlns:mc="http://schemas.openxmlformats.org/markup-compatibility/2006" xmlns:mv="urn:schemas-microsoft-com:mac:vml" xmlns:p="http://schemas.openxmlformats.org/presentationml/2006/main" xmlns:c="http://schemas.openxmlformats.org/drawingml/2006/chart" xmlns:dgm="http://schemas.openxmlformats.org/drawingml/2006/diagram" xmlns:o="urn:schemas-microsoft-com:office:office" xmlns:v="urn:schemas-microsoft-com:vml" xmlns:pvml="urn:schemas-microsoft-com:office:powerpoint" xmlns:com="http://schemas.openxmlformats.org/drawingml/2006/compatibility" xmlns:p14="http://schemas.microsoft.com/office/powerpoint/2010/main" xmlns:p15="http://schemas.microsoft.com/office/powerpoint/2012/main" xmlns:ahyp="http://schemas.microsoft.com/office/drawing/2018/hyperlinkcolor">
   <p:cSld>
     <p:spTree>
       <p:nvGrpSpPr>
-        <p:cNvPr id="381" name="Shape 381"/>
+        <p:cNvPr id="395" name="Shape 395"/>
         <p:cNvGrpSpPr/>
         <p:nvPr/>
       </p:nvGrpSpPr>
@@ -25025,7 +25666,7 @@
       </p:grpSpPr>
       <p:sp>
         <p:nvSpPr>
-          <p:cNvPr id="382" name="Google Shape;382;p56"/>
+          <p:cNvPr id="396" name="Google Shape;396;p58"/>
           <p:cNvSpPr txBox="1"/>
           <p:nvPr>
             <p:ph type="title"/>
@@ -25080,7 +25721,7 @@
       </p:sp>
       <p:graphicFrame>
         <p:nvGraphicFramePr>
-          <p:cNvPr id="383" name="Google Shape;383;p56"/>
+          <p:cNvPr id="397" name="Google Shape;397;p58"/>
           <p:cNvGraphicFramePr/>
           <p:nvPr/>
         </p:nvGraphicFramePr>
@@ -25093,7 +25734,7 @@
             <a:tbl>
               <a:tblPr>
                 <a:noFill/>
-                <a:tableStyleId>{F701B251-343C-4CA0-8F75-DB2E4F28BD0F}</a:tableStyleId>
+                <a:tableStyleId>{AFB7E087-2D86-45EA-A7A7-E2C51E06ADBA}</a:tableStyleId>
               </a:tblPr>
               <a:tblGrid>
                 <a:gridCol w="1916975"/>
@@ -25961,10 +26602,10 @@
                         <a:buNone/>
                       </a:pPr>
                       <a:r>
-                        <a:rPr b="1" lang="en" sz="1000"/>
+                        <a:rPr lang="en" sz="1000"/>
                         <a:t>0.4665</a:t>
                       </a:r>
-                      <a:endParaRPr b="1" sz="1000"/>
+                      <a:endParaRPr sz="1000"/>
                     </a:p>
                   </a:txBody>
                   <a:tcPr marT="0" marB="91425" marR="0" marL="91425"/>
@@ -26101,10 +26742,10 @@
                         <a:buNone/>
                       </a:pPr>
                       <a:r>
-                        <a:rPr b="1" lang="en" sz="1000"/>
+                        <a:rPr lang="en" sz="1000"/>
                         <a:t>0.9335</a:t>
                       </a:r>
-                      <a:endParaRPr b="1" sz="1000"/>
+                      <a:endParaRPr sz="1000"/>
                     </a:p>
                   </a:txBody>
                   <a:tcPr marT="0" marB="91425" marR="0" marL="91425"/>
@@ -26457,7 +27098,7 @@
                       </a:pPr>
                       <a:r>
                         <a:rPr lang="en" sz="1000"/>
-                        <a:t>0.4775</a:t>
+                        <a:t>0.3863</a:t>
                       </a:r>
                       <a:endParaRPr sz="1000"/>
                     </a:p>
@@ -26480,7 +27121,7 @@
                       </a:pPr>
                       <a:r>
                         <a:rPr lang="en" sz="1000"/>
-                        <a:t>0.9313</a:t>
+                        <a:t>0.9573</a:t>
                       </a:r>
                       <a:endParaRPr sz="1000"/>
                     </a:p>
@@ -26526,7 +27167,7 @@
                       </a:pPr>
                       <a:r>
                         <a:rPr lang="en" sz="1000"/>
-                        <a:t>0.4638</a:t>
+                        <a:t>0.5124</a:t>
                       </a:r>
                       <a:endParaRPr sz="1000"/>
                     </a:p>
@@ -26549,7 +27190,7 @@
                       </a:pPr>
                       <a:r>
                         <a:rPr lang="en" sz="1000"/>
-                        <a:t>0.9348</a:t>
+                        <a:t>0.9259</a:t>
                       </a:r>
                       <a:endParaRPr sz="1000"/>
                     </a:p>
@@ -26572,7 +27213,7 @@
                       </a:pPr>
                       <a:r>
                         <a:rPr lang="en" sz="1000"/>
-                        <a:t>0.4705</a:t>
+                        <a:t>0.4406</a:t>
                       </a:r>
                       <a:endParaRPr sz="1000"/>
                     </a:p>
@@ -26595,7 +27236,7 @@
                       </a:pPr>
                       <a:r>
                         <a:rPr lang="en" sz="1000"/>
-                        <a:t>0.7044</a:t>
+                        <a:t>0.6704</a:t>
                       </a:r>
                       <a:endParaRPr sz="1000"/>
                     </a:p>
@@ -26815,7 +27456,7 @@
       </p:graphicFrame>
       <p:sp>
         <p:nvSpPr>
-          <p:cNvPr id="384" name="Google Shape;384;p56"/>
+          <p:cNvPr id="398" name="Google Shape;398;p58"/>
           <p:cNvSpPr/>
           <p:nvPr/>
         </p:nvSpPr>
@@ -26867,7 +27508,7 @@
       </p:sp>
       <p:sp>
         <p:nvSpPr>
-          <p:cNvPr id="385" name="Google Shape;385;p56"/>
+          <p:cNvPr id="399" name="Google Shape;399;p58"/>
           <p:cNvSpPr/>
           <p:nvPr/>
         </p:nvSpPr>
@@ -26919,13 +27560,13 @@
       </p:sp>
       <p:sp>
         <p:nvSpPr>
-          <p:cNvPr id="386" name="Google Shape;386;p56"/>
+          <p:cNvPr id="400" name="Google Shape;400;p58"/>
           <p:cNvSpPr/>
           <p:nvPr/>
         </p:nvSpPr>
         <p:spPr>
           <a:xfrm>
-            <a:off x="3373350" y="2686950"/>
+            <a:off x="3423050" y="3136675"/>
             <a:ext cx="882300" cy="245700"/>
           </a:xfrm>
           <a:prstGeom prst="rect">
@@ -26971,7 +27612,7 @@
       </p:sp>
       <p:sp>
         <p:nvSpPr>
-          <p:cNvPr id="387" name="Google Shape;387;p56"/>
+          <p:cNvPr id="401" name="Google Shape;401;p58"/>
           <p:cNvSpPr/>
           <p:nvPr/>
         </p:nvSpPr>
@@ -27023,13 +27664,13 @@
       </p:sp>
       <p:sp>
         <p:nvSpPr>
-          <p:cNvPr id="388" name="Google Shape;388;p56"/>
+          <p:cNvPr id="402" name="Google Shape;402;p58"/>
           <p:cNvSpPr/>
           <p:nvPr/>
         </p:nvSpPr>
         <p:spPr>
           <a:xfrm>
-            <a:off x="5158150" y="2448900"/>
+            <a:off x="5172250" y="3184350"/>
             <a:ext cx="656100" cy="245700"/>
           </a:xfrm>
           <a:prstGeom prst="rect">
@@ -27075,13 +27716,13 @@
       </p:sp>
       <p:sp>
         <p:nvSpPr>
-          <p:cNvPr id="389" name="Google Shape;389;p56"/>
+          <p:cNvPr id="403" name="Google Shape;403;p58"/>
           <p:cNvSpPr/>
           <p:nvPr/>
         </p:nvSpPr>
         <p:spPr>
           <a:xfrm>
-            <a:off x="7366400" y="3438575"/>
+            <a:off x="7366400" y="3184350"/>
             <a:ext cx="827100" cy="245700"/>
           </a:xfrm>
           <a:prstGeom prst="rect">
@@ -27127,7 +27768,7 @@
       </p:sp>
       <p:sp>
         <p:nvSpPr>
-          <p:cNvPr id="390" name="Google Shape;390;p56"/>
+          <p:cNvPr id="404" name="Google Shape;404;p58"/>
           <p:cNvSpPr/>
           <p:nvPr/>
         </p:nvSpPr>
@@ -27179,7 +27820,7 @@
       </p:sp>
       <p:sp>
         <p:nvSpPr>
-          <p:cNvPr id="391" name="Google Shape;391;p56"/>
+          <p:cNvPr id="405" name="Google Shape;405;p58"/>
           <p:cNvSpPr/>
           <p:nvPr/>
         </p:nvSpPr>
@@ -27231,7 +27872,7 @@
       </p:sp>
       <p:sp>
         <p:nvSpPr>
-          <p:cNvPr id="392" name="Google Shape;392;p56"/>
+          <p:cNvPr id="406" name="Google Shape;406;p58"/>
           <p:cNvSpPr/>
           <p:nvPr/>
         </p:nvSpPr>
@@ -27283,7 +27924,7 @@
       </p:sp>
       <p:sp>
         <p:nvSpPr>
-          <p:cNvPr id="393" name="Google Shape;393;p56"/>
+          <p:cNvPr id="407" name="Google Shape;407;p58"/>
           <p:cNvSpPr/>
           <p:nvPr/>
         </p:nvSpPr>
@@ -27335,13 +27976,13 @@
       </p:sp>
       <p:sp>
         <p:nvSpPr>
-          <p:cNvPr id="394" name="Google Shape;394;p56"/>
+          <p:cNvPr id="408" name="Google Shape;408;p58"/>
           <p:cNvSpPr/>
           <p:nvPr/>
         </p:nvSpPr>
         <p:spPr>
           <a:xfrm>
-            <a:off x="5842400" y="2698700"/>
+            <a:off x="5842400" y="3184350"/>
             <a:ext cx="684300" cy="245700"/>
           </a:xfrm>
           <a:prstGeom prst="rect">
@@ -27385,6 +28026,58 @@
           </a:p>
         </p:txBody>
       </p:sp>
+      <p:sp>
+        <p:nvSpPr>
+          <p:cNvPr id="409" name="Google Shape;409;p58"/>
+          <p:cNvSpPr/>
+          <p:nvPr/>
+        </p:nvSpPr>
+        <p:spPr>
+          <a:xfrm>
+            <a:off x="2482475" y="3184350"/>
+            <a:ext cx="899700" cy="245700"/>
+          </a:xfrm>
+          <a:prstGeom prst="rect">
+            <a:avLst/>
+          </a:prstGeom>
+          <a:noFill/>
+          <a:ln cap="flat" cmpd="sng" w="38100">
+            <a:solidFill>
+              <a:schemeClr val="accent3"/>
+            </a:solidFill>
+            <a:prstDash val="solid"/>
+            <a:round/>
+            <a:headEnd len="sm" w="sm" type="none"/>
+            <a:tailEnd len="sm" w="sm" type="none"/>
+          </a:ln>
+        </p:spPr>
+        <p:txBody>
+          <a:bodyPr anchorCtr="0" anchor="ctr" bIns="91425" lIns="91425" spcFirstLastPara="1" rIns="91425" wrap="square" tIns="91425">
+            <a:noAutofit/>
+          </a:bodyPr>
+          <a:lstStyle/>
+          <a:p>
+            <a:pPr indent="0" lvl="0" marL="0" rtl="0" algn="ctr">
+              <a:spcBef>
+                <a:spcPts val="0"/>
+              </a:spcBef>
+              <a:spcAft>
+                <a:spcPts val="0"/>
+              </a:spcAft>
+              <a:buNone/>
+            </a:pPr>
+            <a:r>
+              <a:t/>
+            </a:r>
+            <a:endParaRPr>
+              <a:latin typeface="Roboto"/>
+              <a:ea typeface="Roboto"/>
+              <a:cs typeface="Roboto"/>
+              <a:sym typeface="Roboto"/>
+            </a:endParaRPr>
+          </a:p>
+        </p:txBody>
+      </p:sp>
     </p:spTree>
   </p:cSld>
   <p:clrMapOvr>
@@ -27393,12 +28086,12 @@
 </p:sld>
 </file>
 
-<file path=ppt/slides/slide45.xml><?xml version="1.0" encoding="utf-8"?>
+<file path=ppt/slides/slide47.xml><?xml version="1.0" encoding="utf-8"?>
 <p:sld xmlns:a="http://schemas.openxmlformats.org/drawingml/2006/main" xmlns:r="http://schemas.openxmlformats.org/officeDocument/2006/relationships" xmlns:mc="http://schemas.openxmlformats.org/markup-compatibility/2006" xmlns:mv="urn:schemas-microsoft-com:mac:vml" xmlns:p="http://schemas.openxmlformats.org/presentationml/2006/main" xmlns:c="http://schemas.openxmlformats.org/drawingml/2006/chart" xmlns:dgm="http://schemas.openxmlformats.org/drawingml/2006/diagram" xmlns:o="urn:schemas-microsoft-com:office:office" xmlns:v="urn:schemas-microsoft-com:vml" xmlns:pvml="urn:schemas-microsoft-com:office:powerpoint" xmlns:com="http://schemas.openxmlformats.org/drawingml/2006/compatibility" xmlns:p14="http://schemas.microsoft.com/office/powerpoint/2010/main" xmlns:p15="http://schemas.microsoft.com/office/powerpoint/2012/main" xmlns:ahyp="http://schemas.microsoft.com/office/drawing/2018/hyperlinkcolor">
   <p:cSld>
     <p:spTree>
       <p:nvGrpSpPr>
-        <p:cNvPr id="398" name="Shape 398"/>
+        <p:cNvPr id="413" name="Shape 413"/>
         <p:cNvGrpSpPr/>
         <p:nvPr/>
       </p:nvGrpSpPr>
@@ -27412,7 +28105,7 @@
       </p:grpSpPr>
       <p:sp>
         <p:nvSpPr>
-          <p:cNvPr id="399" name="Google Shape;399;p57"/>
+          <p:cNvPr id="414" name="Google Shape;414;p59"/>
           <p:cNvSpPr txBox="1"/>
           <p:nvPr>
             <p:ph type="ctrTitle"/>
@@ -27458,12 +28151,12 @@
 </p:sld>
 </file>
 
-<file path=ppt/slides/slide46.xml><?xml version="1.0" encoding="utf-8"?>
+<file path=ppt/slides/slide48.xml><?xml version="1.0" encoding="utf-8"?>
 <p:sld xmlns:a="http://schemas.openxmlformats.org/drawingml/2006/main" xmlns:r="http://schemas.openxmlformats.org/officeDocument/2006/relationships" xmlns:mc="http://schemas.openxmlformats.org/markup-compatibility/2006" xmlns:mv="urn:schemas-microsoft-com:mac:vml" xmlns:p="http://schemas.openxmlformats.org/presentationml/2006/main" xmlns:c="http://schemas.openxmlformats.org/drawingml/2006/chart" xmlns:dgm="http://schemas.openxmlformats.org/drawingml/2006/diagram" xmlns:o="urn:schemas-microsoft-com:office:office" xmlns:v="urn:schemas-microsoft-com:vml" xmlns:pvml="urn:schemas-microsoft-com:office:powerpoint" xmlns:com="http://schemas.openxmlformats.org/drawingml/2006/compatibility" xmlns:p14="http://schemas.microsoft.com/office/powerpoint/2010/main" xmlns:p15="http://schemas.microsoft.com/office/powerpoint/2012/main" xmlns:ahyp="http://schemas.microsoft.com/office/drawing/2018/hyperlinkcolor">
   <p:cSld>
     <p:spTree>
       <p:nvGrpSpPr>
-        <p:cNvPr id="403" name="Shape 403"/>
+        <p:cNvPr id="418" name="Shape 418"/>
         <p:cNvGrpSpPr/>
         <p:nvPr/>
       </p:nvGrpSpPr>
@@ -27477,7 +28170,7 @@
       </p:grpSpPr>
       <p:sp>
         <p:nvSpPr>
-          <p:cNvPr id="404" name="Google Shape;404;p58"/>
+          <p:cNvPr id="419" name="Google Shape;419;p60"/>
           <p:cNvSpPr txBox="1"/>
           <p:nvPr>
             <p:ph type="title"/>
@@ -27517,7 +28210,7 @@
       </p:sp>
       <p:sp>
         <p:nvSpPr>
-          <p:cNvPr id="405" name="Google Shape;405;p58"/>
+          <p:cNvPr id="420" name="Google Shape;420;p60"/>
           <p:cNvSpPr txBox="1"/>
           <p:nvPr>
             <p:ph idx="1" type="body"/>
@@ -27550,7 +28243,7 @@
             </a:pPr>
             <a:r>
               <a:rPr lang="en"/>
-              <a:t>Complex Logistic Regression had the highest Sensitivity, PPV, F1 score, and AUROC</a:t>
+              <a:t>Complex Logistic Regression had the highest Sensitivity, NPV, F1 score, and AUROC</a:t>
             </a:r>
             <a:endParaRPr/>
           </a:p>
@@ -27584,7 +28277,7 @@
             </a:pPr>
             <a:r>
               <a:rPr lang="en"/>
-              <a:t>LDA model had lowest Sensitivity but highest Specificity</a:t>
+              <a:t>The Random Forest model had lowest Sensitivity but highest Specificity</a:t>
             </a:r>
             <a:endParaRPr>
               <a:solidFill>
@@ -27605,7 +28298,7 @@
             </a:pPr>
             <a:r>
               <a:rPr lang="en"/>
-              <a:t>Random Forest worse Sensitivity than Simple Logistic Model</a:t>
+              <a:t>LDA has worse Sensitivity than Simple Logistic Model</a:t>
             </a:r>
             <a:endParaRPr/>
           </a:p>
@@ -27622,7 +28315,7 @@
             </a:pPr>
             <a:r>
               <a:rPr lang="en"/>
-              <a:t>SVM had the worst PPV, F1, and worst drop off between training and test results (overfit)</a:t>
+              <a:t>SVM had the worst Specificity, PPV, F1, and worst drop off between training and test results (overfit)</a:t>
             </a:r>
             <a:endParaRPr/>
           </a:p>
@@ -27656,7 +28349,7 @@
             </a:pPr>
             <a:r>
               <a:rPr lang="en"/>
-              <a:t>No models really did “well”, all had PPV &lt; 50%</a:t>
+              <a:t>No models really did “well”, most had PPV &lt; 50%</a:t>
             </a:r>
             <a:endParaRPr/>
           </a:p>
@@ -27691,12 +28384,12 @@
 </p:sld>
 </file>
 
-<file path=ppt/slides/slide47.xml><?xml version="1.0" encoding="utf-8"?>
+<file path=ppt/slides/slide49.xml><?xml version="1.0" encoding="utf-8"?>
 <p:sld xmlns:a="http://schemas.openxmlformats.org/drawingml/2006/main" xmlns:r="http://schemas.openxmlformats.org/officeDocument/2006/relationships" xmlns:mc="http://schemas.openxmlformats.org/markup-compatibility/2006" xmlns:mv="urn:schemas-microsoft-com:mac:vml" xmlns:p="http://schemas.openxmlformats.org/presentationml/2006/main" xmlns:c="http://schemas.openxmlformats.org/drawingml/2006/chart" xmlns:dgm="http://schemas.openxmlformats.org/drawingml/2006/diagram" xmlns:o="urn:schemas-microsoft-com:office:office" xmlns:v="urn:schemas-microsoft-com:vml" xmlns:pvml="urn:schemas-microsoft-com:office:powerpoint" xmlns:com="http://schemas.openxmlformats.org/drawingml/2006/compatibility" xmlns:p14="http://schemas.microsoft.com/office/powerpoint/2010/main" xmlns:p15="http://schemas.microsoft.com/office/powerpoint/2012/main" xmlns:ahyp="http://schemas.microsoft.com/office/drawing/2018/hyperlinkcolor">
   <p:cSld>
     <p:spTree>
       <p:nvGrpSpPr>
-        <p:cNvPr id="409" name="Shape 409"/>
+        <p:cNvPr id="424" name="Shape 424"/>
         <p:cNvGrpSpPr/>
         <p:nvPr/>
       </p:nvGrpSpPr>
@@ -27710,7 +28403,7 @@
       </p:grpSpPr>
       <p:sp>
         <p:nvSpPr>
-          <p:cNvPr id="410" name="Google Shape;410;p59"/>
+          <p:cNvPr id="425" name="Google Shape;425;p61"/>
           <p:cNvSpPr txBox="1"/>
           <p:nvPr>
             <p:ph type="title"/>
@@ -27765,7 +28458,7 @@
       </p:sp>
       <p:graphicFrame>
         <p:nvGraphicFramePr>
-          <p:cNvPr id="411" name="Google Shape;411;p59"/>
+          <p:cNvPr id="426" name="Google Shape;426;p61"/>
           <p:cNvGraphicFramePr/>
           <p:nvPr/>
         </p:nvGraphicFramePr>
@@ -27778,7 +28471,7 @@
             <a:tbl>
               <a:tblPr>
                 <a:noFill/>
-                <a:tableStyleId>{F701B251-343C-4CA0-8F75-DB2E4F28BD0F}</a:tableStyleId>
+                <a:tableStyleId>{AFB7E087-2D86-45EA-A7A7-E2C51E06ADBA}</a:tableStyleId>
               </a:tblPr>
               <a:tblGrid>
                 <a:gridCol w="2065250"/>
@@ -29565,7 +30258,7 @@
       </p:graphicFrame>
       <p:sp>
         <p:nvSpPr>
-          <p:cNvPr id="412" name="Google Shape;412;p59"/>
+          <p:cNvPr id="427" name="Google Shape;427;p61"/>
           <p:cNvSpPr txBox="1"/>
           <p:nvPr>
             <p:ph idx="1" type="body"/>
@@ -29700,348 +30393,6 @@
             <a:r>
               <a:rPr lang="en"/>
               <a:t> model</a:t>
-            </a:r>
-            <a:endParaRPr/>
-          </a:p>
-        </p:txBody>
-      </p:sp>
-    </p:spTree>
-  </p:cSld>
-  <p:clrMapOvr>
-    <a:masterClrMapping/>
-  </p:clrMapOvr>
-</p:sld>
-</file>
-
-<file path=ppt/slides/slide48.xml><?xml version="1.0" encoding="utf-8"?>
-<p:sld xmlns:a="http://schemas.openxmlformats.org/drawingml/2006/main" xmlns:r="http://schemas.openxmlformats.org/officeDocument/2006/relationships" xmlns:mc="http://schemas.openxmlformats.org/markup-compatibility/2006" xmlns:mv="urn:schemas-microsoft-com:mac:vml" xmlns:p="http://schemas.openxmlformats.org/presentationml/2006/main" xmlns:c="http://schemas.openxmlformats.org/drawingml/2006/chart" xmlns:dgm="http://schemas.openxmlformats.org/drawingml/2006/diagram" xmlns:o="urn:schemas-microsoft-com:office:office" xmlns:v="urn:schemas-microsoft-com:vml" xmlns:pvml="urn:schemas-microsoft-com:office:powerpoint" xmlns:com="http://schemas.openxmlformats.org/drawingml/2006/compatibility" xmlns:p14="http://schemas.microsoft.com/office/powerpoint/2010/main" xmlns:p15="http://schemas.microsoft.com/office/powerpoint/2012/main" xmlns:ahyp="http://schemas.microsoft.com/office/drawing/2018/hyperlinkcolor">
-  <p:cSld>
-    <p:spTree>
-      <p:nvGrpSpPr>
-        <p:cNvPr id="416" name="Shape 416"/>
-        <p:cNvGrpSpPr/>
-        <p:nvPr/>
-      </p:nvGrpSpPr>
-      <p:grpSpPr>
-        <a:xfrm>
-          <a:off x="0" y="0"/>
-          <a:ext cx="0" cy="0"/>
-          <a:chOff x="0" y="0"/>
-          <a:chExt cx="0" cy="0"/>
-        </a:xfrm>
-      </p:grpSpPr>
-      <p:sp>
-        <p:nvSpPr>
-          <p:cNvPr id="417" name="Google Shape;417;p60"/>
-          <p:cNvSpPr txBox="1"/>
-          <p:nvPr>
-            <p:ph type="title"/>
-          </p:nvPr>
-        </p:nvSpPr>
-        <p:spPr>
-          <a:xfrm>
-            <a:off x="471900" y="738725"/>
-            <a:ext cx="8222100" cy="767700"/>
-          </a:xfrm>
-          <a:prstGeom prst="rect">
-            <a:avLst/>
-          </a:prstGeom>
-        </p:spPr>
-        <p:txBody>
-          <a:bodyPr anchorCtr="0" anchor="b" bIns="91425" lIns="91425" spcFirstLastPara="1" rIns="91425" wrap="square" tIns="91425">
-            <a:normAutofit/>
-          </a:bodyPr>
-          <a:lstStyle/>
-          <a:p>
-            <a:pPr indent="0" lvl="0" marL="0" rtl="0" algn="l">
-              <a:spcBef>
-                <a:spcPts val="0"/>
-              </a:spcBef>
-              <a:spcAft>
-                <a:spcPts val="0"/>
-              </a:spcAft>
-              <a:buNone/>
-            </a:pPr>
-            <a:r>
-              <a:rPr lang="en"/>
-              <a:t>Tips for next Campaign</a:t>
-            </a:r>
-            <a:endParaRPr/>
-          </a:p>
-        </p:txBody>
-      </p:sp>
-      <p:sp>
-        <p:nvSpPr>
-          <p:cNvPr id="418" name="Google Shape;418;p60"/>
-          <p:cNvSpPr txBox="1"/>
-          <p:nvPr>
-            <p:ph idx="1" type="body"/>
-          </p:nvPr>
-        </p:nvSpPr>
-        <p:spPr>
-          <a:xfrm>
-            <a:off x="471900" y="1919075"/>
-            <a:ext cx="3374100" cy="2710200"/>
-          </a:xfrm>
-          <a:prstGeom prst="rect">
-            <a:avLst/>
-          </a:prstGeom>
-        </p:spPr>
-        <p:txBody>
-          <a:bodyPr anchorCtr="0" anchor="t" bIns="91425" lIns="91425" spcFirstLastPara="1" rIns="91425" wrap="square" tIns="91425">
-            <a:normAutofit/>
-          </a:bodyPr>
-          <a:lstStyle/>
-          <a:p>
-            <a:pPr indent="-317500" lvl="0" marL="457200" rtl="0" algn="l">
-              <a:spcBef>
-                <a:spcPts val="0"/>
-              </a:spcBef>
-              <a:spcAft>
-                <a:spcPts val="0"/>
-              </a:spcAft>
-              <a:buSzPts val="1400"/>
-              <a:buChar char="●"/>
-            </a:pPr>
-            <a:r>
-              <a:rPr lang="en"/>
-              <a:t>March is the best month to call in, but August and December aren’t bad either</a:t>
-            </a:r>
-            <a:endParaRPr/>
-          </a:p>
-          <a:p>
-            <a:pPr indent="-317500" lvl="0" marL="457200" rtl="0" algn="l">
-              <a:spcBef>
-                <a:spcPts val="0"/>
-              </a:spcBef>
-              <a:spcAft>
-                <a:spcPts val="0"/>
-              </a:spcAft>
-              <a:buSzPts val="1400"/>
-              <a:buChar char="●"/>
-            </a:pPr>
-            <a:r>
-              <a:rPr lang="en"/>
-              <a:t>Call people if they subscribed to a Term Deposit previously</a:t>
-            </a:r>
-            <a:endParaRPr/>
-          </a:p>
-          <a:p>
-            <a:pPr indent="-317500" lvl="0" marL="457200" rtl="0" algn="l">
-              <a:spcBef>
-                <a:spcPts val="0"/>
-              </a:spcBef>
-              <a:spcAft>
-                <a:spcPts val="0"/>
-              </a:spcAft>
-              <a:buSzPts val="1400"/>
-              <a:buChar char="●"/>
-            </a:pPr>
-            <a:r>
-              <a:rPr lang="en"/>
-              <a:t>Call more when socio-economic indicators are low</a:t>
-            </a:r>
-            <a:endParaRPr/>
-          </a:p>
-        </p:txBody>
-      </p:sp>
-      <p:pic>
-        <p:nvPicPr>
-          <p:cNvPr id="419" name="Google Shape;419;p60"/>
-          <p:cNvPicPr preferRelativeResize="0"/>
-          <p:nvPr/>
-        </p:nvPicPr>
-        <p:blipFill>
-          <a:blip r:embed="rId3">
-            <a:alphaModFix/>
-          </a:blip>
-          <a:stretch>
-            <a:fillRect/>
-          </a:stretch>
-        </p:blipFill>
-        <p:spPr>
-          <a:xfrm>
-            <a:off x="4144775" y="1983825"/>
-            <a:ext cx="4447501" cy="2908249"/>
-          </a:xfrm>
-          <a:prstGeom prst="rect">
-            <a:avLst/>
-          </a:prstGeom>
-          <a:noFill/>
-          <a:ln>
-            <a:noFill/>
-          </a:ln>
-        </p:spPr>
-      </p:pic>
-    </p:spTree>
-  </p:cSld>
-  <p:clrMapOvr>
-    <a:masterClrMapping/>
-  </p:clrMapOvr>
-</p:sld>
-</file>
-
-<file path=ppt/slides/slide49.xml><?xml version="1.0" encoding="utf-8"?>
-<p:sld xmlns:a="http://schemas.openxmlformats.org/drawingml/2006/main" xmlns:r="http://schemas.openxmlformats.org/officeDocument/2006/relationships" xmlns:mc="http://schemas.openxmlformats.org/markup-compatibility/2006" xmlns:mv="urn:schemas-microsoft-com:mac:vml" xmlns:p="http://schemas.openxmlformats.org/presentationml/2006/main" xmlns:c="http://schemas.openxmlformats.org/drawingml/2006/chart" xmlns:dgm="http://schemas.openxmlformats.org/drawingml/2006/diagram" xmlns:o="urn:schemas-microsoft-com:office:office" xmlns:v="urn:schemas-microsoft-com:vml" xmlns:pvml="urn:schemas-microsoft-com:office:powerpoint" xmlns:com="http://schemas.openxmlformats.org/drawingml/2006/compatibility" xmlns:p14="http://schemas.microsoft.com/office/powerpoint/2010/main" xmlns:p15="http://schemas.microsoft.com/office/powerpoint/2012/main" xmlns:ahyp="http://schemas.microsoft.com/office/drawing/2018/hyperlinkcolor">
-  <p:cSld>
-    <p:spTree>
-      <p:nvGrpSpPr>
-        <p:cNvPr id="423" name="Shape 423"/>
-        <p:cNvGrpSpPr/>
-        <p:nvPr/>
-      </p:nvGrpSpPr>
-      <p:grpSpPr>
-        <a:xfrm>
-          <a:off x="0" y="0"/>
-          <a:ext cx="0" cy="0"/>
-          <a:chOff x="0" y="0"/>
-          <a:chExt cx="0" cy="0"/>
-        </a:xfrm>
-      </p:grpSpPr>
-      <p:sp>
-        <p:nvSpPr>
-          <p:cNvPr id="424" name="Google Shape;424;p61"/>
-          <p:cNvSpPr txBox="1"/>
-          <p:nvPr>
-            <p:ph type="title"/>
-          </p:nvPr>
-        </p:nvSpPr>
-        <p:spPr>
-          <a:xfrm>
-            <a:off x="471900" y="738725"/>
-            <a:ext cx="8222100" cy="767700"/>
-          </a:xfrm>
-          <a:prstGeom prst="rect">
-            <a:avLst/>
-          </a:prstGeom>
-        </p:spPr>
-        <p:txBody>
-          <a:bodyPr anchorCtr="0" anchor="b" bIns="91425" lIns="91425" spcFirstLastPara="1" rIns="91425" wrap="square" tIns="91425">
-            <a:normAutofit/>
-          </a:bodyPr>
-          <a:lstStyle/>
-          <a:p>
-            <a:pPr indent="0" lvl="0" marL="0" rtl="0" algn="l">
-              <a:spcBef>
-                <a:spcPts val="0"/>
-              </a:spcBef>
-              <a:spcAft>
-                <a:spcPts val="0"/>
-              </a:spcAft>
-              <a:buNone/>
-            </a:pPr>
-            <a:r>
-              <a:rPr lang="en"/>
-              <a:t>Future Work</a:t>
-            </a:r>
-            <a:endParaRPr/>
-          </a:p>
-        </p:txBody>
-      </p:sp>
-      <p:sp>
-        <p:nvSpPr>
-          <p:cNvPr id="425" name="Google Shape;425;p61"/>
-          <p:cNvSpPr txBox="1"/>
-          <p:nvPr>
-            <p:ph idx="1" type="body"/>
-          </p:nvPr>
-        </p:nvSpPr>
-        <p:spPr>
-          <a:xfrm>
-            <a:off x="471900" y="1919075"/>
-            <a:ext cx="8222100" cy="2710200"/>
-          </a:xfrm>
-          <a:prstGeom prst="rect">
-            <a:avLst/>
-          </a:prstGeom>
-        </p:spPr>
-        <p:txBody>
-          <a:bodyPr anchorCtr="0" anchor="t" bIns="91425" lIns="91425" spcFirstLastPara="1" rIns="91425" wrap="square" tIns="91425">
-            <a:normAutofit/>
-          </a:bodyPr>
-          <a:lstStyle/>
-          <a:p>
-            <a:pPr indent="-342900" lvl="0" marL="457200" rtl="0" algn="l">
-              <a:spcBef>
-                <a:spcPts val="0"/>
-              </a:spcBef>
-              <a:spcAft>
-                <a:spcPts val="0"/>
-              </a:spcAft>
-              <a:buSzPts val="1800"/>
-              <a:buChar char="●"/>
-            </a:pPr>
-            <a:r>
-              <a:rPr lang="en"/>
-              <a:t>Interpretive analysis with Duration variable</a:t>
-            </a:r>
-            <a:endParaRPr/>
-          </a:p>
-          <a:p>
-            <a:pPr indent="-342900" lvl="0" marL="457200" rtl="0" algn="l">
-              <a:spcBef>
-                <a:spcPts val="0"/>
-              </a:spcBef>
-              <a:spcAft>
-                <a:spcPts val="0"/>
-              </a:spcAft>
-              <a:buSzPts val="1800"/>
-              <a:buChar char="●"/>
-            </a:pPr>
-            <a:r>
-              <a:rPr lang="en"/>
-              <a:t>Oversampling the Yes data to improve Sensitivity</a:t>
-            </a:r>
-            <a:endParaRPr/>
-          </a:p>
-          <a:p>
-            <a:pPr indent="-342900" lvl="0" marL="457200" rtl="0" algn="l">
-              <a:spcBef>
-                <a:spcPts val="0"/>
-              </a:spcBef>
-              <a:spcAft>
-                <a:spcPts val="0"/>
-              </a:spcAft>
-              <a:buSzPts val="1800"/>
-              <a:buChar char="●"/>
-            </a:pPr>
-            <a:r>
-              <a:rPr lang="en"/>
-              <a:t>Variable Selection tailored for the Random Forest Model</a:t>
-            </a:r>
-            <a:endParaRPr/>
-          </a:p>
-          <a:p>
-            <a:pPr indent="-342900" lvl="0" marL="457200" rtl="0" algn="l">
-              <a:spcBef>
-                <a:spcPts val="0"/>
-              </a:spcBef>
-              <a:spcAft>
-                <a:spcPts val="0"/>
-              </a:spcAft>
-              <a:buSzPts val="1800"/>
-              <a:buChar char="●"/>
-            </a:pPr>
-            <a:r>
-              <a:rPr lang="en"/>
-              <a:t>Re-visit SVM to reduce out of sample error</a:t>
-            </a:r>
-            <a:endParaRPr/>
-          </a:p>
-          <a:p>
-            <a:pPr indent="-342900" lvl="0" marL="457200" rtl="0" algn="l">
-              <a:spcBef>
-                <a:spcPts val="0"/>
-              </a:spcBef>
-              <a:spcAft>
-                <a:spcPts val="0"/>
-              </a:spcAft>
-              <a:buSzPts val="1800"/>
-              <a:buChar char="●"/>
-            </a:pPr>
-            <a:r>
-              <a:rPr lang="en"/>
-              <a:t>Ensemble model</a:t>
             </a:r>
             <a:endParaRPr/>
           </a:p>
@@ -30128,7 +30479,7 @@
   <p:cSld>
     <p:spTree>
       <p:nvGrpSpPr>
-        <p:cNvPr id="429" name="Shape 429"/>
+        <p:cNvPr id="431" name="Shape 431"/>
         <p:cNvGrpSpPr/>
         <p:nvPr/>
       </p:nvGrpSpPr>
@@ -30142,7 +30493,7 @@
       </p:grpSpPr>
       <p:sp>
         <p:nvSpPr>
-          <p:cNvPr id="430" name="Google Shape;430;p62"/>
+          <p:cNvPr id="432" name="Google Shape;432;p62"/>
           <p:cNvSpPr txBox="1"/>
           <p:nvPr>
             <p:ph type="title"/>
@@ -30174,7 +30525,7 @@
             </a:pPr>
             <a:r>
               <a:rPr lang="en"/>
-              <a:t>Thank you!</a:t>
+              <a:t>Tips for next Campaign</a:t>
             </a:r>
             <a:endParaRPr/>
           </a:p>
@@ -30182,7 +30533,175 @@
       </p:sp>
       <p:sp>
         <p:nvSpPr>
-          <p:cNvPr id="431" name="Google Shape;431;p62"/>
+          <p:cNvPr id="433" name="Google Shape;433;p62"/>
+          <p:cNvSpPr txBox="1"/>
+          <p:nvPr>
+            <p:ph idx="1" type="body"/>
+          </p:nvPr>
+        </p:nvSpPr>
+        <p:spPr>
+          <a:xfrm>
+            <a:off x="471900" y="1919075"/>
+            <a:ext cx="3374100" cy="2710200"/>
+          </a:xfrm>
+          <a:prstGeom prst="rect">
+            <a:avLst/>
+          </a:prstGeom>
+        </p:spPr>
+        <p:txBody>
+          <a:bodyPr anchorCtr="0" anchor="t" bIns="91425" lIns="91425" spcFirstLastPara="1" rIns="91425" wrap="square" tIns="91425">
+            <a:normAutofit/>
+          </a:bodyPr>
+          <a:lstStyle/>
+          <a:p>
+            <a:pPr indent="-317500" lvl="0" marL="457200" rtl="0" algn="l">
+              <a:spcBef>
+                <a:spcPts val="0"/>
+              </a:spcBef>
+              <a:spcAft>
+                <a:spcPts val="0"/>
+              </a:spcAft>
+              <a:buSzPts val="1400"/>
+              <a:buChar char="●"/>
+            </a:pPr>
+            <a:r>
+              <a:rPr lang="en"/>
+              <a:t>March is the best month to call in, but August and December aren’t bad either</a:t>
+            </a:r>
+            <a:endParaRPr/>
+          </a:p>
+          <a:p>
+            <a:pPr indent="-317500" lvl="0" marL="457200" rtl="0" algn="l">
+              <a:spcBef>
+                <a:spcPts val="0"/>
+              </a:spcBef>
+              <a:spcAft>
+                <a:spcPts val="0"/>
+              </a:spcAft>
+              <a:buSzPts val="1400"/>
+              <a:buChar char="●"/>
+            </a:pPr>
+            <a:r>
+              <a:rPr lang="en"/>
+              <a:t>Call people if they subscribed to a Term Deposit previously</a:t>
+            </a:r>
+            <a:endParaRPr/>
+          </a:p>
+          <a:p>
+            <a:pPr indent="-317500" lvl="0" marL="457200" rtl="0" algn="l">
+              <a:spcBef>
+                <a:spcPts val="0"/>
+              </a:spcBef>
+              <a:spcAft>
+                <a:spcPts val="0"/>
+              </a:spcAft>
+              <a:buSzPts val="1400"/>
+              <a:buChar char="●"/>
+            </a:pPr>
+            <a:r>
+              <a:rPr lang="en"/>
+              <a:t>Call more when socio-economic indicators are low</a:t>
+            </a:r>
+            <a:endParaRPr/>
+          </a:p>
+        </p:txBody>
+      </p:sp>
+      <p:pic>
+        <p:nvPicPr>
+          <p:cNvPr id="434" name="Google Shape;434;p62"/>
+          <p:cNvPicPr preferRelativeResize="0"/>
+          <p:nvPr/>
+        </p:nvPicPr>
+        <p:blipFill>
+          <a:blip r:embed="rId3">
+            <a:alphaModFix/>
+          </a:blip>
+          <a:stretch>
+            <a:fillRect/>
+          </a:stretch>
+        </p:blipFill>
+        <p:spPr>
+          <a:xfrm>
+            <a:off x="4144775" y="1983825"/>
+            <a:ext cx="4447501" cy="2908249"/>
+          </a:xfrm>
+          <a:prstGeom prst="rect">
+            <a:avLst/>
+          </a:prstGeom>
+          <a:noFill/>
+          <a:ln>
+            <a:noFill/>
+          </a:ln>
+        </p:spPr>
+      </p:pic>
+    </p:spTree>
+  </p:cSld>
+  <p:clrMapOvr>
+    <a:masterClrMapping/>
+  </p:clrMapOvr>
+</p:sld>
+</file>
+
+<file path=ppt/slides/slide51.xml><?xml version="1.0" encoding="utf-8"?>
+<p:sld xmlns:a="http://schemas.openxmlformats.org/drawingml/2006/main" xmlns:r="http://schemas.openxmlformats.org/officeDocument/2006/relationships" xmlns:mc="http://schemas.openxmlformats.org/markup-compatibility/2006" xmlns:mv="urn:schemas-microsoft-com:mac:vml" xmlns:p="http://schemas.openxmlformats.org/presentationml/2006/main" xmlns:c="http://schemas.openxmlformats.org/drawingml/2006/chart" xmlns:dgm="http://schemas.openxmlformats.org/drawingml/2006/diagram" xmlns:o="urn:schemas-microsoft-com:office:office" xmlns:v="urn:schemas-microsoft-com:vml" xmlns:pvml="urn:schemas-microsoft-com:office:powerpoint" xmlns:com="http://schemas.openxmlformats.org/drawingml/2006/compatibility" xmlns:p14="http://schemas.microsoft.com/office/powerpoint/2010/main" xmlns:p15="http://schemas.microsoft.com/office/powerpoint/2012/main" xmlns:ahyp="http://schemas.microsoft.com/office/drawing/2018/hyperlinkcolor">
+  <p:cSld>
+    <p:spTree>
+      <p:nvGrpSpPr>
+        <p:cNvPr id="438" name="Shape 438"/>
+        <p:cNvGrpSpPr/>
+        <p:nvPr/>
+      </p:nvGrpSpPr>
+      <p:grpSpPr>
+        <a:xfrm>
+          <a:off x="0" y="0"/>
+          <a:ext cx="0" cy="0"/>
+          <a:chOff x="0" y="0"/>
+          <a:chExt cx="0" cy="0"/>
+        </a:xfrm>
+      </p:grpSpPr>
+      <p:sp>
+        <p:nvSpPr>
+          <p:cNvPr id="439" name="Google Shape;439;p63"/>
+          <p:cNvSpPr txBox="1"/>
+          <p:nvPr>
+            <p:ph type="title"/>
+          </p:nvPr>
+        </p:nvSpPr>
+        <p:spPr>
+          <a:xfrm>
+            <a:off x="471900" y="738725"/>
+            <a:ext cx="8222100" cy="767700"/>
+          </a:xfrm>
+          <a:prstGeom prst="rect">
+            <a:avLst/>
+          </a:prstGeom>
+        </p:spPr>
+        <p:txBody>
+          <a:bodyPr anchorCtr="0" anchor="b" bIns="91425" lIns="91425" spcFirstLastPara="1" rIns="91425" wrap="square" tIns="91425">
+            <a:normAutofit/>
+          </a:bodyPr>
+          <a:lstStyle/>
+          <a:p>
+            <a:pPr indent="0" lvl="0" marL="0" rtl="0" algn="l">
+              <a:spcBef>
+                <a:spcPts val="0"/>
+              </a:spcBef>
+              <a:spcAft>
+                <a:spcPts val="0"/>
+              </a:spcAft>
+              <a:buNone/>
+            </a:pPr>
+            <a:r>
+              <a:rPr lang="en"/>
+              <a:t>Future Work</a:t>
+            </a:r>
+            <a:endParaRPr/>
+          </a:p>
+        </p:txBody>
+      </p:sp>
+      <p:sp>
+        <p:nvSpPr>
+          <p:cNvPr id="440" name="Google Shape;440;p63"/>
           <p:cNvSpPr txBox="1"/>
           <p:nvPr>
             <p:ph idx="1" type="body"/>
@@ -30215,20 +30734,7 @@
             </a:pPr>
             <a:r>
               <a:rPr lang="en"/>
-              <a:t>Aaron Abromowtiz: </a:t>
-            </a:r>
-            <a:r>
-              <a:rPr lang="en" u="sng">
-                <a:solidFill>
-                  <a:schemeClr val="hlink"/>
-                </a:solidFill>
-                <a:hlinkClick r:id="rId3"/>
-              </a:rPr>
-              <a:t>aabromowitz@mail.smu.edu</a:t>
-            </a:r>
-            <a:r>
-              <a:rPr lang="en"/>
-              <a:t> </a:t>
+              <a:t>Interpretive analysis with Duration variable</a:t>
             </a:r>
             <a:endParaRPr/>
           </a:p>
@@ -30245,20 +30751,7 @@
             </a:pPr>
             <a:r>
               <a:rPr lang="en"/>
-              <a:t>Stephanie Duarte: </a:t>
-            </a:r>
-            <a:r>
-              <a:rPr lang="en" u="sng">
-                <a:solidFill>
-                  <a:schemeClr val="hlink"/>
-                </a:solidFill>
-                <a:hlinkClick r:id="rId4"/>
-              </a:rPr>
-              <a:t>duartes@mail.smu.edu</a:t>
-            </a:r>
-            <a:r>
-              <a:rPr lang="en"/>
-              <a:t> </a:t>
+              <a:t>Oversampling the Yes data to improve Sensitivity</a:t>
             </a:r>
             <a:endParaRPr/>
           </a:p>
@@ -30275,20 +30768,41 @@
             </a:pPr>
             <a:r>
               <a:rPr lang="en"/>
-              <a:t>Dammy Owolabi: </a:t>
-            </a:r>
-            <a:r>
-              <a:rPr lang="en" u="sng">
-                <a:solidFill>
-                  <a:schemeClr val="hlink"/>
-                </a:solidFill>
-                <a:hlinkClick r:id="rId5"/>
-              </a:rPr>
-              <a:t>oowolabi@smu.edu</a:t>
-            </a:r>
+              <a:t>Variable Selection tailored for the Random Forest Model</a:t>
+            </a:r>
+            <a:endParaRPr/>
+          </a:p>
+          <a:p>
+            <a:pPr indent="-342900" lvl="0" marL="457200" rtl="0" algn="l">
+              <a:spcBef>
+                <a:spcPts val="0"/>
+              </a:spcBef>
+              <a:spcAft>
+                <a:spcPts val="0"/>
+              </a:spcAft>
+              <a:buSzPts val="1800"/>
+              <a:buChar char="●"/>
+            </a:pPr>
             <a:r>
               <a:rPr lang="en"/>
-              <a:t> </a:t>
+              <a:t>Re-visit SVM to reduce out of sample error</a:t>
+            </a:r>
+            <a:endParaRPr/>
+          </a:p>
+          <a:p>
+            <a:pPr indent="-342900" lvl="0" marL="457200" rtl="0" algn="l">
+              <a:spcBef>
+                <a:spcPts val="0"/>
+              </a:spcBef>
+              <a:spcAft>
+                <a:spcPts val="0"/>
+              </a:spcAft>
+              <a:buSzPts val="1800"/>
+              <a:buChar char="●"/>
+            </a:pPr>
+            <a:r>
+              <a:rPr lang="en"/>
+              <a:t>Ensemble model</a:t>
             </a:r>
             <a:endParaRPr/>
           </a:p>
@@ -30302,12 +30816,12 @@
 </p:sld>
 </file>
 
-<file path=ppt/slides/slide51.xml><?xml version="1.0" encoding="utf-8"?>
+<file path=ppt/slides/slide52.xml><?xml version="1.0" encoding="utf-8"?>
 <p:sld xmlns:a="http://schemas.openxmlformats.org/drawingml/2006/main" xmlns:r="http://schemas.openxmlformats.org/officeDocument/2006/relationships" xmlns:mc="http://schemas.openxmlformats.org/markup-compatibility/2006" xmlns:mv="urn:schemas-microsoft-com:mac:vml" xmlns:p="http://schemas.openxmlformats.org/presentationml/2006/main" xmlns:c="http://schemas.openxmlformats.org/drawingml/2006/chart" xmlns:dgm="http://schemas.openxmlformats.org/drawingml/2006/diagram" xmlns:o="urn:schemas-microsoft-com:office:office" xmlns:v="urn:schemas-microsoft-com:vml" xmlns:pvml="urn:schemas-microsoft-com:office:powerpoint" xmlns:com="http://schemas.openxmlformats.org/drawingml/2006/compatibility" xmlns:p14="http://schemas.microsoft.com/office/powerpoint/2010/main" xmlns:p15="http://schemas.microsoft.com/office/powerpoint/2012/main" xmlns:ahyp="http://schemas.microsoft.com/office/drawing/2018/hyperlinkcolor">
   <p:cSld>
     <p:spTree>
       <p:nvGrpSpPr>
-        <p:cNvPr id="435" name="Shape 435"/>
+        <p:cNvPr id="444" name="Shape 444"/>
         <p:cNvGrpSpPr/>
         <p:nvPr/>
       </p:nvGrpSpPr>
@@ -30321,7 +30835,186 @@
       </p:grpSpPr>
       <p:sp>
         <p:nvSpPr>
-          <p:cNvPr id="436" name="Google Shape;436;p63"/>
+          <p:cNvPr id="445" name="Google Shape;445;p64"/>
+          <p:cNvSpPr txBox="1"/>
+          <p:nvPr>
+            <p:ph type="title"/>
+          </p:nvPr>
+        </p:nvSpPr>
+        <p:spPr>
+          <a:xfrm>
+            <a:off x="471900" y="738725"/>
+            <a:ext cx="8222100" cy="767700"/>
+          </a:xfrm>
+          <a:prstGeom prst="rect">
+            <a:avLst/>
+          </a:prstGeom>
+        </p:spPr>
+        <p:txBody>
+          <a:bodyPr anchorCtr="0" anchor="b" bIns="91425" lIns="91425" spcFirstLastPara="1" rIns="91425" wrap="square" tIns="91425">
+            <a:normAutofit/>
+          </a:bodyPr>
+          <a:lstStyle/>
+          <a:p>
+            <a:pPr indent="0" lvl="0" marL="0" rtl="0" algn="l">
+              <a:spcBef>
+                <a:spcPts val="0"/>
+              </a:spcBef>
+              <a:spcAft>
+                <a:spcPts val="0"/>
+              </a:spcAft>
+              <a:buNone/>
+            </a:pPr>
+            <a:r>
+              <a:rPr lang="en"/>
+              <a:t>Thank you!</a:t>
+            </a:r>
+            <a:endParaRPr/>
+          </a:p>
+        </p:txBody>
+      </p:sp>
+      <p:sp>
+        <p:nvSpPr>
+          <p:cNvPr id="446" name="Google Shape;446;p64"/>
+          <p:cNvSpPr txBox="1"/>
+          <p:nvPr>
+            <p:ph idx="1" type="body"/>
+          </p:nvPr>
+        </p:nvSpPr>
+        <p:spPr>
+          <a:xfrm>
+            <a:off x="471900" y="1919075"/>
+            <a:ext cx="8222100" cy="2710200"/>
+          </a:xfrm>
+          <a:prstGeom prst="rect">
+            <a:avLst/>
+          </a:prstGeom>
+        </p:spPr>
+        <p:txBody>
+          <a:bodyPr anchorCtr="0" anchor="t" bIns="91425" lIns="91425" spcFirstLastPara="1" rIns="91425" wrap="square" tIns="91425">
+            <a:normAutofit/>
+          </a:bodyPr>
+          <a:lstStyle/>
+          <a:p>
+            <a:pPr indent="-342900" lvl="0" marL="457200" rtl="0" algn="l">
+              <a:spcBef>
+                <a:spcPts val="0"/>
+              </a:spcBef>
+              <a:spcAft>
+                <a:spcPts val="0"/>
+              </a:spcAft>
+              <a:buSzPts val="1800"/>
+              <a:buChar char="●"/>
+            </a:pPr>
+            <a:r>
+              <a:rPr lang="en"/>
+              <a:t>Aaron Abromowtiz: </a:t>
+            </a:r>
+            <a:r>
+              <a:rPr lang="en" u="sng">
+                <a:solidFill>
+                  <a:schemeClr val="hlink"/>
+                </a:solidFill>
+                <a:hlinkClick r:id="rId3"/>
+              </a:rPr>
+              <a:t>aabromowitz@mail.smu.edu</a:t>
+            </a:r>
+            <a:r>
+              <a:rPr lang="en"/>
+              <a:t> </a:t>
+            </a:r>
+            <a:endParaRPr/>
+          </a:p>
+          <a:p>
+            <a:pPr indent="-342900" lvl="0" marL="457200" rtl="0" algn="l">
+              <a:spcBef>
+                <a:spcPts val="0"/>
+              </a:spcBef>
+              <a:spcAft>
+                <a:spcPts val="0"/>
+              </a:spcAft>
+              <a:buSzPts val="1800"/>
+              <a:buChar char="●"/>
+            </a:pPr>
+            <a:r>
+              <a:rPr lang="en"/>
+              <a:t>Stephanie Duarte: </a:t>
+            </a:r>
+            <a:r>
+              <a:rPr lang="en" u="sng">
+                <a:solidFill>
+                  <a:schemeClr val="hlink"/>
+                </a:solidFill>
+                <a:hlinkClick r:id="rId4"/>
+              </a:rPr>
+              <a:t>duartes@mail.smu.edu</a:t>
+            </a:r>
+            <a:r>
+              <a:rPr lang="en"/>
+              <a:t> </a:t>
+            </a:r>
+            <a:endParaRPr/>
+          </a:p>
+          <a:p>
+            <a:pPr indent="-342900" lvl="0" marL="457200" rtl="0" algn="l">
+              <a:spcBef>
+                <a:spcPts val="0"/>
+              </a:spcBef>
+              <a:spcAft>
+                <a:spcPts val="0"/>
+              </a:spcAft>
+              <a:buSzPts val="1800"/>
+              <a:buChar char="●"/>
+            </a:pPr>
+            <a:r>
+              <a:rPr lang="en"/>
+              <a:t>Dammy Owolabi: </a:t>
+            </a:r>
+            <a:r>
+              <a:rPr lang="en" u="sng">
+                <a:solidFill>
+                  <a:schemeClr val="hlink"/>
+                </a:solidFill>
+                <a:hlinkClick r:id="rId5"/>
+              </a:rPr>
+              <a:t>oowolabi@smu.edu</a:t>
+            </a:r>
+            <a:r>
+              <a:rPr lang="en"/>
+              <a:t> </a:t>
+            </a:r>
+            <a:endParaRPr/>
+          </a:p>
+        </p:txBody>
+      </p:sp>
+    </p:spTree>
+  </p:cSld>
+  <p:clrMapOvr>
+    <a:masterClrMapping/>
+  </p:clrMapOvr>
+</p:sld>
+</file>
+
+<file path=ppt/slides/slide53.xml><?xml version="1.0" encoding="utf-8"?>
+<p:sld xmlns:a="http://schemas.openxmlformats.org/drawingml/2006/main" xmlns:r="http://schemas.openxmlformats.org/officeDocument/2006/relationships" xmlns:mc="http://schemas.openxmlformats.org/markup-compatibility/2006" xmlns:mv="urn:schemas-microsoft-com:mac:vml" xmlns:p="http://schemas.openxmlformats.org/presentationml/2006/main" xmlns:c="http://schemas.openxmlformats.org/drawingml/2006/chart" xmlns:dgm="http://schemas.openxmlformats.org/drawingml/2006/diagram" xmlns:o="urn:schemas-microsoft-com:office:office" xmlns:v="urn:schemas-microsoft-com:vml" xmlns:pvml="urn:schemas-microsoft-com:office:powerpoint" xmlns:com="http://schemas.openxmlformats.org/drawingml/2006/compatibility" xmlns:p14="http://schemas.microsoft.com/office/powerpoint/2010/main" xmlns:p15="http://schemas.microsoft.com/office/powerpoint/2012/main" xmlns:ahyp="http://schemas.microsoft.com/office/drawing/2018/hyperlinkcolor">
+  <p:cSld>
+    <p:spTree>
+      <p:nvGrpSpPr>
+        <p:cNvPr id="450" name="Shape 450"/>
+        <p:cNvGrpSpPr/>
+        <p:nvPr/>
+      </p:nvGrpSpPr>
+      <p:grpSpPr>
+        <a:xfrm>
+          <a:off x="0" y="0"/>
+          <a:ext cx="0" cy="0"/>
+          <a:chOff x="0" y="0"/>
+          <a:chExt cx="0" cy="0"/>
+        </a:xfrm>
+      </p:grpSpPr>
+      <p:sp>
+        <p:nvSpPr>
+          <p:cNvPr id="451" name="Google Shape;451;p65"/>
           <p:cNvSpPr txBox="1"/>
           <p:nvPr>
             <p:ph type="title"/>
@@ -30391,12 +31084,12 @@
 </p:sld>
 </file>
 
-<file path=ppt/slides/slide52.xml><?xml version="1.0" encoding="utf-8"?>
+<file path=ppt/slides/slide54.xml><?xml version="1.0" encoding="utf-8"?>
 <p:sld xmlns:a="http://schemas.openxmlformats.org/drawingml/2006/main" xmlns:r="http://schemas.openxmlformats.org/officeDocument/2006/relationships" xmlns:mc="http://schemas.openxmlformats.org/markup-compatibility/2006" xmlns:mv="urn:schemas-microsoft-com:mac:vml" xmlns:p="http://schemas.openxmlformats.org/presentationml/2006/main" xmlns:c="http://schemas.openxmlformats.org/drawingml/2006/chart" xmlns:dgm="http://schemas.openxmlformats.org/drawingml/2006/diagram" xmlns:o="urn:schemas-microsoft-com:office:office" xmlns:v="urn:schemas-microsoft-com:vml" xmlns:pvml="urn:schemas-microsoft-com:office:powerpoint" xmlns:com="http://schemas.openxmlformats.org/drawingml/2006/compatibility" xmlns:p14="http://schemas.microsoft.com/office/powerpoint/2010/main" xmlns:p15="http://schemas.microsoft.com/office/powerpoint/2012/main" xmlns:ahyp="http://schemas.microsoft.com/office/drawing/2018/hyperlinkcolor">
   <p:cSld>
     <p:spTree>
       <p:nvGrpSpPr>
-        <p:cNvPr id="440" name="Shape 440"/>
+        <p:cNvPr id="455" name="Shape 455"/>
         <p:cNvGrpSpPr/>
         <p:nvPr/>
       </p:nvGrpSpPr>
@@ -30410,7 +31103,7 @@
       </p:grpSpPr>
       <p:sp>
         <p:nvSpPr>
-          <p:cNvPr id="441" name="Google Shape;441;p64"/>
+          <p:cNvPr id="456" name="Google Shape;456;p66"/>
           <p:cNvSpPr txBox="1"/>
           <p:nvPr>
             <p:ph type="title"/>
@@ -30450,7 +31143,7 @@
       </p:sp>
       <p:sp>
         <p:nvSpPr>
-          <p:cNvPr id="442" name="Google Shape;442;p64"/>
+          <p:cNvPr id="457" name="Google Shape;457;p66"/>
           <p:cNvSpPr txBox="1"/>
           <p:nvPr>
             <p:ph idx="1" type="body"/>
@@ -30559,7 +31252,7 @@
       </p:sp>
       <p:pic>
         <p:nvPicPr>
-          <p:cNvPr id="443" name="Google Shape;443;p64"/>
+          <p:cNvPr id="458" name="Google Shape;458;p66"/>
           <p:cNvPicPr preferRelativeResize="0"/>
           <p:nvPr/>
         </p:nvPicPr>
@@ -30593,12 +31286,12 @@
 </p:sld>
 </file>
 
-<file path=ppt/slides/slide53.xml><?xml version="1.0" encoding="utf-8"?>
+<file path=ppt/slides/slide55.xml><?xml version="1.0" encoding="utf-8"?>
 <p:sld xmlns:a="http://schemas.openxmlformats.org/drawingml/2006/main" xmlns:r="http://schemas.openxmlformats.org/officeDocument/2006/relationships" xmlns:mc="http://schemas.openxmlformats.org/markup-compatibility/2006" xmlns:mv="urn:schemas-microsoft-com:mac:vml" xmlns:p="http://schemas.openxmlformats.org/presentationml/2006/main" xmlns:c="http://schemas.openxmlformats.org/drawingml/2006/chart" xmlns:dgm="http://schemas.openxmlformats.org/drawingml/2006/diagram" xmlns:o="urn:schemas-microsoft-com:office:office" xmlns:v="urn:schemas-microsoft-com:vml" xmlns:pvml="urn:schemas-microsoft-com:office:powerpoint" xmlns:com="http://schemas.openxmlformats.org/drawingml/2006/compatibility" xmlns:p14="http://schemas.microsoft.com/office/powerpoint/2010/main" xmlns:p15="http://schemas.microsoft.com/office/powerpoint/2012/main" xmlns:ahyp="http://schemas.microsoft.com/office/drawing/2018/hyperlinkcolor">
   <p:cSld>
     <p:spTree>
       <p:nvGrpSpPr>
-        <p:cNvPr id="447" name="Shape 447"/>
+        <p:cNvPr id="462" name="Shape 462"/>
         <p:cNvGrpSpPr/>
         <p:nvPr/>
       </p:nvGrpSpPr>
@@ -30612,7 +31305,7 @@
       </p:grpSpPr>
       <p:sp>
         <p:nvSpPr>
-          <p:cNvPr id="448" name="Google Shape;448;p65"/>
+          <p:cNvPr id="463" name="Google Shape;463;p67"/>
           <p:cNvSpPr txBox="1"/>
           <p:nvPr>
             <p:ph type="title"/>
@@ -30656,7 +31349,7 @@
       </p:sp>
       <p:sp>
         <p:nvSpPr>
-          <p:cNvPr id="449" name="Google Shape;449;p65"/>
+          <p:cNvPr id="464" name="Google Shape;464;p67"/>
           <p:cNvSpPr txBox="1"/>
           <p:nvPr>
             <p:ph idx="1" type="body"/>
@@ -30752,7 +31445,7 @@
       </p:sp>
       <p:pic>
         <p:nvPicPr>
-          <p:cNvPr id="450" name="Google Shape;450;p65"/>
+          <p:cNvPr id="465" name="Google Shape;465;p67"/>
           <p:cNvPicPr preferRelativeResize="0"/>
           <p:nvPr/>
         </p:nvPicPr>
@@ -30786,12 +31479,12 @@
 </p:sld>
 </file>
 
-<file path=ppt/slides/slide54.xml><?xml version="1.0" encoding="utf-8"?>
+<file path=ppt/slides/slide56.xml><?xml version="1.0" encoding="utf-8"?>
 <p:sld xmlns:a="http://schemas.openxmlformats.org/drawingml/2006/main" xmlns:r="http://schemas.openxmlformats.org/officeDocument/2006/relationships" xmlns:mc="http://schemas.openxmlformats.org/markup-compatibility/2006" xmlns:mv="urn:schemas-microsoft-com:mac:vml" xmlns:p="http://schemas.openxmlformats.org/presentationml/2006/main" xmlns:c="http://schemas.openxmlformats.org/drawingml/2006/chart" xmlns:dgm="http://schemas.openxmlformats.org/drawingml/2006/diagram" xmlns:o="urn:schemas-microsoft-com:office:office" xmlns:v="urn:schemas-microsoft-com:vml" xmlns:pvml="urn:schemas-microsoft-com:office:powerpoint" xmlns:com="http://schemas.openxmlformats.org/drawingml/2006/compatibility" xmlns:p14="http://schemas.microsoft.com/office/powerpoint/2010/main" xmlns:p15="http://schemas.microsoft.com/office/powerpoint/2012/main" xmlns:ahyp="http://schemas.microsoft.com/office/drawing/2018/hyperlinkcolor">
   <p:cSld>
     <p:spTree>
       <p:nvGrpSpPr>
-        <p:cNvPr id="454" name="Shape 454"/>
+        <p:cNvPr id="469" name="Shape 469"/>
         <p:cNvGrpSpPr/>
         <p:nvPr/>
       </p:nvGrpSpPr>
@@ -30805,7 +31498,7 @@
       </p:grpSpPr>
       <p:sp>
         <p:nvSpPr>
-          <p:cNvPr id="455" name="Google Shape;455;p66"/>
+          <p:cNvPr id="470" name="Google Shape;470;p68"/>
           <p:cNvSpPr txBox="1"/>
           <p:nvPr>
             <p:ph type="title"/>
@@ -30845,7 +31538,7 @@
       </p:sp>
       <p:sp>
         <p:nvSpPr>
-          <p:cNvPr id="456" name="Google Shape;456;p66"/>
+          <p:cNvPr id="471" name="Google Shape;471;p68"/>
           <p:cNvSpPr txBox="1"/>
           <p:nvPr>
             <p:ph idx="1" type="body"/>
@@ -30937,7 +31630,7 @@
       </p:sp>
       <p:pic>
         <p:nvPicPr>
-          <p:cNvPr id="457" name="Google Shape;457;p66"/>
+          <p:cNvPr id="472" name="Google Shape;472;p68"/>
           <p:cNvPicPr preferRelativeResize="0"/>
           <p:nvPr/>
         </p:nvPicPr>
@@ -30971,12 +31664,12 @@
 </p:sld>
 </file>
 
-<file path=ppt/slides/slide55.xml><?xml version="1.0" encoding="utf-8"?>
+<file path=ppt/slides/slide57.xml><?xml version="1.0" encoding="utf-8"?>
 <p:sld xmlns:a="http://schemas.openxmlformats.org/drawingml/2006/main" xmlns:r="http://schemas.openxmlformats.org/officeDocument/2006/relationships" xmlns:mc="http://schemas.openxmlformats.org/markup-compatibility/2006" xmlns:mv="urn:schemas-microsoft-com:mac:vml" xmlns:p="http://schemas.openxmlformats.org/presentationml/2006/main" xmlns:c="http://schemas.openxmlformats.org/drawingml/2006/chart" xmlns:dgm="http://schemas.openxmlformats.org/drawingml/2006/diagram" xmlns:o="urn:schemas-microsoft-com:office:office" xmlns:v="urn:schemas-microsoft-com:vml" xmlns:pvml="urn:schemas-microsoft-com:office:powerpoint" xmlns:com="http://schemas.openxmlformats.org/drawingml/2006/compatibility" xmlns:p14="http://schemas.microsoft.com/office/powerpoint/2010/main" xmlns:p15="http://schemas.microsoft.com/office/powerpoint/2012/main" xmlns:ahyp="http://schemas.microsoft.com/office/drawing/2018/hyperlinkcolor">
   <p:cSld>
     <p:spTree>
       <p:nvGrpSpPr>
-        <p:cNvPr id="461" name="Shape 461"/>
+        <p:cNvPr id="476" name="Shape 476"/>
         <p:cNvGrpSpPr/>
         <p:nvPr/>
       </p:nvGrpSpPr>
@@ -30990,7 +31683,7 @@
       </p:grpSpPr>
       <p:sp>
         <p:nvSpPr>
-          <p:cNvPr id="462" name="Google Shape;462;p67"/>
+          <p:cNvPr id="477" name="Google Shape;477;p69"/>
           <p:cNvSpPr txBox="1"/>
           <p:nvPr>
             <p:ph type="title"/>
@@ -31034,7 +31727,7 @@
       </p:sp>
       <p:sp>
         <p:nvSpPr>
-          <p:cNvPr id="463" name="Google Shape;463;p67"/>
+          <p:cNvPr id="478" name="Google Shape;478;p69"/>
           <p:cNvSpPr txBox="1"/>
           <p:nvPr>
             <p:ph idx="1" type="body"/>
@@ -31113,7 +31806,7 @@
       </p:sp>
       <p:pic>
         <p:nvPicPr>
-          <p:cNvPr id="464" name="Google Shape;464;p67"/>
+          <p:cNvPr id="479" name="Google Shape;479;p69"/>
           <p:cNvPicPr preferRelativeResize="0"/>
           <p:nvPr/>
         </p:nvPicPr>
@@ -31147,12 +31840,12 @@
 </p:sld>
 </file>
 
-<file path=ppt/slides/slide56.xml><?xml version="1.0" encoding="utf-8"?>
+<file path=ppt/slides/slide58.xml><?xml version="1.0" encoding="utf-8"?>
 <p:sld xmlns:a="http://schemas.openxmlformats.org/drawingml/2006/main" xmlns:r="http://schemas.openxmlformats.org/officeDocument/2006/relationships" xmlns:mc="http://schemas.openxmlformats.org/markup-compatibility/2006" xmlns:mv="urn:schemas-microsoft-com:mac:vml" xmlns:p="http://schemas.openxmlformats.org/presentationml/2006/main" xmlns:c="http://schemas.openxmlformats.org/drawingml/2006/chart" xmlns:dgm="http://schemas.openxmlformats.org/drawingml/2006/diagram" xmlns:o="urn:schemas-microsoft-com:office:office" xmlns:v="urn:schemas-microsoft-com:vml" xmlns:pvml="urn:schemas-microsoft-com:office:powerpoint" xmlns:com="http://schemas.openxmlformats.org/drawingml/2006/compatibility" xmlns:p14="http://schemas.microsoft.com/office/powerpoint/2010/main" xmlns:p15="http://schemas.microsoft.com/office/powerpoint/2012/main" xmlns:ahyp="http://schemas.microsoft.com/office/drawing/2018/hyperlinkcolor">
   <p:cSld>
     <p:spTree>
       <p:nvGrpSpPr>
-        <p:cNvPr id="468" name="Shape 468"/>
+        <p:cNvPr id="483" name="Shape 483"/>
         <p:cNvGrpSpPr/>
         <p:nvPr/>
       </p:nvGrpSpPr>
@@ -31166,7 +31859,7 @@
       </p:grpSpPr>
       <p:sp>
         <p:nvSpPr>
-          <p:cNvPr id="469" name="Google Shape;469;p68"/>
+          <p:cNvPr id="484" name="Google Shape;484;p70"/>
           <p:cNvSpPr txBox="1"/>
           <p:nvPr>
             <p:ph type="title"/>
@@ -31218,7 +31911,7 @@
       </p:sp>
       <p:sp>
         <p:nvSpPr>
-          <p:cNvPr id="470" name="Google Shape;470;p68"/>
+          <p:cNvPr id="485" name="Google Shape;485;p70"/>
           <p:cNvSpPr txBox="1"/>
           <p:nvPr>
             <p:ph idx="1" type="body"/>
@@ -31297,7 +31990,7 @@
       </p:sp>
       <p:pic>
         <p:nvPicPr>
-          <p:cNvPr id="471" name="Google Shape;471;p68"/>
+          <p:cNvPr id="486" name="Google Shape;486;p70"/>
           <p:cNvPicPr preferRelativeResize="0"/>
           <p:nvPr/>
         </p:nvPicPr>
@@ -31313,414 +32006,6 @@
           <a:xfrm>
             <a:off x="4572000" y="1919075"/>
             <a:ext cx="4367399" cy="2655769"/>
-          </a:xfrm>
-          <a:prstGeom prst="rect">
-            <a:avLst/>
-          </a:prstGeom>
-          <a:noFill/>
-          <a:ln>
-            <a:noFill/>
-          </a:ln>
-        </p:spPr>
-      </p:pic>
-    </p:spTree>
-  </p:cSld>
-  <p:clrMapOvr>
-    <a:masterClrMapping/>
-  </p:clrMapOvr>
-</p:sld>
-</file>
-
-<file path=ppt/slides/slide57.xml><?xml version="1.0" encoding="utf-8"?>
-<p:sld xmlns:a="http://schemas.openxmlformats.org/drawingml/2006/main" xmlns:r="http://schemas.openxmlformats.org/officeDocument/2006/relationships" xmlns:mc="http://schemas.openxmlformats.org/markup-compatibility/2006" xmlns:mv="urn:schemas-microsoft-com:mac:vml" xmlns:p="http://schemas.openxmlformats.org/presentationml/2006/main" xmlns:c="http://schemas.openxmlformats.org/drawingml/2006/chart" xmlns:dgm="http://schemas.openxmlformats.org/drawingml/2006/diagram" xmlns:o="urn:schemas-microsoft-com:office:office" xmlns:v="urn:schemas-microsoft-com:vml" xmlns:pvml="urn:schemas-microsoft-com:office:powerpoint" xmlns:com="http://schemas.openxmlformats.org/drawingml/2006/compatibility" xmlns:p14="http://schemas.microsoft.com/office/powerpoint/2010/main" xmlns:p15="http://schemas.microsoft.com/office/powerpoint/2012/main" xmlns:ahyp="http://schemas.microsoft.com/office/drawing/2018/hyperlinkcolor">
-  <p:cSld>
-    <p:spTree>
-      <p:nvGrpSpPr>
-        <p:cNvPr id="475" name="Shape 475"/>
-        <p:cNvGrpSpPr/>
-        <p:nvPr/>
-      </p:nvGrpSpPr>
-      <p:grpSpPr>
-        <a:xfrm>
-          <a:off x="0" y="0"/>
-          <a:ext cx="0" cy="0"/>
-          <a:chOff x="0" y="0"/>
-          <a:chExt cx="0" cy="0"/>
-        </a:xfrm>
-      </p:grpSpPr>
-      <p:sp>
-        <p:nvSpPr>
-          <p:cNvPr id="476" name="Google Shape;476;p69"/>
-          <p:cNvSpPr txBox="1"/>
-          <p:nvPr>
-            <p:ph type="title"/>
-          </p:nvPr>
-        </p:nvSpPr>
-        <p:spPr>
-          <a:xfrm>
-            <a:off x="471900" y="738725"/>
-            <a:ext cx="8222100" cy="767700"/>
-          </a:xfrm>
-          <a:prstGeom prst="rect">
-            <a:avLst/>
-          </a:prstGeom>
-        </p:spPr>
-        <p:txBody>
-          <a:bodyPr anchorCtr="0" anchor="b" bIns="91425" lIns="91425" spcFirstLastPara="1" rIns="91425" wrap="square" tIns="91425">
-            <a:normAutofit/>
-          </a:bodyPr>
-          <a:lstStyle/>
-          <a:p>
-            <a:pPr indent="0" lvl="0" marL="0" rtl="0" algn="l">
-              <a:spcBef>
-                <a:spcPts val="0"/>
-              </a:spcBef>
-              <a:spcAft>
-                <a:spcPts val="0"/>
-              </a:spcAft>
-              <a:buNone/>
-            </a:pPr>
-            <a:r>
-              <a:rPr lang="en"/>
-              <a:t>Consumer Price Index</a:t>
-            </a:r>
-            <a:endParaRPr/>
-          </a:p>
-        </p:txBody>
-      </p:sp>
-      <p:sp>
-        <p:nvSpPr>
-          <p:cNvPr id="477" name="Google Shape;477;p69"/>
-          <p:cNvSpPr txBox="1"/>
-          <p:nvPr>
-            <p:ph idx="1" type="body"/>
-          </p:nvPr>
-        </p:nvSpPr>
-        <p:spPr>
-          <a:xfrm>
-            <a:off x="471900" y="1919075"/>
-            <a:ext cx="3999900" cy="2710200"/>
-          </a:xfrm>
-          <a:prstGeom prst="rect">
-            <a:avLst/>
-          </a:prstGeom>
-        </p:spPr>
-        <p:txBody>
-          <a:bodyPr anchorCtr="0" anchor="t" bIns="91425" lIns="91425" spcFirstLastPara="1" rIns="91425" wrap="square" tIns="91425">
-            <a:normAutofit/>
-          </a:bodyPr>
-          <a:lstStyle/>
-          <a:p>
-            <a:pPr indent="-317500" lvl="0" marL="457200" rtl="0" algn="l">
-              <a:spcBef>
-                <a:spcPts val="0"/>
-              </a:spcBef>
-              <a:spcAft>
-                <a:spcPts val="0"/>
-              </a:spcAft>
-              <a:buSzPts val="1400"/>
-              <a:buChar char="●"/>
-            </a:pPr>
-            <a:r>
-              <a:rPr lang="en"/>
-              <a:t>Socio Economic Data</a:t>
-            </a:r>
-            <a:endParaRPr/>
-          </a:p>
-          <a:p>
-            <a:pPr indent="-317500" lvl="0" marL="457200" rtl="0" algn="l">
-              <a:spcBef>
-                <a:spcPts val="0"/>
-              </a:spcBef>
-              <a:spcAft>
-                <a:spcPts val="0"/>
-              </a:spcAft>
-              <a:buSzPts val="1400"/>
-              <a:buChar char="●"/>
-            </a:pPr>
-            <a:r>
-              <a:rPr lang="en"/>
-              <a:t>Numeric</a:t>
-            </a:r>
-            <a:endParaRPr/>
-          </a:p>
-          <a:p>
-            <a:pPr indent="-317500" lvl="0" marL="457200" rtl="0" algn="l">
-              <a:spcBef>
-                <a:spcPts val="0"/>
-              </a:spcBef>
-              <a:spcAft>
-                <a:spcPts val="0"/>
-              </a:spcAft>
-              <a:buSzPts val="1400"/>
-              <a:buChar char="●"/>
-            </a:pPr>
-            <a:r>
-              <a:rPr lang="en"/>
-              <a:t>Monthly Indicator</a:t>
-            </a:r>
-            <a:endParaRPr/>
-          </a:p>
-          <a:p>
-            <a:pPr indent="-317500" lvl="0" marL="457200" rtl="0" algn="l">
-              <a:spcBef>
-                <a:spcPts val="0"/>
-              </a:spcBef>
-              <a:spcAft>
-                <a:spcPts val="0"/>
-              </a:spcAft>
-              <a:buSzPts val="1400"/>
-              <a:buChar char="●"/>
-            </a:pPr>
-            <a:r>
-              <a:rPr lang="en"/>
-              <a:t>The value seems more evenly distributed for people that have a term deposit</a:t>
-            </a:r>
-            <a:endParaRPr/>
-          </a:p>
-        </p:txBody>
-      </p:sp>
-      <p:pic>
-        <p:nvPicPr>
-          <p:cNvPr id="478" name="Google Shape;478;p69"/>
-          <p:cNvPicPr preferRelativeResize="0"/>
-          <p:nvPr/>
-        </p:nvPicPr>
-        <p:blipFill>
-          <a:blip r:embed="rId3">
-            <a:alphaModFix/>
-          </a:blip>
-          <a:stretch>
-            <a:fillRect/>
-          </a:stretch>
-        </p:blipFill>
-        <p:spPr>
-          <a:xfrm>
-            <a:off x="4617400" y="1919075"/>
-            <a:ext cx="4367399" cy="2655769"/>
-          </a:xfrm>
-          <a:prstGeom prst="rect">
-            <a:avLst/>
-          </a:prstGeom>
-          <a:noFill/>
-          <a:ln>
-            <a:noFill/>
-          </a:ln>
-        </p:spPr>
-      </p:pic>
-    </p:spTree>
-  </p:cSld>
-  <p:clrMapOvr>
-    <a:masterClrMapping/>
-  </p:clrMapOvr>
-</p:sld>
-</file>
-
-<file path=ppt/slides/slide58.xml><?xml version="1.0" encoding="utf-8"?>
-<p:sld xmlns:a="http://schemas.openxmlformats.org/drawingml/2006/main" xmlns:r="http://schemas.openxmlformats.org/officeDocument/2006/relationships" xmlns:mc="http://schemas.openxmlformats.org/markup-compatibility/2006" xmlns:mv="urn:schemas-microsoft-com:mac:vml" xmlns:p="http://schemas.openxmlformats.org/presentationml/2006/main" xmlns:c="http://schemas.openxmlformats.org/drawingml/2006/chart" xmlns:dgm="http://schemas.openxmlformats.org/drawingml/2006/diagram" xmlns:o="urn:schemas-microsoft-com:office:office" xmlns:v="urn:schemas-microsoft-com:vml" xmlns:pvml="urn:schemas-microsoft-com:office:powerpoint" xmlns:com="http://schemas.openxmlformats.org/drawingml/2006/compatibility" xmlns:p14="http://schemas.microsoft.com/office/powerpoint/2010/main" xmlns:p15="http://schemas.microsoft.com/office/powerpoint/2012/main" xmlns:ahyp="http://schemas.microsoft.com/office/drawing/2018/hyperlinkcolor">
-  <p:cSld>
-    <p:spTree>
-      <p:nvGrpSpPr>
-        <p:cNvPr id="482" name="Shape 482"/>
-        <p:cNvGrpSpPr/>
-        <p:nvPr/>
-      </p:nvGrpSpPr>
-      <p:grpSpPr>
-        <a:xfrm>
-          <a:off x="0" y="0"/>
-          <a:ext cx="0" cy="0"/>
-          <a:chOff x="0" y="0"/>
-          <a:chExt cx="0" cy="0"/>
-        </a:xfrm>
-      </p:grpSpPr>
-      <p:sp>
-        <p:nvSpPr>
-          <p:cNvPr id="483" name="Google Shape;483;p70"/>
-          <p:cNvSpPr txBox="1"/>
-          <p:nvPr>
-            <p:ph type="title"/>
-          </p:nvPr>
-        </p:nvSpPr>
-        <p:spPr>
-          <a:xfrm>
-            <a:off x="471900" y="738725"/>
-            <a:ext cx="8222100" cy="767700"/>
-          </a:xfrm>
-          <a:prstGeom prst="rect">
-            <a:avLst/>
-          </a:prstGeom>
-        </p:spPr>
-        <p:txBody>
-          <a:bodyPr anchorCtr="0" anchor="b" bIns="91425" lIns="91425" spcFirstLastPara="1" rIns="91425" wrap="square" tIns="91425">
-            <a:normAutofit/>
-          </a:bodyPr>
-          <a:lstStyle/>
-          <a:p>
-            <a:pPr indent="0" lvl="0" marL="0" rtl="0" algn="l">
-              <a:spcBef>
-                <a:spcPts val="0"/>
-              </a:spcBef>
-              <a:spcAft>
-                <a:spcPts val="0"/>
-              </a:spcAft>
-              <a:buNone/>
-            </a:pPr>
-            <a:r>
-              <a:rPr lang="en"/>
-              <a:t>PCA Analysis</a:t>
-            </a:r>
-            <a:endParaRPr/>
-          </a:p>
-        </p:txBody>
-      </p:sp>
-      <p:sp>
-        <p:nvSpPr>
-          <p:cNvPr id="484" name="Google Shape;484;p70"/>
-          <p:cNvSpPr txBox="1"/>
-          <p:nvPr>
-            <p:ph idx="1" type="body"/>
-          </p:nvPr>
-        </p:nvSpPr>
-        <p:spPr>
-          <a:xfrm>
-            <a:off x="188050" y="1976925"/>
-            <a:ext cx="3999900" cy="2710200"/>
-          </a:xfrm>
-          <a:prstGeom prst="rect">
-            <a:avLst/>
-          </a:prstGeom>
-        </p:spPr>
-        <p:txBody>
-          <a:bodyPr anchorCtr="0" anchor="t" bIns="91425" lIns="91425" spcFirstLastPara="1" rIns="91425" wrap="square" tIns="91425">
-            <a:normAutofit/>
-          </a:bodyPr>
-          <a:lstStyle/>
-          <a:p>
-            <a:pPr indent="-317500" lvl="0" marL="457200" rtl="0" algn="l">
-              <a:spcBef>
-                <a:spcPts val="0"/>
-              </a:spcBef>
-              <a:spcAft>
-                <a:spcPts val="0"/>
-              </a:spcAft>
-              <a:buSzPts val="1400"/>
-              <a:buChar char="●"/>
-            </a:pPr>
-            <a:r>
-              <a:rPr lang="en"/>
-              <a:t>R</a:t>
-            </a:r>
-            <a:r>
-              <a:rPr lang="en"/>
-              <a:t>emoved </a:t>
-            </a:r>
-            <a:r>
-              <a:rPr lang="en"/>
-              <a:t>numeric variables- age, campaign, and cons.conf.idx</a:t>
-            </a:r>
-            <a:endParaRPr>
-              <a:solidFill>
-                <a:srgbClr val="FF0000"/>
-              </a:solidFill>
-            </a:endParaRPr>
-          </a:p>
-          <a:p>
-            <a:pPr indent="-317500" lvl="0" marL="457200" rtl="0" algn="l">
-              <a:spcBef>
-                <a:spcPts val="0"/>
-              </a:spcBef>
-              <a:spcAft>
-                <a:spcPts val="0"/>
-              </a:spcAft>
-              <a:buSzPts val="1400"/>
-              <a:buChar char="●"/>
-            </a:pPr>
-            <a:r>
-              <a:rPr lang="en"/>
-              <a:t>In order to retain at least 90% of the total variance 4 principal components were necessary to effectively represent the original data.</a:t>
-            </a:r>
-            <a:endParaRPr/>
-          </a:p>
-          <a:p>
-            <a:pPr indent="-317500" lvl="0" marL="457200" rtl="0" algn="l">
-              <a:spcBef>
-                <a:spcPts val="0"/>
-              </a:spcBef>
-              <a:spcAft>
-                <a:spcPts val="0"/>
-              </a:spcAft>
-              <a:buSzPts val="1400"/>
-              <a:buChar char="●"/>
-            </a:pPr>
-            <a:r>
-              <a:rPr lang="en"/>
-              <a:t>PC1</a:t>
-            </a:r>
-            <a:r>
-              <a:rPr lang="en"/>
-              <a:t> had the best correlation with the response variable "y” </a:t>
-            </a:r>
-            <a:endParaRPr/>
-          </a:p>
-        </p:txBody>
-      </p:sp>
-      <p:sp>
-        <p:nvSpPr>
-          <p:cNvPr id="485" name="Google Shape;485;p70"/>
-          <p:cNvSpPr txBox="1"/>
-          <p:nvPr>
-            <p:ph idx="2" type="body"/>
-          </p:nvPr>
-        </p:nvSpPr>
-        <p:spPr>
-          <a:xfrm>
-            <a:off x="4694250" y="1919075"/>
-            <a:ext cx="3999900" cy="2710200"/>
-          </a:xfrm>
-          <a:prstGeom prst="rect">
-            <a:avLst/>
-          </a:prstGeom>
-        </p:spPr>
-        <p:txBody>
-          <a:bodyPr anchorCtr="0" anchor="t" bIns="91425" lIns="91425" spcFirstLastPara="1" rIns="91425" wrap="square" tIns="91425">
-            <a:normAutofit/>
-          </a:bodyPr>
-          <a:lstStyle/>
-          <a:p>
-            <a:pPr indent="0" lvl="0" marL="0" rtl="0" algn="l">
-              <a:spcBef>
-                <a:spcPts val="0"/>
-              </a:spcBef>
-              <a:spcAft>
-                <a:spcPts val="1200"/>
-              </a:spcAft>
-              <a:buNone/>
-            </a:pPr>
-            <a:r>
-              <a:t/>
-            </a:r>
-            <a:endParaRPr/>
-          </a:p>
-        </p:txBody>
-      </p:sp>
-      <p:pic>
-        <p:nvPicPr>
-          <p:cNvPr id="486" name="Google Shape;486;p70"/>
-          <p:cNvPicPr preferRelativeResize="0"/>
-          <p:nvPr/>
-        </p:nvPicPr>
-        <p:blipFill>
-          <a:blip r:embed="rId3">
-            <a:alphaModFix/>
-          </a:blip>
-          <a:stretch>
-            <a:fillRect/>
-          </a:stretch>
-        </p:blipFill>
-        <p:spPr>
-          <a:xfrm>
-            <a:off x="4100475" y="1830975"/>
-            <a:ext cx="4958751" cy="3002100"/>
           </a:xfrm>
           <a:prstGeom prst="rect">
             <a:avLst/>
@@ -31775,7 +32060,7 @@
         </p:spPr>
         <p:txBody>
           <a:bodyPr anchorCtr="0" anchor="b" bIns="91425" lIns="91425" spcFirstLastPara="1" rIns="91425" wrap="square" tIns="91425">
-            <a:normAutofit fontScale="90000"/>
+            <a:normAutofit/>
           </a:bodyPr>
           <a:lstStyle/>
           <a:p>
@@ -31789,29 +32074,10 @@
               <a:buNone/>
             </a:pPr>
             <a:r>
-              <a:t/>
+              <a:rPr lang="en"/>
+              <a:t>Consumer Price Index</a:t>
             </a:r>
             <a:endParaRPr/>
-          </a:p>
-          <a:p>
-            <a:pPr indent="0" lvl="0" marL="0" rtl="0" algn="l">
-              <a:spcBef>
-                <a:spcPts val="0"/>
-              </a:spcBef>
-              <a:spcAft>
-                <a:spcPts val="0"/>
-              </a:spcAft>
-              <a:buNone/>
-            </a:pPr>
-            <a:r>
-              <a:rPr lang="en"/>
-              <a:t>Model Interpretation</a:t>
-            </a:r>
-            <a:endParaRPr>
-              <a:solidFill>
-                <a:srgbClr val="FF0000"/>
-              </a:solidFill>
-            </a:endParaRPr>
           </a:p>
         </p:txBody>
       </p:sp>
@@ -31819,12 +32085,112 @@
         <p:nvSpPr>
           <p:cNvPr id="492" name="Google Shape;492;p71"/>
           <p:cNvSpPr txBox="1"/>
-          <p:nvPr/>
+          <p:nvPr>
+            <p:ph idx="1" type="body"/>
+          </p:nvPr>
         </p:nvSpPr>
         <p:spPr>
           <a:xfrm>
-            <a:off x="430525" y="2830300"/>
-            <a:ext cx="8572500" cy="548700"/>
+            <a:off x="471900" y="1919075"/>
+            <a:ext cx="3999900" cy="2710200"/>
+          </a:xfrm>
+          <a:prstGeom prst="rect">
+            <a:avLst/>
+          </a:prstGeom>
+        </p:spPr>
+        <p:txBody>
+          <a:bodyPr anchorCtr="0" anchor="t" bIns="91425" lIns="91425" spcFirstLastPara="1" rIns="91425" wrap="square" tIns="91425">
+            <a:normAutofit/>
+          </a:bodyPr>
+          <a:lstStyle/>
+          <a:p>
+            <a:pPr indent="-317500" lvl="0" marL="457200" rtl="0" algn="l">
+              <a:spcBef>
+                <a:spcPts val="0"/>
+              </a:spcBef>
+              <a:spcAft>
+                <a:spcPts val="0"/>
+              </a:spcAft>
+              <a:buSzPts val="1400"/>
+              <a:buChar char="●"/>
+            </a:pPr>
+            <a:r>
+              <a:rPr lang="en"/>
+              <a:t>Socio Economic Data</a:t>
+            </a:r>
+            <a:endParaRPr/>
+          </a:p>
+          <a:p>
+            <a:pPr indent="-317500" lvl="0" marL="457200" rtl="0" algn="l">
+              <a:spcBef>
+                <a:spcPts val="0"/>
+              </a:spcBef>
+              <a:spcAft>
+                <a:spcPts val="0"/>
+              </a:spcAft>
+              <a:buSzPts val="1400"/>
+              <a:buChar char="●"/>
+            </a:pPr>
+            <a:r>
+              <a:rPr lang="en"/>
+              <a:t>Numeric</a:t>
+            </a:r>
+            <a:endParaRPr/>
+          </a:p>
+          <a:p>
+            <a:pPr indent="-317500" lvl="0" marL="457200" rtl="0" algn="l">
+              <a:spcBef>
+                <a:spcPts val="0"/>
+              </a:spcBef>
+              <a:spcAft>
+                <a:spcPts val="0"/>
+              </a:spcAft>
+              <a:buSzPts val="1400"/>
+              <a:buChar char="●"/>
+            </a:pPr>
+            <a:r>
+              <a:rPr lang="en"/>
+              <a:t>Monthly Indicator</a:t>
+            </a:r>
+            <a:endParaRPr/>
+          </a:p>
+          <a:p>
+            <a:pPr indent="-317500" lvl="0" marL="457200" rtl="0" algn="l">
+              <a:spcBef>
+                <a:spcPts val="0"/>
+              </a:spcBef>
+              <a:spcAft>
+                <a:spcPts val="0"/>
+              </a:spcAft>
+              <a:buSzPts val="1400"/>
+              <a:buChar char="●"/>
+            </a:pPr>
+            <a:r>
+              <a:rPr lang="en"/>
+              <a:t>The value seems more evenly distributed for people that have a term deposit</a:t>
+            </a:r>
+            <a:endParaRPr/>
+          </a:p>
+        </p:txBody>
+      </p:sp>
+      <p:pic>
+        <p:nvPicPr>
+          <p:cNvPr id="493" name="Google Shape;493;p71"/>
+          <p:cNvPicPr preferRelativeResize="0"/>
+          <p:nvPr/>
+        </p:nvPicPr>
+        <p:blipFill>
+          <a:blip r:embed="rId3">
+            <a:alphaModFix/>
+          </a:blip>
+          <a:stretch>
+            <a:fillRect/>
+          </a:stretch>
+        </p:blipFill>
+        <p:spPr>
+          <a:xfrm>
+            <a:off x="4617400" y="1919075"/>
+            <a:ext cx="4367399" cy="2655769"/>
           </a:xfrm>
           <a:prstGeom prst="rect">
             <a:avLst/>
@@ -31834,647 +32200,12 @@
             <a:noFill/>
           </a:ln>
         </p:spPr>
-        <p:txBody>
-          <a:bodyPr anchorCtr="0" anchor="t" bIns="91425" lIns="91425" spcFirstLastPara="1" rIns="91425" wrap="square" tIns="91425">
-            <a:spAutoFit/>
-          </a:bodyPr>
-          <a:lstStyle/>
-          <a:p>
-            <a:pPr indent="0" lvl="0" marL="0" rtl="0" algn="l">
-              <a:lnSpc>
-                <a:spcPct val="115000"/>
-              </a:lnSpc>
-              <a:spcBef>
-                <a:spcPts val="0"/>
-              </a:spcBef>
-              <a:spcAft>
-                <a:spcPts val="0"/>
-              </a:spcAft>
-              <a:buNone/>
-            </a:pPr>
-            <a:r>
-              <a:t/>
-            </a:r>
-            <a:endParaRPr sz="1100"/>
-          </a:p>
-          <a:p>
-            <a:pPr indent="0" lvl="0" marL="0" rtl="0" algn="l">
-              <a:lnSpc>
-                <a:spcPct val="115000"/>
-              </a:lnSpc>
-              <a:spcBef>
-                <a:spcPts val="0"/>
-              </a:spcBef>
-              <a:spcAft>
-                <a:spcPts val="0"/>
-              </a:spcAft>
-              <a:buNone/>
-            </a:pPr>
-            <a:r>
-              <a:t/>
-            </a:r>
-            <a:endParaRPr sz="1100"/>
-          </a:p>
-        </p:txBody>
-      </p:sp>
-      <p:sp>
-        <p:nvSpPr>
-          <p:cNvPr id="493" name="Google Shape;493;p71"/>
-          <p:cNvSpPr/>
-          <p:nvPr/>
-        </p:nvSpPr>
-        <p:spPr>
-          <a:xfrm>
-            <a:off x="417200" y="1729775"/>
-            <a:ext cx="8344200" cy="548700"/>
-          </a:xfrm>
-          <a:prstGeom prst="roundRect">
-            <a:avLst>
-              <a:gd fmla="val 16667" name="adj"/>
-            </a:avLst>
-          </a:prstGeom>
-          <a:solidFill>
-            <a:srgbClr val="C9DAF8"/>
-          </a:solidFill>
-          <a:ln cap="flat" cmpd="sng" w="9525">
-            <a:solidFill>
-              <a:schemeClr val="dk2"/>
-            </a:solidFill>
-            <a:prstDash val="solid"/>
-            <a:round/>
-            <a:headEnd len="sm" w="sm" type="none"/>
-            <a:tailEnd len="sm" w="sm" type="none"/>
-          </a:ln>
-        </p:spPr>
-        <p:txBody>
-          <a:bodyPr anchorCtr="0" anchor="ctr" bIns="91425" lIns="91425" spcFirstLastPara="1" rIns="91425" wrap="square" tIns="91425">
-            <a:noAutofit/>
-          </a:bodyPr>
-          <a:lstStyle/>
-          <a:p>
-            <a:pPr indent="0" lvl="0" marL="0" rtl="0" algn="l">
-              <a:lnSpc>
-                <a:spcPct val="115000"/>
-              </a:lnSpc>
-              <a:spcBef>
-                <a:spcPts val="0"/>
-              </a:spcBef>
-              <a:spcAft>
-                <a:spcPts val="0"/>
-              </a:spcAft>
-              <a:buNone/>
-            </a:pPr>
-            <a:r>
-              <a:rPr b="1" lang="en" sz="1100"/>
-              <a:t>month (Mar v Apr): </a:t>
-            </a:r>
-            <a:r>
-              <a:rPr b="1" lang="en" sz="1100"/>
-              <a:t>The odds of convincing the clients to subscribe to a term deposit in the month of April decreases by a factor of 0.25 when compared to the month of March, all other variables remaining constant. The 95% Confidence interval of the decrease is (0.20, 0.32).</a:t>
-            </a:r>
-            <a:endParaRPr>
-              <a:solidFill>
-                <a:srgbClr val="FF0000"/>
-              </a:solidFill>
-              <a:highlight>
-                <a:schemeClr val="dk1"/>
-              </a:highlight>
-              <a:latin typeface="Roboto"/>
-              <a:ea typeface="Roboto"/>
-              <a:cs typeface="Roboto"/>
-              <a:sym typeface="Roboto"/>
-            </a:endParaRPr>
-          </a:p>
-        </p:txBody>
-      </p:sp>
-      <p:sp>
-        <p:nvSpPr>
-          <p:cNvPr id="494" name="Google Shape;494;p71"/>
-          <p:cNvSpPr/>
-          <p:nvPr/>
-        </p:nvSpPr>
-        <p:spPr>
-          <a:xfrm>
-            <a:off x="567325" y="2375125"/>
-            <a:ext cx="8007300" cy="592500"/>
-          </a:xfrm>
-          <a:prstGeom prst="roundRect">
-            <a:avLst>
-              <a:gd fmla="val 16667" name="adj"/>
-            </a:avLst>
-          </a:prstGeom>
-          <a:solidFill>
-            <a:srgbClr val="A4C2F4"/>
-          </a:solidFill>
-          <a:ln cap="flat" cmpd="sng" w="9525">
-            <a:solidFill>
-              <a:schemeClr val="dk2"/>
-            </a:solidFill>
-            <a:prstDash val="solid"/>
-            <a:round/>
-            <a:headEnd len="sm" w="sm" type="none"/>
-            <a:tailEnd len="sm" w="sm" type="none"/>
-          </a:ln>
-        </p:spPr>
-        <p:txBody>
-          <a:bodyPr anchorCtr="0" anchor="ctr" bIns="91425" lIns="91425" spcFirstLastPara="1" rIns="91425" wrap="square" tIns="91425">
-            <a:noAutofit/>
-          </a:bodyPr>
-          <a:lstStyle/>
-          <a:p>
-            <a:pPr indent="0" lvl="0" marL="0" rtl="0" algn="l">
-              <a:lnSpc>
-                <a:spcPct val="115000"/>
-              </a:lnSpc>
-              <a:spcBef>
-                <a:spcPts val="0"/>
-              </a:spcBef>
-              <a:spcAft>
-                <a:spcPts val="0"/>
-              </a:spcAft>
-              <a:buNone/>
-            </a:pPr>
-            <a:r>
-              <a:rPr b="1" lang="en" sz="1100"/>
-              <a:t>po</a:t>
-            </a:r>
-            <a:r>
-              <a:rPr b="1" lang="en" sz="1100"/>
-              <a:t>utcome </a:t>
-            </a:r>
-            <a:r>
-              <a:rPr b="1" lang="en" sz="1100"/>
-              <a:t>(success v failure): The odds of convincing a client to subscribe to a term deposit who was successfully subscribed in the previous campaign is 6.17 times higher than that of </a:t>
-            </a:r>
-            <a:r>
-              <a:rPr b="1" lang="en" sz="1100"/>
-              <a:t>someone</a:t>
-            </a:r>
-            <a:r>
-              <a:rPr b="1" lang="en" sz="1100"/>
-              <a:t> who was not successfully subscribed, </a:t>
-            </a:r>
-            <a:r>
-              <a:rPr b="1" lang="en" sz="1100"/>
-              <a:t>all other variables remaining constant.  The 95% Confidence interval of the factor is (5.21, 7.31).</a:t>
-            </a:r>
-            <a:endParaRPr b="1" sz="1100"/>
-          </a:p>
-        </p:txBody>
-      </p:sp>
-      <p:sp>
-        <p:nvSpPr>
-          <p:cNvPr id="495" name="Google Shape;495;p71"/>
-          <p:cNvSpPr/>
-          <p:nvPr/>
-        </p:nvSpPr>
-        <p:spPr>
-          <a:xfrm>
-            <a:off x="902250" y="3064275"/>
-            <a:ext cx="7504800" cy="592500"/>
-          </a:xfrm>
-          <a:prstGeom prst="roundRect">
-            <a:avLst>
-              <a:gd fmla="val 16667" name="adj"/>
-            </a:avLst>
-          </a:prstGeom>
-          <a:solidFill>
-            <a:srgbClr val="6D9EEB"/>
-          </a:solidFill>
-          <a:ln cap="flat" cmpd="sng" w="9525">
-            <a:solidFill>
-              <a:schemeClr val="dk2"/>
-            </a:solidFill>
-            <a:prstDash val="solid"/>
-            <a:round/>
-            <a:headEnd len="sm" w="sm" type="none"/>
-            <a:tailEnd len="sm" w="sm" type="none"/>
-          </a:ln>
-        </p:spPr>
-        <p:txBody>
-          <a:bodyPr anchorCtr="0" anchor="ctr" bIns="91425" lIns="91425" spcFirstLastPara="1" rIns="91425" wrap="square" tIns="91425">
-            <a:noAutofit/>
-          </a:bodyPr>
-          <a:lstStyle/>
-          <a:p>
-            <a:pPr indent="0" lvl="0" marL="0" rtl="0" algn="l">
-              <a:lnSpc>
-                <a:spcPct val="115000"/>
-              </a:lnSpc>
-              <a:spcBef>
-                <a:spcPts val="0"/>
-              </a:spcBef>
-              <a:spcAft>
-                <a:spcPts val="0"/>
-              </a:spcAft>
-              <a:buNone/>
-            </a:pPr>
-            <a:r>
-              <a:rPr b="1" lang="en" sz="1100"/>
-              <a:t>contact (cellular v telephone): The odds of convincing the client to subscribe to a term deposit when calling their landline phone decreased by a factor of 0.65 when compared to calling their </a:t>
-            </a:r>
-            <a:r>
-              <a:rPr b="1" lang="en" sz="1100"/>
-              <a:t>cell phone, all other variables remaining constant. The 95% Confidence interval of the decrease is (0.57, 0.73).</a:t>
-            </a:r>
-            <a:endParaRPr b="1" sz="1100"/>
-          </a:p>
-        </p:txBody>
-      </p:sp>
-      <p:sp>
-        <p:nvSpPr>
-          <p:cNvPr id="496" name="Google Shape;496;p71"/>
-          <p:cNvSpPr/>
-          <p:nvPr/>
-        </p:nvSpPr>
-        <p:spPr>
-          <a:xfrm>
-            <a:off x="1195325" y="3753425"/>
-            <a:ext cx="6960600" cy="592500"/>
-          </a:xfrm>
-          <a:prstGeom prst="roundRect">
-            <a:avLst>
-              <a:gd fmla="val 16667" name="adj"/>
-            </a:avLst>
-          </a:prstGeom>
-          <a:solidFill>
-            <a:srgbClr val="3C78D8"/>
-          </a:solidFill>
-          <a:ln cap="flat" cmpd="sng" w="9525">
-            <a:solidFill>
-              <a:schemeClr val="dk2"/>
-            </a:solidFill>
-            <a:prstDash val="solid"/>
-            <a:round/>
-            <a:headEnd len="sm" w="sm" type="none"/>
-            <a:tailEnd len="sm" w="sm" type="none"/>
-          </a:ln>
-        </p:spPr>
-        <p:txBody>
-          <a:bodyPr anchorCtr="0" anchor="ctr" bIns="91425" lIns="91425" spcFirstLastPara="1" rIns="91425" wrap="square" tIns="91425">
-            <a:noAutofit/>
-          </a:bodyPr>
-          <a:lstStyle/>
-          <a:p>
-            <a:pPr indent="0" lvl="0" marL="0" rtl="0" algn="l">
-              <a:lnSpc>
-                <a:spcPct val="115000"/>
-              </a:lnSpc>
-              <a:spcBef>
-                <a:spcPts val="0"/>
-              </a:spcBef>
-              <a:spcAft>
-                <a:spcPts val="0"/>
-              </a:spcAft>
-              <a:buNone/>
-            </a:pPr>
-            <a:r>
-              <a:rPr b="1" lang="en" sz="1100"/>
-              <a:t>emp.var.rate: For every 1 unit increase in </a:t>
-            </a:r>
-            <a:r>
-              <a:rPr b="1" lang="en" sz="1100"/>
-              <a:t>the employment variation rate</a:t>
-            </a:r>
-            <a:r>
-              <a:rPr b="1" lang="en" sz="1100"/>
-              <a:t>, the odds of convincing the customer to subscribe to a term deposit decrease by a factor of 0.44</a:t>
-            </a:r>
-            <a:r>
-              <a:rPr b="1" lang="en" sz="1100"/>
-              <a:t>, all other variables remaining constant.  The 95% Confidence interval of the decrease is (0.42, 0.46).</a:t>
-            </a:r>
-            <a:endParaRPr b="1" sz="1100"/>
-          </a:p>
-        </p:txBody>
-      </p:sp>
-      <p:sp>
-        <p:nvSpPr>
-          <p:cNvPr id="497" name="Google Shape;497;p71"/>
-          <p:cNvSpPr/>
-          <p:nvPr/>
-        </p:nvSpPr>
-        <p:spPr>
-          <a:xfrm>
-            <a:off x="1457000" y="4442575"/>
-            <a:ext cx="6573300" cy="592500"/>
-          </a:xfrm>
-          <a:prstGeom prst="roundRect">
-            <a:avLst>
-              <a:gd fmla="val 16667" name="adj"/>
-            </a:avLst>
-          </a:prstGeom>
-          <a:solidFill>
-            <a:srgbClr val="1155CC"/>
-          </a:solidFill>
-          <a:ln cap="flat" cmpd="sng" w="9525">
-            <a:solidFill>
-              <a:schemeClr val="dk2"/>
-            </a:solidFill>
-            <a:prstDash val="solid"/>
-            <a:round/>
-            <a:headEnd len="sm" w="sm" type="none"/>
-            <a:tailEnd len="sm" w="sm" type="none"/>
-          </a:ln>
-        </p:spPr>
-        <p:txBody>
-          <a:bodyPr anchorCtr="0" anchor="ctr" bIns="91425" lIns="91425" spcFirstLastPara="1" rIns="91425" wrap="square" tIns="91425">
-            <a:noAutofit/>
-          </a:bodyPr>
-          <a:lstStyle/>
-          <a:p>
-            <a:pPr indent="0" lvl="0" marL="0" rtl="0" algn="l">
-              <a:lnSpc>
-                <a:spcPct val="115000"/>
-              </a:lnSpc>
-              <a:spcBef>
-                <a:spcPts val="0"/>
-              </a:spcBef>
-              <a:spcAft>
-                <a:spcPts val="0"/>
-              </a:spcAft>
-              <a:buNone/>
-            </a:pPr>
-            <a:r>
-              <a:rPr b="1" lang="en" sz="1100"/>
-              <a:t>cons.price.idx: For every 1 unit increase in Consumer Price Index, the odds of </a:t>
-            </a:r>
-            <a:r>
-              <a:rPr b="1" lang="en" sz="1100"/>
-              <a:t>convincing the customer to subscribe to a term deposit</a:t>
-            </a:r>
-            <a:r>
-              <a:rPr b="1" lang="en" sz="1100"/>
-              <a:t> increase by 214%</a:t>
-            </a:r>
-            <a:r>
-              <a:rPr b="1" lang="en" sz="1100"/>
-              <a:t>, all other variables remaining constant.  The 95% Confidence of the increase is (182%, 250%).</a:t>
-            </a:r>
-            <a:endParaRPr b="1" sz="1100"/>
-          </a:p>
-        </p:txBody>
-      </p:sp>
+      </p:pic>
     </p:spTree>
   </p:cSld>
   <p:clrMapOvr>
     <a:masterClrMapping/>
   </p:clrMapOvr>
-  <p:timing>
-    <p:tnLst>
-      <p:par>
-        <p:cTn dur="indefinite" nodeType="tmRoot" restart="never">
-          <p:childTnLst>
-            <p:seq concurrent="1" nextAc="seek">
-              <p:cTn dur="indefinite" id="2" nodeType="mainSeq">
-                <p:childTnLst>
-                  <p:par>
-                    <p:cTn fill="hold">
-                      <p:stCondLst>
-                        <p:cond delay="indefinite"/>
-                      </p:stCondLst>
-                      <p:childTnLst>
-                        <p:par>
-                          <p:cTn fill="hold">
-                            <p:stCondLst>
-                              <p:cond delay="0"/>
-                            </p:stCondLst>
-                            <p:childTnLst>
-                              <p:par>
-                                <p:cTn fill="hold" nodeType="clickEffect" presetClass="entr" presetID="1" presetSubtype="0">
-                                  <p:stCondLst>
-                                    <p:cond delay="0"/>
-                                  </p:stCondLst>
-                                  <p:childTnLst>
-                                    <p:set>
-                                      <p:cBhvr>
-                                        <p:cTn dur="1" fill="hold">
-                                          <p:stCondLst>
-                                            <p:cond delay="0"/>
-                                          </p:stCondLst>
-                                        </p:cTn>
-                                        <p:tgtEl>
-                                          <p:spTgt spid="493"/>
-                                        </p:tgtEl>
-                                        <p:attrNameLst>
-                                          <p:attrName>style.visibility</p:attrName>
-                                        </p:attrNameLst>
-                                      </p:cBhvr>
-                                      <p:to>
-                                        <p:strVal val="visible"/>
-                                      </p:to>
-                                    </p:set>
-                                  </p:childTnLst>
-                                </p:cTn>
-                              </p:par>
-                            </p:childTnLst>
-                          </p:cTn>
-                        </p:par>
-                      </p:childTnLst>
-                    </p:cTn>
-                  </p:par>
-                  <p:par>
-                    <p:cTn fill="hold">
-                      <p:stCondLst>
-                        <p:cond delay="indefinite"/>
-                      </p:stCondLst>
-                      <p:childTnLst>
-                        <p:par>
-                          <p:cTn fill="hold">
-                            <p:stCondLst>
-                              <p:cond delay="0"/>
-                            </p:stCondLst>
-                            <p:childTnLst>
-                              <p:par>
-                                <p:cTn fill="hold" nodeType="clickEffect" presetClass="entr" presetID="1" presetSubtype="0">
-                                  <p:stCondLst>
-                                    <p:cond delay="0"/>
-                                  </p:stCondLst>
-                                  <p:childTnLst>
-                                    <p:set>
-                                      <p:cBhvr>
-                                        <p:cTn dur="1" fill="hold">
-                                          <p:stCondLst>
-                                            <p:cond delay="0"/>
-                                          </p:stCondLst>
-                                        </p:cTn>
-                                        <p:tgtEl>
-                                          <p:spTgt spid="494"/>
-                                        </p:tgtEl>
-                                        <p:attrNameLst>
-                                          <p:attrName>style.visibility</p:attrName>
-                                        </p:attrNameLst>
-                                      </p:cBhvr>
-                                      <p:to>
-                                        <p:strVal val="visible"/>
-                                      </p:to>
-                                    </p:set>
-                                  </p:childTnLst>
-                                </p:cTn>
-                              </p:par>
-                            </p:childTnLst>
-                          </p:cTn>
-                        </p:par>
-                      </p:childTnLst>
-                    </p:cTn>
-                  </p:par>
-                  <p:par>
-                    <p:cTn fill="hold">
-                      <p:stCondLst>
-                        <p:cond delay="indefinite"/>
-                      </p:stCondLst>
-                      <p:childTnLst>
-                        <p:par>
-                          <p:cTn fill="hold">
-                            <p:stCondLst>
-                              <p:cond delay="0"/>
-                            </p:stCondLst>
-                            <p:childTnLst>
-                              <p:par>
-                                <p:cTn fill="hold" nodeType="clickEffect" presetClass="entr" presetID="1" presetSubtype="0">
-                                  <p:stCondLst>
-                                    <p:cond delay="0"/>
-                                  </p:stCondLst>
-                                  <p:childTnLst>
-                                    <p:set>
-                                      <p:cBhvr>
-                                        <p:cTn dur="1" fill="hold">
-                                          <p:stCondLst>
-                                            <p:cond delay="0"/>
-                                          </p:stCondLst>
-                                        </p:cTn>
-                                        <p:tgtEl>
-                                          <p:spTgt spid="495"/>
-                                        </p:tgtEl>
-                                        <p:attrNameLst>
-                                          <p:attrName>style.visibility</p:attrName>
-                                        </p:attrNameLst>
-                                      </p:cBhvr>
-                                      <p:to>
-                                        <p:strVal val="visible"/>
-                                      </p:to>
-                                    </p:set>
-                                  </p:childTnLst>
-                                </p:cTn>
-                              </p:par>
-                            </p:childTnLst>
-                          </p:cTn>
-                        </p:par>
-                      </p:childTnLst>
-                    </p:cTn>
-                  </p:par>
-                  <p:par>
-                    <p:cTn fill="hold">
-                      <p:stCondLst>
-                        <p:cond delay="indefinite"/>
-                      </p:stCondLst>
-                      <p:childTnLst>
-                        <p:par>
-                          <p:cTn fill="hold">
-                            <p:stCondLst>
-                              <p:cond delay="0"/>
-                            </p:stCondLst>
-                            <p:childTnLst>
-                              <p:par>
-                                <p:cTn fill="hold" nodeType="clickEffect" presetClass="entr" presetID="1" presetSubtype="0">
-                                  <p:stCondLst>
-                                    <p:cond delay="0"/>
-                                  </p:stCondLst>
-                                  <p:childTnLst>
-                                    <p:set>
-                                      <p:cBhvr>
-                                        <p:cTn dur="1" fill="hold">
-                                          <p:stCondLst>
-                                            <p:cond delay="0"/>
-                                          </p:stCondLst>
-                                        </p:cTn>
-                                        <p:tgtEl>
-                                          <p:spTgt spid="496"/>
-                                        </p:tgtEl>
-                                        <p:attrNameLst>
-                                          <p:attrName>style.visibility</p:attrName>
-                                        </p:attrNameLst>
-                                      </p:cBhvr>
-                                      <p:to>
-                                        <p:strVal val="visible"/>
-                                      </p:to>
-                                    </p:set>
-                                  </p:childTnLst>
-                                </p:cTn>
-                              </p:par>
-                            </p:childTnLst>
-                          </p:cTn>
-                        </p:par>
-                      </p:childTnLst>
-                    </p:cTn>
-                  </p:par>
-                  <p:par>
-                    <p:cTn fill="hold">
-                      <p:stCondLst>
-                        <p:cond delay="indefinite"/>
-                      </p:stCondLst>
-                      <p:childTnLst>
-                        <p:par>
-                          <p:cTn fill="hold">
-                            <p:stCondLst>
-                              <p:cond delay="0"/>
-                            </p:stCondLst>
-                            <p:childTnLst>
-                              <p:par>
-                                <p:cTn fill="hold" nodeType="clickEffect" presetClass="entr" presetID="1" presetSubtype="0">
-                                  <p:stCondLst>
-                                    <p:cond delay="0"/>
-                                  </p:stCondLst>
-                                  <p:childTnLst>
-                                    <p:set>
-                                      <p:cBhvr>
-                                        <p:cTn dur="1" fill="hold">
-                                          <p:stCondLst>
-                                            <p:cond delay="0"/>
-                                          </p:stCondLst>
-                                        </p:cTn>
-                                        <p:tgtEl>
-                                          <p:spTgt spid="497"/>
-                                        </p:tgtEl>
-                                        <p:attrNameLst>
-                                          <p:attrName>style.visibility</p:attrName>
-                                        </p:attrNameLst>
-                                      </p:cBhvr>
-                                      <p:to>
-                                        <p:strVal val="visible"/>
-                                      </p:to>
-                                    </p:set>
-                                  </p:childTnLst>
-                                </p:cTn>
-                              </p:par>
-                            </p:childTnLst>
-                          </p:cTn>
-                        </p:par>
-                      </p:childTnLst>
-                    </p:cTn>
-                  </p:par>
-                </p:childTnLst>
-              </p:cTn>
-              <p:prevCondLst>
-                <p:cond evt="onPrev">
-                  <p:tgtEl>
-                    <p:sldTgt/>
-                  </p:tgtEl>
-                </p:cond>
-              </p:prevCondLst>
-              <p:nextCondLst>
-                <p:cond evt="onNext">
-                  <p:tgtEl>
-                    <p:sldTgt/>
-                  </p:tgtEl>
-                </p:cond>
-              </p:nextCondLst>
-            </p:seq>
-          </p:childTnLst>
-        </p:cTn>
-      </p:par>
-    </p:tnLst>
-  </p:timing>
 </p:sld>
 </file>
 
@@ -32550,7 +32281,7 @@
             <a:tbl>
               <a:tblPr>
                 <a:noFill/>
-                <a:tableStyleId>{F701B251-343C-4CA0-8F75-DB2E4F28BD0F}</a:tableStyleId>
+                <a:tableStyleId>{AFB7E087-2D86-45EA-A7A7-E2C51E06ADBA}</a:tableStyleId>
               </a:tblPr>
               <a:tblGrid>
                 <a:gridCol w="1028700"/>
@@ -34167,7 +33898,7 @@
   <p:cSld>
     <p:spTree>
       <p:nvGrpSpPr>
-        <p:cNvPr id="501" name="Shape 501"/>
+        <p:cNvPr id="497" name="Shape 497"/>
         <p:cNvGrpSpPr/>
         <p:nvPr/>
       </p:nvGrpSpPr>
@@ -34181,7 +33912,7 @@
       </p:grpSpPr>
       <p:sp>
         <p:nvSpPr>
-          <p:cNvPr id="502" name="Google Shape;502;p72"/>
+          <p:cNvPr id="498" name="Google Shape;498;p72"/>
           <p:cNvSpPr txBox="1"/>
           <p:nvPr>
             <p:ph type="title"/>
@@ -34213,7 +33944,7 @@
             </a:pPr>
             <a:r>
               <a:rPr lang="en"/>
-              <a:t>Adding Polynomial Terms to Model</a:t>
+              <a:t>PCA Analysis</a:t>
             </a:r>
             <a:endParaRPr/>
           </a:p>
@@ -34221,7 +33952,969 @@
       </p:sp>
       <p:sp>
         <p:nvSpPr>
-          <p:cNvPr id="503" name="Google Shape;503;p72"/>
+          <p:cNvPr id="499" name="Google Shape;499;p72"/>
+          <p:cNvSpPr txBox="1"/>
+          <p:nvPr>
+            <p:ph idx="1" type="body"/>
+          </p:nvPr>
+        </p:nvSpPr>
+        <p:spPr>
+          <a:xfrm>
+            <a:off x="188050" y="1976925"/>
+            <a:ext cx="3999900" cy="2710200"/>
+          </a:xfrm>
+          <a:prstGeom prst="rect">
+            <a:avLst/>
+          </a:prstGeom>
+        </p:spPr>
+        <p:txBody>
+          <a:bodyPr anchorCtr="0" anchor="t" bIns="91425" lIns="91425" spcFirstLastPara="1" rIns="91425" wrap="square" tIns="91425">
+            <a:normAutofit/>
+          </a:bodyPr>
+          <a:lstStyle/>
+          <a:p>
+            <a:pPr indent="-317500" lvl="0" marL="457200" rtl="0" algn="l">
+              <a:spcBef>
+                <a:spcPts val="0"/>
+              </a:spcBef>
+              <a:spcAft>
+                <a:spcPts val="0"/>
+              </a:spcAft>
+              <a:buSzPts val="1400"/>
+              <a:buChar char="●"/>
+            </a:pPr>
+            <a:r>
+              <a:rPr lang="en"/>
+              <a:t>R</a:t>
+            </a:r>
+            <a:r>
+              <a:rPr lang="en"/>
+              <a:t>emoved </a:t>
+            </a:r>
+            <a:r>
+              <a:rPr lang="en"/>
+              <a:t>numeric variables- age, campaign, and cons.conf.idx</a:t>
+            </a:r>
+            <a:endParaRPr>
+              <a:solidFill>
+                <a:srgbClr val="FF0000"/>
+              </a:solidFill>
+            </a:endParaRPr>
+          </a:p>
+          <a:p>
+            <a:pPr indent="-317500" lvl="0" marL="457200" rtl="0" algn="l">
+              <a:spcBef>
+                <a:spcPts val="0"/>
+              </a:spcBef>
+              <a:spcAft>
+                <a:spcPts val="0"/>
+              </a:spcAft>
+              <a:buSzPts val="1400"/>
+              <a:buChar char="●"/>
+            </a:pPr>
+            <a:r>
+              <a:rPr lang="en"/>
+              <a:t>In order to retain at least 90% of the total variance 4 principal components were necessary to effectively represent the original data.</a:t>
+            </a:r>
+            <a:endParaRPr/>
+          </a:p>
+          <a:p>
+            <a:pPr indent="-317500" lvl="0" marL="457200" rtl="0" algn="l">
+              <a:spcBef>
+                <a:spcPts val="0"/>
+              </a:spcBef>
+              <a:spcAft>
+                <a:spcPts val="0"/>
+              </a:spcAft>
+              <a:buSzPts val="1400"/>
+              <a:buChar char="●"/>
+            </a:pPr>
+            <a:r>
+              <a:rPr lang="en"/>
+              <a:t>PC1</a:t>
+            </a:r>
+            <a:r>
+              <a:rPr lang="en"/>
+              <a:t> had the best correlation with the response variable "y” </a:t>
+            </a:r>
+            <a:endParaRPr/>
+          </a:p>
+        </p:txBody>
+      </p:sp>
+      <p:sp>
+        <p:nvSpPr>
+          <p:cNvPr id="500" name="Google Shape;500;p72"/>
+          <p:cNvSpPr txBox="1"/>
+          <p:nvPr>
+            <p:ph idx="2" type="body"/>
+          </p:nvPr>
+        </p:nvSpPr>
+        <p:spPr>
+          <a:xfrm>
+            <a:off x="4694250" y="1919075"/>
+            <a:ext cx="3999900" cy="2710200"/>
+          </a:xfrm>
+          <a:prstGeom prst="rect">
+            <a:avLst/>
+          </a:prstGeom>
+        </p:spPr>
+        <p:txBody>
+          <a:bodyPr anchorCtr="0" anchor="t" bIns="91425" lIns="91425" spcFirstLastPara="1" rIns="91425" wrap="square" tIns="91425">
+            <a:normAutofit/>
+          </a:bodyPr>
+          <a:lstStyle/>
+          <a:p>
+            <a:pPr indent="0" lvl="0" marL="0" rtl="0" algn="l">
+              <a:spcBef>
+                <a:spcPts val="0"/>
+              </a:spcBef>
+              <a:spcAft>
+                <a:spcPts val="1200"/>
+              </a:spcAft>
+              <a:buNone/>
+            </a:pPr>
+            <a:r>
+              <a:t/>
+            </a:r>
+            <a:endParaRPr/>
+          </a:p>
+        </p:txBody>
+      </p:sp>
+      <p:pic>
+        <p:nvPicPr>
+          <p:cNvPr id="501" name="Google Shape;501;p72"/>
+          <p:cNvPicPr preferRelativeResize="0"/>
+          <p:nvPr/>
+        </p:nvPicPr>
+        <p:blipFill>
+          <a:blip r:embed="rId3">
+            <a:alphaModFix/>
+          </a:blip>
+          <a:stretch>
+            <a:fillRect/>
+          </a:stretch>
+        </p:blipFill>
+        <p:spPr>
+          <a:xfrm>
+            <a:off x="4100475" y="1830975"/>
+            <a:ext cx="4958751" cy="3002100"/>
+          </a:xfrm>
+          <a:prstGeom prst="rect">
+            <a:avLst/>
+          </a:prstGeom>
+          <a:noFill/>
+          <a:ln>
+            <a:noFill/>
+          </a:ln>
+        </p:spPr>
+      </p:pic>
+    </p:spTree>
+  </p:cSld>
+  <p:clrMapOvr>
+    <a:masterClrMapping/>
+  </p:clrMapOvr>
+</p:sld>
+</file>
+
+<file path=ppt/slides/slide61.xml><?xml version="1.0" encoding="utf-8"?>
+<p:sld xmlns:a="http://schemas.openxmlformats.org/drawingml/2006/main" xmlns:r="http://schemas.openxmlformats.org/officeDocument/2006/relationships" xmlns:mc="http://schemas.openxmlformats.org/markup-compatibility/2006" xmlns:mv="urn:schemas-microsoft-com:mac:vml" xmlns:p="http://schemas.openxmlformats.org/presentationml/2006/main" xmlns:c="http://schemas.openxmlformats.org/drawingml/2006/chart" xmlns:dgm="http://schemas.openxmlformats.org/drawingml/2006/diagram" xmlns:o="urn:schemas-microsoft-com:office:office" xmlns:v="urn:schemas-microsoft-com:vml" xmlns:pvml="urn:schemas-microsoft-com:office:powerpoint" xmlns:com="http://schemas.openxmlformats.org/drawingml/2006/compatibility" xmlns:p14="http://schemas.microsoft.com/office/powerpoint/2010/main" xmlns:p15="http://schemas.microsoft.com/office/powerpoint/2012/main" xmlns:ahyp="http://schemas.microsoft.com/office/drawing/2018/hyperlinkcolor">
+  <p:cSld>
+    <p:spTree>
+      <p:nvGrpSpPr>
+        <p:cNvPr id="505" name="Shape 505"/>
+        <p:cNvGrpSpPr/>
+        <p:nvPr/>
+      </p:nvGrpSpPr>
+      <p:grpSpPr>
+        <a:xfrm>
+          <a:off x="0" y="0"/>
+          <a:ext cx="0" cy="0"/>
+          <a:chOff x="0" y="0"/>
+          <a:chExt cx="0" cy="0"/>
+        </a:xfrm>
+      </p:grpSpPr>
+      <p:sp>
+        <p:nvSpPr>
+          <p:cNvPr id="506" name="Google Shape;506;p73"/>
+          <p:cNvSpPr txBox="1"/>
+          <p:nvPr>
+            <p:ph type="title"/>
+          </p:nvPr>
+        </p:nvSpPr>
+        <p:spPr>
+          <a:xfrm>
+            <a:off x="471900" y="738725"/>
+            <a:ext cx="8222100" cy="767700"/>
+          </a:xfrm>
+          <a:prstGeom prst="rect">
+            <a:avLst/>
+          </a:prstGeom>
+        </p:spPr>
+        <p:txBody>
+          <a:bodyPr anchorCtr="0" anchor="b" bIns="91425" lIns="91425" spcFirstLastPara="1" rIns="91425" wrap="square" tIns="91425">
+            <a:normAutofit fontScale="90000"/>
+          </a:bodyPr>
+          <a:lstStyle/>
+          <a:p>
+            <a:pPr indent="0" lvl="0" marL="0" rtl="0" algn="l">
+              <a:spcBef>
+                <a:spcPts val="0"/>
+              </a:spcBef>
+              <a:spcAft>
+                <a:spcPts val="0"/>
+              </a:spcAft>
+              <a:buNone/>
+            </a:pPr>
+            <a:r>
+              <a:t/>
+            </a:r>
+            <a:endParaRPr/>
+          </a:p>
+          <a:p>
+            <a:pPr indent="0" lvl="0" marL="0" rtl="0" algn="l">
+              <a:spcBef>
+                <a:spcPts val="0"/>
+              </a:spcBef>
+              <a:spcAft>
+                <a:spcPts val="0"/>
+              </a:spcAft>
+              <a:buNone/>
+            </a:pPr>
+            <a:r>
+              <a:rPr lang="en"/>
+              <a:t>Model Interpretation</a:t>
+            </a:r>
+            <a:endParaRPr>
+              <a:solidFill>
+                <a:srgbClr val="FF0000"/>
+              </a:solidFill>
+            </a:endParaRPr>
+          </a:p>
+        </p:txBody>
+      </p:sp>
+      <p:sp>
+        <p:nvSpPr>
+          <p:cNvPr id="507" name="Google Shape;507;p73"/>
+          <p:cNvSpPr txBox="1"/>
+          <p:nvPr/>
+        </p:nvSpPr>
+        <p:spPr>
+          <a:xfrm>
+            <a:off x="430525" y="2830300"/>
+            <a:ext cx="8572500" cy="548700"/>
+          </a:xfrm>
+          <a:prstGeom prst="rect">
+            <a:avLst/>
+          </a:prstGeom>
+          <a:noFill/>
+          <a:ln>
+            <a:noFill/>
+          </a:ln>
+        </p:spPr>
+        <p:txBody>
+          <a:bodyPr anchorCtr="0" anchor="t" bIns="91425" lIns="91425" spcFirstLastPara="1" rIns="91425" wrap="square" tIns="91425">
+            <a:spAutoFit/>
+          </a:bodyPr>
+          <a:lstStyle/>
+          <a:p>
+            <a:pPr indent="0" lvl="0" marL="0" rtl="0" algn="l">
+              <a:lnSpc>
+                <a:spcPct val="115000"/>
+              </a:lnSpc>
+              <a:spcBef>
+                <a:spcPts val="0"/>
+              </a:spcBef>
+              <a:spcAft>
+                <a:spcPts val="0"/>
+              </a:spcAft>
+              <a:buNone/>
+            </a:pPr>
+            <a:r>
+              <a:t/>
+            </a:r>
+            <a:endParaRPr sz="1100"/>
+          </a:p>
+          <a:p>
+            <a:pPr indent="0" lvl="0" marL="0" rtl="0" algn="l">
+              <a:lnSpc>
+                <a:spcPct val="115000"/>
+              </a:lnSpc>
+              <a:spcBef>
+                <a:spcPts val="0"/>
+              </a:spcBef>
+              <a:spcAft>
+                <a:spcPts val="0"/>
+              </a:spcAft>
+              <a:buNone/>
+            </a:pPr>
+            <a:r>
+              <a:t/>
+            </a:r>
+            <a:endParaRPr sz="1100"/>
+          </a:p>
+        </p:txBody>
+      </p:sp>
+      <p:sp>
+        <p:nvSpPr>
+          <p:cNvPr id="508" name="Google Shape;508;p73"/>
+          <p:cNvSpPr/>
+          <p:nvPr/>
+        </p:nvSpPr>
+        <p:spPr>
+          <a:xfrm>
+            <a:off x="417200" y="1729775"/>
+            <a:ext cx="8344200" cy="548700"/>
+          </a:xfrm>
+          <a:prstGeom prst="roundRect">
+            <a:avLst>
+              <a:gd fmla="val 16667" name="adj"/>
+            </a:avLst>
+          </a:prstGeom>
+          <a:solidFill>
+            <a:srgbClr val="C9DAF8"/>
+          </a:solidFill>
+          <a:ln cap="flat" cmpd="sng" w="9525">
+            <a:solidFill>
+              <a:schemeClr val="dk2"/>
+            </a:solidFill>
+            <a:prstDash val="solid"/>
+            <a:round/>
+            <a:headEnd len="sm" w="sm" type="none"/>
+            <a:tailEnd len="sm" w="sm" type="none"/>
+          </a:ln>
+        </p:spPr>
+        <p:txBody>
+          <a:bodyPr anchorCtr="0" anchor="ctr" bIns="91425" lIns="91425" spcFirstLastPara="1" rIns="91425" wrap="square" tIns="91425">
+            <a:noAutofit/>
+          </a:bodyPr>
+          <a:lstStyle/>
+          <a:p>
+            <a:pPr indent="0" lvl="0" marL="0" rtl="0" algn="l">
+              <a:lnSpc>
+                <a:spcPct val="115000"/>
+              </a:lnSpc>
+              <a:spcBef>
+                <a:spcPts val="0"/>
+              </a:spcBef>
+              <a:spcAft>
+                <a:spcPts val="0"/>
+              </a:spcAft>
+              <a:buNone/>
+            </a:pPr>
+            <a:r>
+              <a:rPr b="1" lang="en" sz="1100"/>
+              <a:t>month (Mar v Apr): </a:t>
+            </a:r>
+            <a:r>
+              <a:rPr b="1" lang="en" sz="1100"/>
+              <a:t>The odds of convincing the clients to subscribe to a term deposit in the month of April decreases by a factor of 0.25 when compared to the month of March, all other variables remaining constant. The 95% Confidence interval of the decrease is (0.20, 0.32).</a:t>
+            </a:r>
+            <a:endParaRPr>
+              <a:solidFill>
+                <a:srgbClr val="FF0000"/>
+              </a:solidFill>
+              <a:highlight>
+                <a:schemeClr val="dk1"/>
+              </a:highlight>
+              <a:latin typeface="Roboto"/>
+              <a:ea typeface="Roboto"/>
+              <a:cs typeface="Roboto"/>
+              <a:sym typeface="Roboto"/>
+            </a:endParaRPr>
+          </a:p>
+        </p:txBody>
+      </p:sp>
+      <p:sp>
+        <p:nvSpPr>
+          <p:cNvPr id="509" name="Google Shape;509;p73"/>
+          <p:cNvSpPr/>
+          <p:nvPr/>
+        </p:nvSpPr>
+        <p:spPr>
+          <a:xfrm>
+            <a:off x="567325" y="2375125"/>
+            <a:ext cx="8007300" cy="592500"/>
+          </a:xfrm>
+          <a:prstGeom prst="roundRect">
+            <a:avLst>
+              <a:gd fmla="val 16667" name="adj"/>
+            </a:avLst>
+          </a:prstGeom>
+          <a:solidFill>
+            <a:srgbClr val="A4C2F4"/>
+          </a:solidFill>
+          <a:ln cap="flat" cmpd="sng" w="9525">
+            <a:solidFill>
+              <a:schemeClr val="dk2"/>
+            </a:solidFill>
+            <a:prstDash val="solid"/>
+            <a:round/>
+            <a:headEnd len="sm" w="sm" type="none"/>
+            <a:tailEnd len="sm" w="sm" type="none"/>
+          </a:ln>
+        </p:spPr>
+        <p:txBody>
+          <a:bodyPr anchorCtr="0" anchor="ctr" bIns="91425" lIns="91425" spcFirstLastPara="1" rIns="91425" wrap="square" tIns="91425">
+            <a:noAutofit/>
+          </a:bodyPr>
+          <a:lstStyle/>
+          <a:p>
+            <a:pPr indent="0" lvl="0" marL="0" rtl="0" algn="l">
+              <a:lnSpc>
+                <a:spcPct val="115000"/>
+              </a:lnSpc>
+              <a:spcBef>
+                <a:spcPts val="0"/>
+              </a:spcBef>
+              <a:spcAft>
+                <a:spcPts val="0"/>
+              </a:spcAft>
+              <a:buNone/>
+            </a:pPr>
+            <a:r>
+              <a:rPr b="1" lang="en" sz="1100"/>
+              <a:t>po</a:t>
+            </a:r>
+            <a:r>
+              <a:rPr b="1" lang="en" sz="1100"/>
+              <a:t>utcome </a:t>
+            </a:r>
+            <a:r>
+              <a:rPr b="1" lang="en" sz="1100"/>
+              <a:t>(success v failure): The odds of convincing a client to subscribe to a term deposit who was successfully subscribed in the previous campaign is 6.17 times higher than that of </a:t>
+            </a:r>
+            <a:r>
+              <a:rPr b="1" lang="en" sz="1100"/>
+              <a:t>someone</a:t>
+            </a:r>
+            <a:r>
+              <a:rPr b="1" lang="en" sz="1100"/>
+              <a:t> who was not successfully subscribed, </a:t>
+            </a:r>
+            <a:r>
+              <a:rPr b="1" lang="en" sz="1100"/>
+              <a:t>all other variables remaining constant.  The 95% Confidence interval of the factor is (5.21, 7.31).</a:t>
+            </a:r>
+            <a:endParaRPr b="1" sz="1100"/>
+          </a:p>
+        </p:txBody>
+      </p:sp>
+      <p:sp>
+        <p:nvSpPr>
+          <p:cNvPr id="510" name="Google Shape;510;p73"/>
+          <p:cNvSpPr/>
+          <p:nvPr/>
+        </p:nvSpPr>
+        <p:spPr>
+          <a:xfrm>
+            <a:off x="902250" y="3064275"/>
+            <a:ext cx="7504800" cy="592500"/>
+          </a:xfrm>
+          <a:prstGeom prst="roundRect">
+            <a:avLst>
+              <a:gd fmla="val 16667" name="adj"/>
+            </a:avLst>
+          </a:prstGeom>
+          <a:solidFill>
+            <a:srgbClr val="6D9EEB"/>
+          </a:solidFill>
+          <a:ln cap="flat" cmpd="sng" w="9525">
+            <a:solidFill>
+              <a:schemeClr val="dk2"/>
+            </a:solidFill>
+            <a:prstDash val="solid"/>
+            <a:round/>
+            <a:headEnd len="sm" w="sm" type="none"/>
+            <a:tailEnd len="sm" w="sm" type="none"/>
+          </a:ln>
+        </p:spPr>
+        <p:txBody>
+          <a:bodyPr anchorCtr="0" anchor="ctr" bIns="91425" lIns="91425" spcFirstLastPara="1" rIns="91425" wrap="square" tIns="91425">
+            <a:noAutofit/>
+          </a:bodyPr>
+          <a:lstStyle/>
+          <a:p>
+            <a:pPr indent="0" lvl="0" marL="0" rtl="0" algn="l">
+              <a:lnSpc>
+                <a:spcPct val="115000"/>
+              </a:lnSpc>
+              <a:spcBef>
+                <a:spcPts val="0"/>
+              </a:spcBef>
+              <a:spcAft>
+                <a:spcPts val="0"/>
+              </a:spcAft>
+              <a:buNone/>
+            </a:pPr>
+            <a:r>
+              <a:rPr b="1" lang="en" sz="1100"/>
+              <a:t>contact (cellular v telephone): The odds of convincing the client to subscribe to a term deposit when calling their landline phone decreased by a factor of 0.65 when compared to calling their </a:t>
+            </a:r>
+            <a:r>
+              <a:rPr b="1" lang="en" sz="1100"/>
+              <a:t>cell phone, all other variables remaining constant. The 95% Confidence interval of the decrease is (0.57, 0.73).</a:t>
+            </a:r>
+            <a:endParaRPr b="1" sz="1100"/>
+          </a:p>
+        </p:txBody>
+      </p:sp>
+      <p:sp>
+        <p:nvSpPr>
+          <p:cNvPr id="511" name="Google Shape;511;p73"/>
+          <p:cNvSpPr/>
+          <p:nvPr/>
+        </p:nvSpPr>
+        <p:spPr>
+          <a:xfrm>
+            <a:off x="1195325" y="3753425"/>
+            <a:ext cx="6960600" cy="592500"/>
+          </a:xfrm>
+          <a:prstGeom prst="roundRect">
+            <a:avLst>
+              <a:gd fmla="val 16667" name="adj"/>
+            </a:avLst>
+          </a:prstGeom>
+          <a:solidFill>
+            <a:srgbClr val="3C78D8"/>
+          </a:solidFill>
+          <a:ln cap="flat" cmpd="sng" w="9525">
+            <a:solidFill>
+              <a:schemeClr val="dk2"/>
+            </a:solidFill>
+            <a:prstDash val="solid"/>
+            <a:round/>
+            <a:headEnd len="sm" w="sm" type="none"/>
+            <a:tailEnd len="sm" w="sm" type="none"/>
+          </a:ln>
+        </p:spPr>
+        <p:txBody>
+          <a:bodyPr anchorCtr="0" anchor="ctr" bIns="91425" lIns="91425" spcFirstLastPara="1" rIns="91425" wrap="square" tIns="91425">
+            <a:noAutofit/>
+          </a:bodyPr>
+          <a:lstStyle/>
+          <a:p>
+            <a:pPr indent="0" lvl="0" marL="0" rtl="0" algn="l">
+              <a:lnSpc>
+                <a:spcPct val="115000"/>
+              </a:lnSpc>
+              <a:spcBef>
+                <a:spcPts val="0"/>
+              </a:spcBef>
+              <a:spcAft>
+                <a:spcPts val="0"/>
+              </a:spcAft>
+              <a:buNone/>
+            </a:pPr>
+            <a:r>
+              <a:rPr b="1" lang="en" sz="1100"/>
+              <a:t>emp.var.rate: For every 1 unit increase in </a:t>
+            </a:r>
+            <a:r>
+              <a:rPr b="1" lang="en" sz="1100"/>
+              <a:t>the employment variation rate</a:t>
+            </a:r>
+            <a:r>
+              <a:rPr b="1" lang="en" sz="1100"/>
+              <a:t>, the odds of convincing the customer to subscribe to a term deposit decrease by a factor of 0.44</a:t>
+            </a:r>
+            <a:r>
+              <a:rPr b="1" lang="en" sz="1100"/>
+              <a:t>, all other variables remaining constant.  The 95% Confidence interval of the decrease is (0.42, 0.46).</a:t>
+            </a:r>
+            <a:endParaRPr b="1" sz="1100"/>
+          </a:p>
+        </p:txBody>
+      </p:sp>
+      <p:sp>
+        <p:nvSpPr>
+          <p:cNvPr id="512" name="Google Shape;512;p73"/>
+          <p:cNvSpPr/>
+          <p:nvPr/>
+        </p:nvSpPr>
+        <p:spPr>
+          <a:xfrm>
+            <a:off x="1457000" y="4442575"/>
+            <a:ext cx="6573300" cy="592500"/>
+          </a:xfrm>
+          <a:prstGeom prst="roundRect">
+            <a:avLst>
+              <a:gd fmla="val 16667" name="adj"/>
+            </a:avLst>
+          </a:prstGeom>
+          <a:solidFill>
+            <a:srgbClr val="1155CC"/>
+          </a:solidFill>
+          <a:ln cap="flat" cmpd="sng" w="9525">
+            <a:solidFill>
+              <a:schemeClr val="dk2"/>
+            </a:solidFill>
+            <a:prstDash val="solid"/>
+            <a:round/>
+            <a:headEnd len="sm" w="sm" type="none"/>
+            <a:tailEnd len="sm" w="sm" type="none"/>
+          </a:ln>
+        </p:spPr>
+        <p:txBody>
+          <a:bodyPr anchorCtr="0" anchor="ctr" bIns="91425" lIns="91425" spcFirstLastPara="1" rIns="91425" wrap="square" tIns="91425">
+            <a:noAutofit/>
+          </a:bodyPr>
+          <a:lstStyle/>
+          <a:p>
+            <a:pPr indent="0" lvl="0" marL="0" rtl="0" algn="l">
+              <a:lnSpc>
+                <a:spcPct val="115000"/>
+              </a:lnSpc>
+              <a:spcBef>
+                <a:spcPts val="0"/>
+              </a:spcBef>
+              <a:spcAft>
+                <a:spcPts val="0"/>
+              </a:spcAft>
+              <a:buNone/>
+            </a:pPr>
+            <a:r>
+              <a:rPr b="1" lang="en" sz="1100"/>
+              <a:t>cons.price.idx: For every 1 unit increase in Consumer Price Index, the odds of </a:t>
+            </a:r>
+            <a:r>
+              <a:rPr b="1" lang="en" sz="1100"/>
+              <a:t>convincing the customer to subscribe to a term deposit</a:t>
+            </a:r>
+            <a:r>
+              <a:rPr b="1" lang="en" sz="1100"/>
+              <a:t> increase by 214%</a:t>
+            </a:r>
+            <a:r>
+              <a:rPr b="1" lang="en" sz="1100"/>
+              <a:t>, all other variables remaining constant.  The 95% Confidence of the increase is (182%, 250%).</a:t>
+            </a:r>
+            <a:endParaRPr b="1" sz="1100"/>
+          </a:p>
+        </p:txBody>
+      </p:sp>
+    </p:spTree>
+  </p:cSld>
+  <p:clrMapOvr>
+    <a:masterClrMapping/>
+  </p:clrMapOvr>
+  <p:timing>
+    <p:tnLst>
+      <p:par>
+        <p:cTn dur="indefinite" nodeType="tmRoot" restart="never">
+          <p:childTnLst>
+            <p:seq concurrent="1" nextAc="seek">
+              <p:cTn dur="indefinite" id="2" nodeType="mainSeq">
+                <p:childTnLst>
+                  <p:par>
+                    <p:cTn fill="hold">
+                      <p:stCondLst>
+                        <p:cond delay="indefinite"/>
+                      </p:stCondLst>
+                      <p:childTnLst>
+                        <p:par>
+                          <p:cTn fill="hold">
+                            <p:stCondLst>
+                              <p:cond delay="0"/>
+                            </p:stCondLst>
+                            <p:childTnLst>
+                              <p:par>
+                                <p:cTn fill="hold" nodeType="clickEffect" presetClass="entr" presetID="1" presetSubtype="0">
+                                  <p:stCondLst>
+                                    <p:cond delay="0"/>
+                                  </p:stCondLst>
+                                  <p:childTnLst>
+                                    <p:set>
+                                      <p:cBhvr>
+                                        <p:cTn dur="1" fill="hold">
+                                          <p:stCondLst>
+                                            <p:cond delay="0"/>
+                                          </p:stCondLst>
+                                        </p:cTn>
+                                        <p:tgtEl>
+                                          <p:spTgt spid="508"/>
+                                        </p:tgtEl>
+                                        <p:attrNameLst>
+                                          <p:attrName>style.visibility</p:attrName>
+                                        </p:attrNameLst>
+                                      </p:cBhvr>
+                                      <p:to>
+                                        <p:strVal val="visible"/>
+                                      </p:to>
+                                    </p:set>
+                                  </p:childTnLst>
+                                </p:cTn>
+                              </p:par>
+                            </p:childTnLst>
+                          </p:cTn>
+                        </p:par>
+                      </p:childTnLst>
+                    </p:cTn>
+                  </p:par>
+                  <p:par>
+                    <p:cTn fill="hold">
+                      <p:stCondLst>
+                        <p:cond delay="indefinite"/>
+                      </p:stCondLst>
+                      <p:childTnLst>
+                        <p:par>
+                          <p:cTn fill="hold">
+                            <p:stCondLst>
+                              <p:cond delay="0"/>
+                            </p:stCondLst>
+                            <p:childTnLst>
+                              <p:par>
+                                <p:cTn fill="hold" nodeType="clickEffect" presetClass="entr" presetID="1" presetSubtype="0">
+                                  <p:stCondLst>
+                                    <p:cond delay="0"/>
+                                  </p:stCondLst>
+                                  <p:childTnLst>
+                                    <p:set>
+                                      <p:cBhvr>
+                                        <p:cTn dur="1" fill="hold">
+                                          <p:stCondLst>
+                                            <p:cond delay="0"/>
+                                          </p:stCondLst>
+                                        </p:cTn>
+                                        <p:tgtEl>
+                                          <p:spTgt spid="509"/>
+                                        </p:tgtEl>
+                                        <p:attrNameLst>
+                                          <p:attrName>style.visibility</p:attrName>
+                                        </p:attrNameLst>
+                                      </p:cBhvr>
+                                      <p:to>
+                                        <p:strVal val="visible"/>
+                                      </p:to>
+                                    </p:set>
+                                  </p:childTnLst>
+                                </p:cTn>
+                              </p:par>
+                            </p:childTnLst>
+                          </p:cTn>
+                        </p:par>
+                      </p:childTnLst>
+                    </p:cTn>
+                  </p:par>
+                  <p:par>
+                    <p:cTn fill="hold">
+                      <p:stCondLst>
+                        <p:cond delay="indefinite"/>
+                      </p:stCondLst>
+                      <p:childTnLst>
+                        <p:par>
+                          <p:cTn fill="hold">
+                            <p:stCondLst>
+                              <p:cond delay="0"/>
+                            </p:stCondLst>
+                            <p:childTnLst>
+                              <p:par>
+                                <p:cTn fill="hold" nodeType="clickEffect" presetClass="entr" presetID="1" presetSubtype="0">
+                                  <p:stCondLst>
+                                    <p:cond delay="0"/>
+                                  </p:stCondLst>
+                                  <p:childTnLst>
+                                    <p:set>
+                                      <p:cBhvr>
+                                        <p:cTn dur="1" fill="hold">
+                                          <p:stCondLst>
+                                            <p:cond delay="0"/>
+                                          </p:stCondLst>
+                                        </p:cTn>
+                                        <p:tgtEl>
+                                          <p:spTgt spid="510"/>
+                                        </p:tgtEl>
+                                        <p:attrNameLst>
+                                          <p:attrName>style.visibility</p:attrName>
+                                        </p:attrNameLst>
+                                      </p:cBhvr>
+                                      <p:to>
+                                        <p:strVal val="visible"/>
+                                      </p:to>
+                                    </p:set>
+                                  </p:childTnLst>
+                                </p:cTn>
+                              </p:par>
+                            </p:childTnLst>
+                          </p:cTn>
+                        </p:par>
+                      </p:childTnLst>
+                    </p:cTn>
+                  </p:par>
+                  <p:par>
+                    <p:cTn fill="hold">
+                      <p:stCondLst>
+                        <p:cond delay="indefinite"/>
+                      </p:stCondLst>
+                      <p:childTnLst>
+                        <p:par>
+                          <p:cTn fill="hold">
+                            <p:stCondLst>
+                              <p:cond delay="0"/>
+                            </p:stCondLst>
+                            <p:childTnLst>
+                              <p:par>
+                                <p:cTn fill="hold" nodeType="clickEffect" presetClass="entr" presetID="1" presetSubtype="0">
+                                  <p:stCondLst>
+                                    <p:cond delay="0"/>
+                                  </p:stCondLst>
+                                  <p:childTnLst>
+                                    <p:set>
+                                      <p:cBhvr>
+                                        <p:cTn dur="1" fill="hold">
+                                          <p:stCondLst>
+                                            <p:cond delay="0"/>
+                                          </p:stCondLst>
+                                        </p:cTn>
+                                        <p:tgtEl>
+                                          <p:spTgt spid="511"/>
+                                        </p:tgtEl>
+                                        <p:attrNameLst>
+                                          <p:attrName>style.visibility</p:attrName>
+                                        </p:attrNameLst>
+                                      </p:cBhvr>
+                                      <p:to>
+                                        <p:strVal val="visible"/>
+                                      </p:to>
+                                    </p:set>
+                                  </p:childTnLst>
+                                </p:cTn>
+                              </p:par>
+                            </p:childTnLst>
+                          </p:cTn>
+                        </p:par>
+                      </p:childTnLst>
+                    </p:cTn>
+                  </p:par>
+                  <p:par>
+                    <p:cTn fill="hold">
+                      <p:stCondLst>
+                        <p:cond delay="indefinite"/>
+                      </p:stCondLst>
+                      <p:childTnLst>
+                        <p:par>
+                          <p:cTn fill="hold">
+                            <p:stCondLst>
+                              <p:cond delay="0"/>
+                            </p:stCondLst>
+                            <p:childTnLst>
+                              <p:par>
+                                <p:cTn fill="hold" nodeType="clickEffect" presetClass="entr" presetID="1" presetSubtype="0">
+                                  <p:stCondLst>
+                                    <p:cond delay="0"/>
+                                  </p:stCondLst>
+                                  <p:childTnLst>
+                                    <p:set>
+                                      <p:cBhvr>
+                                        <p:cTn dur="1" fill="hold">
+                                          <p:stCondLst>
+                                            <p:cond delay="0"/>
+                                          </p:stCondLst>
+                                        </p:cTn>
+                                        <p:tgtEl>
+                                          <p:spTgt spid="512"/>
+                                        </p:tgtEl>
+                                        <p:attrNameLst>
+                                          <p:attrName>style.visibility</p:attrName>
+                                        </p:attrNameLst>
+                                      </p:cBhvr>
+                                      <p:to>
+                                        <p:strVal val="visible"/>
+                                      </p:to>
+                                    </p:set>
+                                  </p:childTnLst>
+                                </p:cTn>
+                              </p:par>
+                            </p:childTnLst>
+                          </p:cTn>
+                        </p:par>
+                      </p:childTnLst>
+                    </p:cTn>
+                  </p:par>
+                </p:childTnLst>
+              </p:cTn>
+              <p:prevCondLst>
+                <p:cond evt="onPrev">
+                  <p:tgtEl>
+                    <p:sldTgt/>
+                  </p:tgtEl>
+                </p:cond>
+              </p:prevCondLst>
+              <p:nextCondLst>
+                <p:cond evt="onNext">
+                  <p:tgtEl>
+                    <p:sldTgt/>
+                  </p:tgtEl>
+                </p:cond>
+              </p:nextCondLst>
+            </p:seq>
+          </p:childTnLst>
+        </p:cTn>
+      </p:par>
+    </p:tnLst>
+  </p:timing>
+</p:sld>
+</file>
+
+<file path=ppt/slides/slide62.xml><?xml version="1.0" encoding="utf-8"?>
+<p:sld xmlns:a="http://schemas.openxmlformats.org/drawingml/2006/main" xmlns:r="http://schemas.openxmlformats.org/officeDocument/2006/relationships" xmlns:mc="http://schemas.openxmlformats.org/markup-compatibility/2006" xmlns:mv="urn:schemas-microsoft-com:mac:vml" xmlns:p="http://schemas.openxmlformats.org/presentationml/2006/main" xmlns:c="http://schemas.openxmlformats.org/drawingml/2006/chart" xmlns:dgm="http://schemas.openxmlformats.org/drawingml/2006/diagram" xmlns:o="urn:schemas-microsoft-com:office:office" xmlns:v="urn:schemas-microsoft-com:vml" xmlns:pvml="urn:schemas-microsoft-com:office:powerpoint" xmlns:com="http://schemas.openxmlformats.org/drawingml/2006/compatibility" xmlns:p14="http://schemas.microsoft.com/office/powerpoint/2010/main" xmlns:p15="http://schemas.microsoft.com/office/powerpoint/2012/main" xmlns:ahyp="http://schemas.microsoft.com/office/drawing/2018/hyperlinkcolor">
+  <p:cSld>
+    <p:spTree>
+      <p:nvGrpSpPr>
+        <p:cNvPr id="516" name="Shape 516"/>
+        <p:cNvGrpSpPr/>
+        <p:nvPr/>
+      </p:nvGrpSpPr>
+      <p:grpSpPr>
+        <a:xfrm>
+          <a:off x="0" y="0"/>
+          <a:ext cx="0" cy="0"/>
+          <a:chOff x="0" y="0"/>
+          <a:chExt cx="0" cy="0"/>
+        </a:xfrm>
+      </p:grpSpPr>
+      <p:sp>
+        <p:nvSpPr>
+          <p:cNvPr id="517" name="Google Shape;517;p74"/>
+          <p:cNvSpPr txBox="1"/>
+          <p:nvPr>
+            <p:ph type="title"/>
+          </p:nvPr>
+        </p:nvSpPr>
+        <p:spPr>
+          <a:xfrm>
+            <a:off x="471900" y="738725"/>
+            <a:ext cx="8222100" cy="767700"/>
+          </a:xfrm>
+          <a:prstGeom prst="rect">
+            <a:avLst/>
+          </a:prstGeom>
+        </p:spPr>
+        <p:txBody>
+          <a:bodyPr anchorCtr="0" anchor="b" bIns="91425" lIns="91425" spcFirstLastPara="1" rIns="91425" wrap="square" tIns="91425">
+            <a:normAutofit/>
+          </a:bodyPr>
+          <a:lstStyle/>
+          <a:p>
+            <a:pPr indent="0" lvl="0" marL="0" rtl="0" algn="l">
+              <a:spcBef>
+                <a:spcPts val="0"/>
+              </a:spcBef>
+              <a:spcAft>
+                <a:spcPts val="0"/>
+              </a:spcAft>
+              <a:buNone/>
+            </a:pPr>
+            <a:r>
+              <a:rPr lang="en"/>
+              <a:t>Adding Polynomial Terms to Model</a:t>
+            </a:r>
+            <a:endParaRPr/>
+          </a:p>
+        </p:txBody>
+      </p:sp>
+      <p:sp>
+        <p:nvSpPr>
+          <p:cNvPr id="518" name="Google Shape;518;p74"/>
           <p:cNvSpPr txBox="1"/>
           <p:nvPr>
             <p:ph idx="1" type="body"/>
@@ -34330,7 +35023,7 @@
       </p:sp>
       <p:pic>
         <p:nvPicPr>
-          <p:cNvPr id="504" name="Google Shape;504;p72"/>
+          <p:cNvPr id="519" name="Google Shape;519;p74"/>
           <p:cNvPicPr preferRelativeResize="0"/>
           <p:nvPr/>
         </p:nvPicPr>
@@ -34358,7 +35051,7 @@
       </p:pic>
       <p:pic>
         <p:nvPicPr>
-          <p:cNvPr id="505" name="Google Shape;505;p72"/>
+          <p:cNvPr id="520" name="Google Shape;520;p74"/>
           <p:cNvPicPr preferRelativeResize="0"/>
           <p:nvPr/>
         </p:nvPicPr>
@@ -34386,7 +35079,7 @@
       </p:pic>
       <p:sp>
         <p:nvSpPr>
-          <p:cNvPr id="506" name="Google Shape;506;p72"/>
+          <p:cNvPr id="521" name="Google Shape;521;p74"/>
           <p:cNvSpPr/>
           <p:nvPr/>
         </p:nvSpPr>
@@ -34438,7 +35131,7 @@
       </p:sp>
       <p:cxnSp>
         <p:nvCxnSpPr>
-          <p:cNvPr id="507" name="Google Shape;507;p72"/>
+          <p:cNvPr id="522" name="Google Shape;522;p74"/>
           <p:cNvCxnSpPr/>
           <p:nvPr/>
         </p:nvCxnSpPr>
@@ -34464,7 +35157,7 @@
       </p:cxnSp>
       <p:sp>
         <p:nvSpPr>
-          <p:cNvPr id="508" name="Google Shape;508;p72"/>
+          <p:cNvPr id="523" name="Google Shape;523;p74"/>
           <p:cNvSpPr txBox="1"/>
           <p:nvPr/>
         </p:nvSpPr>
@@ -34534,12 +35227,12 @@
 </p:sld>
 </file>
 
-<file path=ppt/slides/slide61.xml><?xml version="1.0" encoding="utf-8"?>
+<file path=ppt/slides/slide63.xml><?xml version="1.0" encoding="utf-8"?>
 <p:sld xmlns:a="http://schemas.openxmlformats.org/drawingml/2006/main" xmlns:r="http://schemas.openxmlformats.org/officeDocument/2006/relationships" xmlns:mc="http://schemas.openxmlformats.org/markup-compatibility/2006" xmlns:mv="urn:schemas-microsoft-com:mac:vml" xmlns:p="http://schemas.openxmlformats.org/presentationml/2006/main" xmlns:c="http://schemas.openxmlformats.org/drawingml/2006/chart" xmlns:dgm="http://schemas.openxmlformats.org/drawingml/2006/diagram" xmlns:o="urn:schemas-microsoft-com:office:office" xmlns:v="urn:schemas-microsoft-com:vml" xmlns:pvml="urn:schemas-microsoft-com:office:powerpoint" xmlns:com="http://schemas.openxmlformats.org/drawingml/2006/compatibility" xmlns:p14="http://schemas.microsoft.com/office/powerpoint/2010/main" xmlns:p15="http://schemas.microsoft.com/office/powerpoint/2012/main" xmlns:ahyp="http://schemas.microsoft.com/office/drawing/2018/hyperlinkcolor">
   <p:cSld>
     <p:spTree>
       <p:nvGrpSpPr>
-        <p:cNvPr id="512" name="Shape 512"/>
+        <p:cNvPr id="527" name="Shape 527"/>
         <p:cNvGrpSpPr/>
         <p:nvPr/>
       </p:nvGrpSpPr>
@@ -34553,7 +35246,7 @@
       </p:grpSpPr>
       <p:sp>
         <p:nvSpPr>
-          <p:cNvPr id="513" name="Google Shape;513;p73"/>
+          <p:cNvPr id="528" name="Google Shape;528;p75"/>
           <p:cNvSpPr txBox="1"/>
           <p:nvPr>
             <p:ph type="title"/>
@@ -34593,7 +35286,7 @@
       </p:sp>
       <p:sp>
         <p:nvSpPr>
-          <p:cNvPr id="514" name="Google Shape;514;p73"/>
+          <p:cNvPr id="529" name="Google Shape;529;p75"/>
           <p:cNvSpPr txBox="1"/>
           <p:nvPr>
             <p:ph idx="1" type="body"/>
@@ -34685,7 +35378,7 @@
       </p:sp>
       <p:pic>
         <p:nvPicPr>
-          <p:cNvPr id="515" name="Google Shape;515;p73"/>
+          <p:cNvPr id="530" name="Google Shape;530;p75"/>
           <p:cNvPicPr preferRelativeResize="0"/>
           <p:nvPr/>
         </p:nvPicPr>
@@ -34806,7 +35499,7 @@
             <a:tbl>
               <a:tblPr>
                 <a:noFill/>
-                <a:tableStyleId>{F701B251-343C-4CA0-8F75-DB2E4F28BD0F}</a:tableStyleId>
+                <a:tableStyleId>{AFB7E087-2D86-45EA-A7A7-E2C51E06ADBA}</a:tableStyleId>
               </a:tblPr>
               <a:tblGrid>
                 <a:gridCol w="1053875"/>
@@ -36979,7 +37672,7 @@
             <a:tbl>
               <a:tblPr>
                 <a:noFill/>
-                <a:tableStyleId>{F701B251-343C-4CA0-8F75-DB2E4F28BD0F}</a:tableStyleId>
+                <a:tableStyleId>{AFB7E087-2D86-45EA-A7A7-E2C51E06ADBA}</a:tableStyleId>
               </a:tblPr>
               <a:tblGrid>
                 <a:gridCol w="1263150"/>
@@ -39007,6 +39700,285 @@
 </file>
 
 <file path=ppt/theme/theme1.xml><?xml version="1.0" encoding="utf-8"?>
+<a:theme xmlns:a="http://schemas.openxmlformats.org/drawingml/2006/main" xmlns:r="http://schemas.openxmlformats.org/officeDocument/2006/relationships">
+  <a:themeElements>
+    <a:clrScheme name="Default">
+      <a:dk1>
+        <a:srgbClr val="000000"/>
+      </a:dk1>
+      <a:lt1>
+        <a:srgbClr val="FFFFFF"/>
+      </a:lt1>
+      <a:dk2>
+        <a:srgbClr val="158158"/>
+      </a:dk2>
+      <a:lt2>
+        <a:srgbClr val="F3F3F3"/>
+      </a:lt2>
+      <a:accent1>
+        <a:srgbClr val="058DC7"/>
+      </a:accent1>
+      <a:accent2>
+        <a:srgbClr val="50B432"/>
+      </a:accent2>
+      <a:accent3>
+        <a:srgbClr val="ED561B"/>
+      </a:accent3>
+      <a:accent4>
+        <a:srgbClr val="EDEF00"/>
+      </a:accent4>
+      <a:accent5>
+        <a:srgbClr val="24CBE5"/>
+      </a:accent5>
+      <a:accent6>
+        <a:srgbClr val="64E572"/>
+      </a:accent6>
+      <a:hlink>
+        <a:srgbClr val="2200CC"/>
+      </a:hlink>
+      <a:folHlink>
+        <a:srgbClr val="551A8B"/>
+      </a:folHlink>
+    </a:clrScheme>
+    <a:fontScheme name="Office">
+      <a:majorFont>
+        <a:latin typeface="Arial"/>
+        <a:ea typeface=""/>
+        <a:cs typeface=""/>
+        <a:font script="Jpan" typeface="ＭＳ Ｐゴシック"/>
+        <a:font script="Hang" typeface="맑은 고딕"/>
+        <a:font script="Hans" typeface="宋体"/>
+        <a:font script="Hant" typeface="新細明體"/>
+        <a:font script="Arab" typeface="Times New Roman"/>
+        <a:font script="Hebr" typeface="Times New Roman"/>
+        <a:font script="Thai" typeface="Angsana New"/>
+        <a:font script="Ethi" typeface="Nyala"/>
+        <a:font script="Beng" typeface="Vrinda"/>
+        <a:font script="Gujr" typeface="Shruti"/>
+        <a:font script="Khmr" typeface="MoolBoran"/>
+        <a:font script="Knda" typeface="Tunga"/>
+        <a:font script="Guru" typeface="Raavi"/>
+        <a:font script="Cans" typeface="Euphemia"/>
+        <a:font script="Cher" typeface="Plantagenet Cherokee"/>
+        <a:font script="Yiii" typeface="Microsoft Yi Baiti"/>
+        <a:font script="Tibt" typeface="Microsoft Himalaya"/>
+        <a:font script="Thaa" typeface="MV Boli"/>
+        <a:font script="Deva" typeface="Mangal"/>
+        <a:font script="Telu" typeface="Gautami"/>
+        <a:font script="Taml" typeface="Latha"/>
+        <a:font script="Syrc" typeface="Estrangelo Edessa"/>
+        <a:font script="Orya" typeface="Kalinga"/>
+        <a:font script="Mlym" typeface="Kartika"/>
+        <a:font script="Laoo" typeface="DokChampa"/>
+        <a:font script="Sinh" typeface="Iskoola Pota"/>
+        <a:font script="Mong" typeface="Mongolian Baiti"/>
+        <a:font script="Viet" typeface="Times New Roman"/>
+        <a:font script="Uigh" typeface="Microsoft Uighur"/>
+        <a:font script="Geor" typeface="Sylfaen"/>
+      </a:majorFont>
+      <a:minorFont>
+        <a:latin typeface="Arial"/>
+        <a:ea typeface=""/>
+        <a:cs typeface=""/>
+        <a:font script="Jpan" typeface="ＭＳ Ｐゴシック"/>
+        <a:font script="Hang" typeface="맑은 고딕"/>
+        <a:font script="Hans" typeface="宋体"/>
+        <a:font script="Hant" typeface="新細明體"/>
+        <a:font script="Arab" typeface="Arial"/>
+        <a:font script="Hebr" typeface="Arial"/>
+        <a:font script="Thai" typeface="Cordia New"/>
+        <a:font script="Ethi" typeface="Nyala"/>
+        <a:font script="Beng" typeface="Vrinda"/>
+        <a:font script="Gujr" typeface="Shruti"/>
+        <a:font script="Khmr" typeface="DaunPenh"/>
+        <a:font script="Knda" typeface="Tunga"/>
+        <a:font script="Guru" typeface="Raavi"/>
+        <a:font script="Cans" typeface="Euphemia"/>
+        <a:font script="Cher" typeface="Plantagenet Cherokee"/>
+        <a:font script="Yiii" typeface="Microsoft Yi Baiti"/>
+        <a:font script="Tibt" typeface="Microsoft Himalaya"/>
+        <a:font script="Thaa" typeface="MV Boli"/>
+        <a:font script="Deva" typeface="Mangal"/>
+        <a:font script="Telu" typeface="Gautami"/>
+        <a:font script="Taml" typeface="Latha"/>
+        <a:font script="Syrc" typeface="Estrangelo Edessa"/>
+        <a:font script="Orya" typeface="Kalinga"/>
+        <a:font script="Mlym" typeface="Kartika"/>
+        <a:font script="Laoo" typeface="DokChampa"/>
+        <a:font script="Sinh" typeface="Iskoola Pota"/>
+        <a:font script="Mong" typeface="Mongolian Baiti"/>
+        <a:font script="Viet" typeface="Arial"/>
+        <a:font script="Uigh" typeface="Microsoft Uighur"/>
+        <a:font script="Geor" typeface="Sylfaen"/>
+      </a:minorFont>
+    </a:fontScheme>
+    <a:fmtScheme name="Office">
+      <a:fillStyleLst>
+        <a:solidFill>
+          <a:schemeClr val="phClr"/>
+        </a:solidFill>
+        <a:gradFill rotWithShape="1">
+          <a:gsLst>
+            <a:gs pos="0">
+              <a:schemeClr val="phClr">
+                <a:tint val="50000"/>
+                <a:satMod val="300000"/>
+              </a:schemeClr>
+            </a:gs>
+            <a:gs pos="35000">
+              <a:schemeClr val="phClr">
+                <a:tint val="37000"/>
+                <a:satMod val="300000"/>
+              </a:schemeClr>
+            </a:gs>
+            <a:gs pos="100000">
+              <a:schemeClr val="phClr">
+                <a:tint val="15000"/>
+                <a:satMod val="350000"/>
+              </a:schemeClr>
+            </a:gs>
+          </a:gsLst>
+          <a:lin ang="16200000" scaled="1"/>
+        </a:gradFill>
+        <a:gradFill rotWithShape="1">
+          <a:gsLst>
+            <a:gs pos="0">
+              <a:schemeClr val="phClr">
+                <a:tint val="100000"/>
+                <a:shade val="100000"/>
+                <a:satMod val="130000"/>
+              </a:schemeClr>
+            </a:gs>
+            <a:gs pos="100000">
+              <a:schemeClr val="phClr">
+                <a:tint val="50000"/>
+                <a:shade val="100000"/>
+                <a:satMod val="350000"/>
+              </a:schemeClr>
+            </a:gs>
+          </a:gsLst>
+          <a:lin ang="16200000" scaled="0"/>
+        </a:gradFill>
+      </a:fillStyleLst>
+      <a:lnStyleLst>
+        <a:ln w="9525" cap="flat" cmpd="sng" algn="ctr">
+          <a:solidFill>
+            <a:schemeClr val="phClr">
+              <a:shade val="95000"/>
+              <a:satMod val="105000"/>
+            </a:schemeClr>
+          </a:solidFill>
+          <a:prstDash val="solid"/>
+        </a:ln>
+        <a:ln w="25400" cap="flat" cmpd="sng" algn="ctr">
+          <a:solidFill>
+            <a:schemeClr val="phClr"/>
+          </a:solidFill>
+          <a:prstDash val="solid"/>
+        </a:ln>
+        <a:ln w="38100" cap="flat" cmpd="sng" algn="ctr">
+          <a:solidFill>
+            <a:schemeClr val="phClr"/>
+          </a:solidFill>
+          <a:prstDash val="solid"/>
+        </a:ln>
+      </a:lnStyleLst>
+      <a:effectStyleLst>
+        <a:effectStyle>
+          <a:effectLst>
+            <a:outerShdw blurRad="40000" dist="20000" dir="5400000" rotWithShape="0">
+              <a:srgbClr val="000000">
+                <a:alpha val="38000"/>
+              </a:srgbClr>
+            </a:outerShdw>
+          </a:effectLst>
+        </a:effectStyle>
+        <a:effectStyle>
+          <a:effectLst>
+            <a:outerShdw blurRad="40000" dist="23000" dir="5400000" rotWithShape="0">
+              <a:srgbClr val="000000">
+                <a:alpha val="35000"/>
+              </a:srgbClr>
+            </a:outerShdw>
+          </a:effectLst>
+        </a:effectStyle>
+        <a:effectStyle>
+          <a:effectLst>
+            <a:outerShdw blurRad="40000" dist="23000" dir="5400000" rotWithShape="0">
+              <a:srgbClr val="000000">
+                <a:alpha val="35000"/>
+              </a:srgbClr>
+            </a:outerShdw>
+          </a:effectLst>
+          <a:scene3d>
+            <a:camera prst="orthographicFront">
+              <a:rot lat="0" lon="0" rev="0"/>
+            </a:camera>
+            <a:lightRig rig="threePt" dir="t">
+              <a:rot lat="0" lon="0" rev="1200000"/>
+            </a:lightRig>
+          </a:scene3d>
+          <a:sp3d>
+            <a:bevelT w="63500" h="25400"/>
+          </a:sp3d>
+        </a:effectStyle>
+      </a:effectStyleLst>
+      <a:bgFillStyleLst>
+        <a:solidFill>
+          <a:schemeClr val="phClr"/>
+        </a:solidFill>
+        <a:gradFill rotWithShape="1">
+          <a:gsLst>
+            <a:gs pos="0">
+              <a:schemeClr val="phClr">
+                <a:tint val="40000"/>
+                <a:satMod val="350000"/>
+              </a:schemeClr>
+            </a:gs>
+            <a:gs pos="40000">
+              <a:schemeClr val="phClr">
+                <a:tint val="45000"/>
+                <a:shade val="99000"/>
+                <a:satMod val="350000"/>
+              </a:schemeClr>
+            </a:gs>
+            <a:gs pos="100000">
+              <a:schemeClr val="phClr">
+                <a:shade val="20000"/>
+                <a:satMod val="255000"/>
+              </a:schemeClr>
+            </a:gs>
+          </a:gsLst>
+          <a:path path="circle">
+            <a:fillToRect l="50000" t="-80000" r="50000" b="180000"/>
+          </a:path>
+        </a:gradFill>
+        <a:gradFill rotWithShape="1">
+          <a:gsLst>
+            <a:gs pos="0">
+              <a:schemeClr val="phClr">
+                <a:tint val="80000"/>
+                <a:satMod val="300000"/>
+              </a:schemeClr>
+            </a:gs>
+            <a:gs pos="100000">
+              <a:schemeClr val="phClr">
+                <a:shade val="30000"/>
+                <a:satMod val="200000"/>
+              </a:schemeClr>
+            </a:gs>
+          </a:gsLst>
+          <a:path path="circle">
+            <a:fillToRect l="50000" t="50000" r="50000" b="50000"/>
+          </a:path>
+        </a:gradFill>
+      </a:bgFillStyleLst>
+    </a:fmtScheme>
+  </a:themeElements>
+</a:theme>
+</file>
+
+<file path=ppt/theme/theme2.xml><?xml version="1.0" encoding="utf-8"?>
 <a:theme xmlns:a="http://schemas.openxmlformats.org/drawingml/2006/main" xmlns:r="http://schemas.openxmlformats.org/officeDocument/2006/relationships" name="Material">
   <a:themeElements>
     <a:clrScheme name="Material">
@@ -39283,283 +40255,4 @@
     </a:fmtScheme>
   </a:themeElements>
 </a:theme>
-</file>
-
-<file path=ppt/theme/theme2.xml><?xml version="1.0" encoding="utf-8"?>
-<a:theme xmlns:a="http://schemas.openxmlformats.org/drawingml/2006/main" xmlns:r="http://schemas.openxmlformats.org/officeDocument/2006/relationships">
-  <a:themeElements>
-    <a:clrScheme name="Default">
-      <a:dk1>
-        <a:srgbClr val="000000"/>
-      </a:dk1>
-      <a:lt1>
-        <a:srgbClr val="FFFFFF"/>
-      </a:lt1>
-      <a:dk2>
-        <a:srgbClr val="158158"/>
-      </a:dk2>
-      <a:lt2>
-        <a:srgbClr val="F3F3F3"/>
-      </a:lt2>
-      <a:accent1>
-        <a:srgbClr val="058DC7"/>
-      </a:accent1>
-      <a:accent2>
-        <a:srgbClr val="50B432"/>
-      </a:accent2>
-      <a:accent3>
-        <a:srgbClr val="ED561B"/>
-      </a:accent3>
-      <a:accent4>
-        <a:srgbClr val="EDEF00"/>
-      </a:accent4>
-      <a:accent5>
-        <a:srgbClr val="24CBE5"/>
-      </a:accent5>
-      <a:accent6>
-        <a:srgbClr val="64E572"/>
-      </a:accent6>
-      <a:hlink>
-        <a:srgbClr val="2200CC"/>
-      </a:hlink>
-      <a:folHlink>
-        <a:srgbClr val="551A8B"/>
-      </a:folHlink>
-    </a:clrScheme>
-    <a:fontScheme name="Office">
-      <a:majorFont>
-        <a:latin typeface="Arial"/>
-        <a:ea typeface=""/>
-        <a:cs typeface=""/>
-        <a:font script="Jpan" typeface="ＭＳ Ｐゴシック"/>
-        <a:font script="Hang" typeface="맑은 고딕"/>
-        <a:font script="Hans" typeface="宋体"/>
-        <a:font script="Hant" typeface="新細明體"/>
-        <a:font script="Arab" typeface="Times New Roman"/>
-        <a:font script="Hebr" typeface="Times New Roman"/>
-        <a:font script="Thai" typeface="Angsana New"/>
-        <a:font script="Ethi" typeface="Nyala"/>
-        <a:font script="Beng" typeface="Vrinda"/>
-        <a:font script="Gujr" typeface="Shruti"/>
-        <a:font script="Khmr" typeface="MoolBoran"/>
-        <a:font script="Knda" typeface="Tunga"/>
-        <a:font script="Guru" typeface="Raavi"/>
-        <a:font script="Cans" typeface="Euphemia"/>
-        <a:font script="Cher" typeface="Plantagenet Cherokee"/>
-        <a:font script="Yiii" typeface="Microsoft Yi Baiti"/>
-        <a:font script="Tibt" typeface="Microsoft Himalaya"/>
-        <a:font script="Thaa" typeface="MV Boli"/>
-        <a:font script="Deva" typeface="Mangal"/>
-        <a:font script="Telu" typeface="Gautami"/>
-        <a:font script="Taml" typeface="Latha"/>
-        <a:font script="Syrc" typeface="Estrangelo Edessa"/>
-        <a:font script="Orya" typeface="Kalinga"/>
-        <a:font script="Mlym" typeface="Kartika"/>
-        <a:font script="Laoo" typeface="DokChampa"/>
-        <a:font script="Sinh" typeface="Iskoola Pota"/>
-        <a:font script="Mong" typeface="Mongolian Baiti"/>
-        <a:font script="Viet" typeface="Times New Roman"/>
-        <a:font script="Uigh" typeface="Microsoft Uighur"/>
-        <a:font script="Geor" typeface="Sylfaen"/>
-      </a:majorFont>
-      <a:minorFont>
-        <a:latin typeface="Arial"/>
-        <a:ea typeface=""/>
-        <a:cs typeface=""/>
-        <a:font script="Jpan" typeface="ＭＳ Ｐゴシック"/>
-        <a:font script="Hang" typeface="맑은 고딕"/>
-        <a:font script="Hans" typeface="宋体"/>
-        <a:font script="Hant" typeface="新細明體"/>
-        <a:font script="Arab" typeface="Arial"/>
-        <a:font script="Hebr" typeface="Arial"/>
-        <a:font script="Thai" typeface="Cordia New"/>
-        <a:font script="Ethi" typeface="Nyala"/>
-        <a:font script="Beng" typeface="Vrinda"/>
-        <a:font script="Gujr" typeface="Shruti"/>
-        <a:font script="Khmr" typeface="DaunPenh"/>
-        <a:font script="Knda" typeface="Tunga"/>
-        <a:font script="Guru" typeface="Raavi"/>
-        <a:font script="Cans" typeface="Euphemia"/>
-        <a:font script="Cher" typeface="Plantagenet Cherokee"/>
-        <a:font script="Yiii" typeface="Microsoft Yi Baiti"/>
-        <a:font script="Tibt" typeface="Microsoft Himalaya"/>
-        <a:font script="Thaa" typeface="MV Boli"/>
-        <a:font script="Deva" typeface="Mangal"/>
-        <a:font script="Telu" typeface="Gautami"/>
-        <a:font script="Taml" typeface="Latha"/>
-        <a:font script="Syrc" typeface="Estrangelo Edessa"/>
-        <a:font script="Orya" typeface="Kalinga"/>
-        <a:font script="Mlym" typeface="Kartika"/>
-        <a:font script="Laoo" typeface="DokChampa"/>
-        <a:font script="Sinh" typeface="Iskoola Pota"/>
-        <a:font script="Mong" typeface="Mongolian Baiti"/>
-        <a:font script="Viet" typeface="Arial"/>
-        <a:font script="Uigh" typeface="Microsoft Uighur"/>
-        <a:font script="Geor" typeface="Sylfaen"/>
-      </a:minorFont>
-    </a:fontScheme>
-    <a:fmtScheme name="Office">
-      <a:fillStyleLst>
-        <a:solidFill>
-          <a:schemeClr val="phClr"/>
-        </a:solidFill>
-        <a:gradFill rotWithShape="1">
-          <a:gsLst>
-            <a:gs pos="0">
-              <a:schemeClr val="phClr">
-                <a:tint val="50000"/>
-                <a:satMod val="300000"/>
-              </a:schemeClr>
-            </a:gs>
-            <a:gs pos="35000">
-              <a:schemeClr val="phClr">
-                <a:tint val="37000"/>
-                <a:satMod val="300000"/>
-              </a:schemeClr>
-            </a:gs>
-            <a:gs pos="100000">
-              <a:schemeClr val="phClr">
-                <a:tint val="15000"/>
-                <a:satMod val="350000"/>
-              </a:schemeClr>
-            </a:gs>
-          </a:gsLst>
-          <a:lin ang="16200000" scaled="1"/>
-        </a:gradFill>
-        <a:gradFill rotWithShape="1">
-          <a:gsLst>
-            <a:gs pos="0">
-              <a:schemeClr val="phClr">
-                <a:tint val="100000"/>
-                <a:shade val="100000"/>
-                <a:satMod val="130000"/>
-              </a:schemeClr>
-            </a:gs>
-            <a:gs pos="100000">
-              <a:schemeClr val="phClr">
-                <a:tint val="50000"/>
-                <a:shade val="100000"/>
-                <a:satMod val="350000"/>
-              </a:schemeClr>
-            </a:gs>
-          </a:gsLst>
-          <a:lin ang="16200000" scaled="0"/>
-        </a:gradFill>
-      </a:fillStyleLst>
-      <a:lnStyleLst>
-        <a:ln w="9525" cap="flat" cmpd="sng" algn="ctr">
-          <a:solidFill>
-            <a:schemeClr val="phClr">
-              <a:shade val="95000"/>
-              <a:satMod val="105000"/>
-            </a:schemeClr>
-          </a:solidFill>
-          <a:prstDash val="solid"/>
-        </a:ln>
-        <a:ln w="25400" cap="flat" cmpd="sng" algn="ctr">
-          <a:solidFill>
-            <a:schemeClr val="phClr"/>
-          </a:solidFill>
-          <a:prstDash val="solid"/>
-        </a:ln>
-        <a:ln w="38100" cap="flat" cmpd="sng" algn="ctr">
-          <a:solidFill>
-            <a:schemeClr val="phClr"/>
-          </a:solidFill>
-          <a:prstDash val="solid"/>
-        </a:ln>
-      </a:lnStyleLst>
-      <a:effectStyleLst>
-        <a:effectStyle>
-          <a:effectLst>
-            <a:outerShdw blurRad="40000" dist="20000" dir="5400000" rotWithShape="0">
-              <a:srgbClr val="000000">
-                <a:alpha val="38000"/>
-              </a:srgbClr>
-            </a:outerShdw>
-          </a:effectLst>
-        </a:effectStyle>
-        <a:effectStyle>
-          <a:effectLst>
-            <a:outerShdw blurRad="40000" dist="23000" dir="5400000" rotWithShape="0">
-              <a:srgbClr val="000000">
-                <a:alpha val="35000"/>
-              </a:srgbClr>
-            </a:outerShdw>
-          </a:effectLst>
-        </a:effectStyle>
-        <a:effectStyle>
-          <a:effectLst>
-            <a:outerShdw blurRad="40000" dist="23000" dir="5400000" rotWithShape="0">
-              <a:srgbClr val="000000">
-                <a:alpha val="35000"/>
-              </a:srgbClr>
-            </a:outerShdw>
-          </a:effectLst>
-          <a:scene3d>
-            <a:camera prst="orthographicFront">
-              <a:rot lat="0" lon="0" rev="0"/>
-            </a:camera>
-            <a:lightRig rig="threePt" dir="t">
-              <a:rot lat="0" lon="0" rev="1200000"/>
-            </a:lightRig>
-          </a:scene3d>
-          <a:sp3d>
-            <a:bevelT w="63500" h="25400"/>
-          </a:sp3d>
-        </a:effectStyle>
-      </a:effectStyleLst>
-      <a:bgFillStyleLst>
-        <a:solidFill>
-          <a:schemeClr val="phClr"/>
-        </a:solidFill>
-        <a:gradFill rotWithShape="1">
-          <a:gsLst>
-            <a:gs pos="0">
-              <a:schemeClr val="phClr">
-                <a:tint val="40000"/>
-                <a:satMod val="350000"/>
-              </a:schemeClr>
-            </a:gs>
-            <a:gs pos="40000">
-              <a:schemeClr val="phClr">
-                <a:tint val="45000"/>
-                <a:shade val="99000"/>
-                <a:satMod val="350000"/>
-              </a:schemeClr>
-            </a:gs>
-            <a:gs pos="100000">
-              <a:schemeClr val="phClr">
-                <a:shade val="20000"/>
-                <a:satMod val="255000"/>
-              </a:schemeClr>
-            </a:gs>
-          </a:gsLst>
-          <a:path path="circle">
-            <a:fillToRect l="50000" t="-80000" r="50000" b="180000"/>
-          </a:path>
-        </a:gradFill>
-        <a:gradFill rotWithShape="1">
-          <a:gsLst>
-            <a:gs pos="0">
-              <a:schemeClr val="phClr">
-                <a:tint val="80000"/>
-                <a:satMod val="300000"/>
-              </a:schemeClr>
-            </a:gs>
-            <a:gs pos="100000">
-              <a:schemeClr val="phClr">
-                <a:shade val="30000"/>
-                <a:satMod val="200000"/>
-              </a:schemeClr>
-            </a:gs>
-          </a:gsLst>
-          <a:path path="circle">
-            <a:fillToRect l="50000" t="50000" r="50000" b="50000"/>
-          </a:path>
-        </a:gradFill>
-      </a:bgFillStyleLst>
-    </a:fmtScheme>
-  </a:themeElements>
-</a:theme>
 </file>